--- a/103.pptx
+++ b/103.pptx
@@ -2,117 +2,117 @@
 <file path=ppt/presentation.xml><?xml version="1.0" encoding="utf-8"?>
 <p:presentation xmlns:a="http://schemas.openxmlformats.org/drawingml/2006/main" xmlns:r="http://schemas.openxmlformats.org/officeDocument/2006/relationships" xmlns:p="http://schemas.openxmlformats.org/presentationml/2006/main">
   <p:sldMasterIdLst>
-    <p:sldMasterId id="2147483648" r:id="rId5"/>
+    <p:sldMasterId id="2147483648" r:id="rId1"/>
   </p:sldMasterIdLst>
   <p:notesMasterIdLst>
-    <p:notesMasterId r:id="rId7"/>
+    <p:notesMasterId r:id="rId105"/>
   </p:notesMasterIdLst>
   <p:sldIdLst>
-    <p:sldId id="256" r:id="rId8"/>
-    <p:sldId id="257" r:id="rId9"/>
-    <p:sldId id="258" r:id="rId10"/>
-    <p:sldId id="259" r:id="rId11"/>
-    <p:sldId id="260" r:id="rId12"/>
-    <p:sldId id="261" r:id="rId13"/>
-    <p:sldId id="262" r:id="rId14"/>
-    <p:sldId id="263" r:id="rId15"/>
-    <p:sldId id="264" r:id="rId16"/>
-    <p:sldId id="265" r:id="rId17"/>
-    <p:sldId id="266" r:id="rId18"/>
-    <p:sldId id="267" r:id="rId19"/>
-    <p:sldId id="268" r:id="rId20"/>
-    <p:sldId id="269" r:id="rId21"/>
-    <p:sldId id="270" r:id="rId22"/>
-    <p:sldId id="271" r:id="rId23"/>
-    <p:sldId id="272" r:id="rId24"/>
-    <p:sldId id="273" r:id="rId25"/>
-    <p:sldId id="274" r:id="rId26"/>
-    <p:sldId id="275" r:id="rId27"/>
-    <p:sldId id="276" r:id="rId28"/>
-    <p:sldId id="277" r:id="rId29"/>
-    <p:sldId id="278" r:id="rId30"/>
-    <p:sldId id="279" r:id="rId31"/>
-    <p:sldId id="280" r:id="rId32"/>
-    <p:sldId id="281" r:id="rId33"/>
-    <p:sldId id="282" r:id="rId34"/>
-    <p:sldId id="283" r:id="rId35"/>
-    <p:sldId id="284" r:id="rId36"/>
-    <p:sldId id="285" r:id="rId37"/>
-    <p:sldId id="286" r:id="rId38"/>
-    <p:sldId id="287" r:id="rId39"/>
-    <p:sldId id="288" r:id="rId40"/>
-    <p:sldId id="289" r:id="rId41"/>
-    <p:sldId id="290" r:id="rId42"/>
-    <p:sldId id="291" r:id="rId43"/>
-    <p:sldId id="292" r:id="rId44"/>
-    <p:sldId id="293" r:id="rId45"/>
-    <p:sldId id="294" r:id="rId46"/>
-    <p:sldId id="295" r:id="rId47"/>
-    <p:sldId id="296" r:id="rId48"/>
-    <p:sldId id="297" r:id="rId49"/>
-    <p:sldId id="298" r:id="rId50"/>
-    <p:sldId id="299" r:id="rId51"/>
-    <p:sldId id="300" r:id="rId52"/>
-    <p:sldId id="301" r:id="rId53"/>
-    <p:sldId id="302" r:id="rId54"/>
-    <p:sldId id="303" r:id="rId55"/>
-    <p:sldId id="304" r:id="rId56"/>
-    <p:sldId id="305" r:id="rId57"/>
-    <p:sldId id="306" r:id="rId58"/>
-    <p:sldId id="307" r:id="rId59"/>
-    <p:sldId id="308" r:id="rId60"/>
-    <p:sldId id="309" r:id="rId61"/>
-    <p:sldId id="310" r:id="rId62"/>
-    <p:sldId id="311" r:id="rId63"/>
-    <p:sldId id="312" r:id="rId64"/>
-    <p:sldId id="313" r:id="rId65"/>
-    <p:sldId id="314" r:id="rId66"/>
-    <p:sldId id="315" r:id="rId67"/>
-    <p:sldId id="316" r:id="rId68"/>
-    <p:sldId id="317" r:id="rId69"/>
-    <p:sldId id="318" r:id="rId70"/>
-    <p:sldId id="319" r:id="rId71"/>
-    <p:sldId id="320" r:id="rId72"/>
-    <p:sldId id="321" r:id="rId73"/>
-    <p:sldId id="322" r:id="rId74"/>
-    <p:sldId id="323" r:id="rId75"/>
-    <p:sldId id="324" r:id="rId76"/>
-    <p:sldId id="325" r:id="rId77"/>
-    <p:sldId id="326" r:id="rId78"/>
-    <p:sldId id="327" r:id="rId79"/>
-    <p:sldId id="328" r:id="rId80"/>
-    <p:sldId id="329" r:id="rId81"/>
-    <p:sldId id="330" r:id="rId82"/>
-    <p:sldId id="331" r:id="rId83"/>
-    <p:sldId id="332" r:id="rId84"/>
-    <p:sldId id="333" r:id="rId85"/>
-    <p:sldId id="334" r:id="rId86"/>
-    <p:sldId id="335" r:id="rId87"/>
-    <p:sldId id="336" r:id="rId88"/>
-    <p:sldId id="337" r:id="rId89"/>
-    <p:sldId id="338" r:id="rId90"/>
-    <p:sldId id="339" r:id="rId91"/>
-    <p:sldId id="340" r:id="rId92"/>
-    <p:sldId id="341" r:id="rId93"/>
-    <p:sldId id="342" r:id="rId94"/>
-    <p:sldId id="343" r:id="rId95"/>
-    <p:sldId id="344" r:id="rId96"/>
-    <p:sldId id="345" r:id="rId97"/>
-    <p:sldId id="346" r:id="rId98"/>
-    <p:sldId id="347" r:id="rId99"/>
-    <p:sldId id="348" r:id="rId100"/>
-    <p:sldId id="349" r:id="rId101"/>
-    <p:sldId id="350" r:id="rId102"/>
-    <p:sldId id="351" r:id="rId103"/>
-    <p:sldId id="352" r:id="rId104"/>
-    <p:sldId id="353" r:id="rId105"/>
-    <p:sldId id="354" r:id="rId106"/>
-    <p:sldId id="355" r:id="rId107"/>
-    <p:sldId id="356" r:id="rId108"/>
-    <p:sldId id="357" r:id="rId109"/>
-    <p:sldId id="358" r:id="rId110"/>
+    <p:sldId id="256" r:id="rId2"/>
+    <p:sldId id="257" r:id="rId3"/>
+    <p:sldId id="258" r:id="rId4"/>
+    <p:sldId id="259" r:id="rId5"/>
+    <p:sldId id="260" r:id="rId6"/>
+    <p:sldId id="261" r:id="rId7"/>
+    <p:sldId id="262" r:id="rId8"/>
+    <p:sldId id="263" r:id="rId9"/>
+    <p:sldId id="264" r:id="rId10"/>
+    <p:sldId id="265" r:id="rId11"/>
+    <p:sldId id="266" r:id="rId12"/>
+    <p:sldId id="267" r:id="rId13"/>
+    <p:sldId id="268" r:id="rId14"/>
+    <p:sldId id="269" r:id="rId15"/>
+    <p:sldId id="270" r:id="rId16"/>
+    <p:sldId id="271" r:id="rId17"/>
+    <p:sldId id="272" r:id="rId18"/>
+    <p:sldId id="273" r:id="rId19"/>
+    <p:sldId id="274" r:id="rId20"/>
+    <p:sldId id="275" r:id="rId21"/>
+    <p:sldId id="276" r:id="rId22"/>
+    <p:sldId id="277" r:id="rId23"/>
+    <p:sldId id="278" r:id="rId24"/>
+    <p:sldId id="279" r:id="rId25"/>
+    <p:sldId id="280" r:id="rId26"/>
+    <p:sldId id="281" r:id="rId27"/>
+    <p:sldId id="282" r:id="rId28"/>
+    <p:sldId id="283" r:id="rId29"/>
+    <p:sldId id="284" r:id="rId30"/>
+    <p:sldId id="285" r:id="rId31"/>
+    <p:sldId id="286" r:id="rId32"/>
+    <p:sldId id="287" r:id="rId33"/>
+    <p:sldId id="288" r:id="rId34"/>
+    <p:sldId id="289" r:id="rId35"/>
+    <p:sldId id="290" r:id="rId36"/>
+    <p:sldId id="291" r:id="rId37"/>
+    <p:sldId id="292" r:id="rId38"/>
+    <p:sldId id="293" r:id="rId39"/>
+    <p:sldId id="294" r:id="rId40"/>
+    <p:sldId id="295" r:id="rId41"/>
+    <p:sldId id="296" r:id="rId42"/>
+    <p:sldId id="297" r:id="rId43"/>
+    <p:sldId id="298" r:id="rId44"/>
+    <p:sldId id="299" r:id="rId45"/>
+    <p:sldId id="300" r:id="rId46"/>
+    <p:sldId id="301" r:id="rId47"/>
+    <p:sldId id="302" r:id="rId48"/>
+    <p:sldId id="303" r:id="rId49"/>
+    <p:sldId id="304" r:id="rId50"/>
+    <p:sldId id="305" r:id="rId51"/>
+    <p:sldId id="306" r:id="rId52"/>
+    <p:sldId id="307" r:id="rId53"/>
+    <p:sldId id="308" r:id="rId54"/>
+    <p:sldId id="309" r:id="rId55"/>
+    <p:sldId id="310" r:id="rId56"/>
+    <p:sldId id="311" r:id="rId57"/>
+    <p:sldId id="312" r:id="rId58"/>
+    <p:sldId id="313" r:id="rId59"/>
+    <p:sldId id="314" r:id="rId60"/>
+    <p:sldId id="315" r:id="rId61"/>
+    <p:sldId id="316" r:id="rId62"/>
+    <p:sldId id="317" r:id="rId63"/>
+    <p:sldId id="318" r:id="rId64"/>
+    <p:sldId id="319" r:id="rId65"/>
+    <p:sldId id="320" r:id="rId66"/>
+    <p:sldId id="321" r:id="rId67"/>
+    <p:sldId id="322" r:id="rId68"/>
+    <p:sldId id="323" r:id="rId69"/>
+    <p:sldId id="324" r:id="rId70"/>
+    <p:sldId id="325" r:id="rId71"/>
+    <p:sldId id="326" r:id="rId72"/>
+    <p:sldId id="327" r:id="rId73"/>
+    <p:sldId id="328" r:id="rId74"/>
+    <p:sldId id="329" r:id="rId75"/>
+    <p:sldId id="330" r:id="rId76"/>
+    <p:sldId id="331" r:id="rId77"/>
+    <p:sldId id="332" r:id="rId78"/>
+    <p:sldId id="333" r:id="rId79"/>
+    <p:sldId id="334" r:id="rId80"/>
+    <p:sldId id="335" r:id="rId81"/>
+    <p:sldId id="336" r:id="rId82"/>
+    <p:sldId id="337" r:id="rId83"/>
+    <p:sldId id="338" r:id="rId84"/>
+    <p:sldId id="339" r:id="rId85"/>
+    <p:sldId id="340" r:id="rId86"/>
+    <p:sldId id="341" r:id="rId87"/>
+    <p:sldId id="342" r:id="rId88"/>
+    <p:sldId id="343" r:id="rId89"/>
+    <p:sldId id="344" r:id="rId90"/>
+    <p:sldId id="345" r:id="rId91"/>
+    <p:sldId id="346" r:id="rId92"/>
+    <p:sldId id="347" r:id="rId93"/>
+    <p:sldId id="348" r:id="rId94"/>
+    <p:sldId id="349" r:id="rId95"/>
+    <p:sldId id="350" r:id="rId96"/>
+    <p:sldId id="351" r:id="rId97"/>
+    <p:sldId id="352" r:id="rId98"/>
+    <p:sldId id="353" r:id="rId99"/>
+    <p:sldId id="354" r:id="rId100"/>
+    <p:sldId id="355" r:id="rId101"/>
+    <p:sldId id="356" r:id="rId102"/>
+    <p:sldId id="357" r:id="rId103"/>
+    <p:sldId id="358" r:id="rId104"/>
   </p:sldIdLst>
-  <p:sldSz cx="9144000" cy="6858000"/>
+  <p:sldSz cx="9144000" cy="6858000" type="screen4x3"/>
   <p:notesSz cx="6858000" cy="9144000"/>
   <p:defaultTextStyle>
     <a:lvl1pPr>
@@ -188,16 +188,33 @@
       </a:defRPr>
     </a:lvl9pPr>
   </p:defaultTextStyle>
+  <p:extLst>
+    <p:ext uri="{EFAFB233-063F-42B5-8137-9DF3F51BA10A}">
+      <p15:sldGuideLst xmlns:p15="http://schemas.microsoft.com/office/powerpoint/2012/main">
+        <p15:guide id="1" orient="horz" pos="2160" userDrawn="1">
+          <p15:clr>
+            <a:srgbClr val="A4A3A4"/>
+          </p15:clr>
+        </p15:guide>
+        <p15:guide id="2" pos="2880" userDrawn="1">
+          <p15:clr>
+            <a:srgbClr val="A4A3A4"/>
+          </p15:clr>
+        </p15:guide>
+      </p15:sldGuideLst>
+    </p:ext>
+  </p:extLst>
 </p:presentation>
-</file>
-
-<file path=ppt/commentAuthors.xml><?xml version="1.0" encoding="utf-8"?>
-<p:cmAuthorLst xmlns:a="http://schemas.openxmlformats.org/drawingml/2006/main" xmlns:r="http://schemas.openxmlformats.org/officeDocument/2006/relationships" xmlns:p="http://schemas.openxmlformats.org/presentationml/2006/main"/>
 </file>
 
 <file path=ppt/notesMasters/notesMaster1.xml><?xml version="1.0" encoding="utf-8"?>
 <p:notesMaster xmlns:a="http://schemas.openxmlformats.org/drawingml/2006/main" xmlns:r="http://schemas.openxmlformats.org/officeDocument/2006/relationships" xmlns:p="http://schemas.openxmlformats.org/presentationml/2006/main">
   <p:cSld>
+    <p:bg>
+      <p:bgRef idx="1001">
+        <a:schemeClr val="bg1"/>
+      </p:bgRef>
+    </p:bg>
     <p:spTree>
       <p:nvGrpSpPr>
         <p:cNvPr id="1" name=""/>
@@ -215,7 +232,9 @@
       <p:sp>
         <p:nvSpPr>
           <p:cNvPr id="46" name="Shape 46"/>
-          <p:cNvSpPr/>
+          <p:cNvSpPr>
+            <a:spLocks noGrp="1" noRot="1" noChangeAspect="1"/>
+          </p:cNvSpPr>
           <p:nvPr>
             <p:ph type="sldImg"/>
           </p:nvPr>
@@ -234,13 +253,16 @@
           <a:lstStyle/>
           <a:p>
             <a:pPr lvl="0"/>
+            <a:endParaRPr/>
           </a:p>
         </p:txBody>
       </p:sp>
       <p:sp>
         <p:nvSpPr>
           <p:cNvPr id="47" name="Shape 47"/>
-          <p:cNvSpPr/>
+          <p:cNvSpPr>
+            <a:spLocks noGrp="1"/>
+          </p:cNvSpPr>
           <p:nvPr>
             <p:ph type="body" sz="quarter" idx="1"/>
           </p:nvPr>
@@ -259,10 +281,16 @@
           <a:lstStyle/>
           <a:p>
             <a:pPr lvl="0"/>
+            <a:endParaRPr/>
           </a:p>
         </p:txBody>
       </p:sp>
     </p:spTree>
+    <p:extLst>
+      <p:ext uri="{BB962C8B-B14F-4D97-AF65-F5344CB8AC3E}">
+        <p14:creationId xmlns:p14="http://schemas.microsoft.com/office/powerpoint/2010/main" val="2811267359"/>
+      </p:ext>
+    </p:extLst>
   </p:cSld>
   <p:clrMap bg1="lt1" tx1="dk1" bg2="lt2" tx2="dk2" accent1="accent1" accent2="accent2" accent3="accent3" accent4="accent4" accent5="accent5" accent6="accent6" hlink="hlink" folHlink="folHlink"/>
   <p:notesStyle>
@@ -370,7 +398,7 @@
 </file>
 
 <file path=ppt/slideLayouts/slideLayout1.xml><?xml version="1.0" encoding="utf-8"?>
-<p:sldLayout xmlns:a="http://schemas.openxmlformats.org/drawingml/2006/main" xmlns:r="http://schemas.openxmlformats.org/officeDocument/2006/relationships" xmlns:p="http://schemas.openxmlformats.org/presentationml/2006/main" type="tx" showMasterSp="1" showMasterPhAnim="1">
+<p:sldLayout xmlns:a="http://schemas.openxmlformats.org/drawingml/2006/main" xmlns:r="http://schemas.openxmlformats.org/officeDocument/2006/relationships" xmlns:p="http://schemas.openxmlformats.org/presentationml/2006/main" type="tx">
   <p:cSld name="标题幻灯片">
     <p:spTree>
       <p:nvGrpSpPr>
@@ -389,7 +417,9 @@
       <p:sp>
         <p:nvSpPr>
           <p:cNvPr id="6" name="Shape 6"/>
-          <p:cNvSpPr/>
+          <p:cNvSpPr>
+            <a:spLocks noGrp="1"/>
+          </p:cNvSpPr>
           <p:nvPr>
             <p:ph type="title"/>
           </p:nvPr>
@@ -432,7 +462,9 @@
       <p:sp>
         <p:nvSpPr>
           <p:cNvPr id="7" name="Shape 7"/>
-          <p:cNvSpPr/>
+          <p:cNvSpPr>
+            <a:spLocks noGrp="1"/>
+          </p:cNvSpPr>
           <p:nvPr>
             <p:ph type="body" idx="1"/>
           </p:nvPr>
@@ -496,11 +528,6 @@
               </a:rPr>
               <a:t>正文级别 1</a:t>
             </a:r>
-            <a:endParaRPr sz="2400">
-              <a:solidFill>
-                <a:srgbClr val="FFFFFF"/>
-              </a:solidFill>
-            </a:endParaRPr>
           </a:p>
           <a:p>
             <a:pPr lvl="1">
@@ -518,11 +545,6 @@
               </a:rPr>
               <a:t>正文级别 2</a:t>
             </a:r>
-            <a:endParaRPr sz="2400">
-              <a:solidFill>
-                <a:srgbClr val="FFFFFF"/>
-              </a:solidFill>
-            </a:endParaRPr>
           </a:p>
           <a:p>
             <a:pPr lvl="2">
@@ -540,11 +562,6 @@
               </a:rPr>
               <a:t>正文级别 3</a:t>
             </a:r>
-            <a:endParaRPr sz="2400">
-              <a:solidFill>
-                <a:srgbClr val="FFFFFF"/>
-              </a:solidFill>
-            </a:endParaRPr>
           </a:p>
           <a:p>
             <a:pPr lvl="3">
@@ -562,11 +579,6 @@
               </a:rPr>
               <a:t>正文级别 4</a:t>
             </a:r>
-            <a:endParaRPr sz="2400">
-              <a:solidFill>
-                <a:srgbClr val="FFFFFF"/>
-              </a:solidFill>
-            </a:endParaRPr>
           </a:p>
           <a:p>
             <a:pPr lvl="4">
@@ -590,7 +602,9 @@
       <p:sp>
         <p:nvSpPr>
           <p:cNvPr id="8" name="Shape 8"/>
-          <p:cNvSpPr/>
+          <p:cNvSpPr>
+            <a:spLocks noGrp="1"/>
+          </p:cNvSpPr>
           <p:nvPr>
             <p:ph type="sldNum" sz="quarter" idx="2"/>
           </p:nvPr>
@@ -605,7 +619,10 @@
           <a:lstStyle/>
           <a:p>
             <a:pPr lvl="0"/>
-            <a:fld id="{86CB4B4D-7CA3-9044-876B-883B54F8677D}" type="slidenum"/>
+            <a:fld id="{86CB4B4D-7CA3-9044-876B-883B54F8677D}" type="slidenum">
+              <a:t>‹#›</a:t>
+            </a:fld>
+            <a:endParaRPr/>
           </a:p>
         </p:txBody>
       </p:sp>
@@ -614,12 +631,12 @@
   <p:clrMapOvr>
     <a:masterClrMapping/>
   </p:clrMapOvr>
-  <p:transition spd="med" advClick="1"/>
+  <p:transition spd="med"/>
 </p:sldLayout>
 </file>
 
 <file path=ppt/slideLayouts/slideLayout10.xml><?xml version="1.0" encoding="utf-8"?>
-<p:sldLayout xmlns:a="http://schemas.openxmlformats.org/drawingml/2006/main" xmlns:r="http://schemas.openxmlformats.org/officeDocument/2006/relationships" xmlns:p="http://schemas.openxmlformats.org/presentationml/2006/main" type="tx" showMasterSp="1" showMasterPhAnim="1">
+<p:sldLayout xmlns:a="http://schemas.openxmlformats.org/drawingml/2006/main" xmlns:r="http://schemas.openxmlformats.org/officeDocument/2006/relationships" xmlns:p="http://schemas.openxmlformats.org/presentationml/2006/main" type="tx">
   <p:cSld name="标题和竖排文本">
     <p:spTree>
       <p:nvGrpSpPr>
@@ -638,7 +655,9 @@
       <p:sp>
         <p:nvSpPr>
           <p:cNvPr id="39" name="Shape 39"/>
-          <p:cNvSpPr/>
+          <p:cNvSpPr>
+            <a:spLocks noGrp="1"/>
+          </p:cNvSpPr>
           <p:nvPr>
             <p:ph type="title"/>
           </p:nvPr>
@@ -673,7 +692,9 @@
       <p:sp>
         <p:nvSpPr>
           <p:cNvPr id="40" name="Shape 40"/>
-          <p:cNvSpPr/>
+          <p:cNvSpPr>
+            <a:spLocks noGrp="1"/>
+          </p:cNvSpPr>
           <p:nvPr>
             <p:ph type="body" idx="1"/>
           </p:nvPr>
@@ -702,11 +723,6 @@
               </a:rPr>
               <a:t>正文级别 1</a:t>
             </a:r>
-            <a:endParaRPr sz="2800">
-              <a:solidFill>
-                <a:srgbClr val="FFFFFF"/>
-              </a:solidFill>
-            </a:endParaRPr>
           </a:p>
           <a:p>
             <a:pPr lvl="1">
@@ -724,11 +740,6 @@
               </a:rPr>
               <a:t>正文级别 2</a:t>
             </a:r>
-            <a:endParaRPr sz="2800">
-              <a:solidFill>
-                <a:srgbClr val="FFFFFF"/>
-              </a:solidFill>
-            </a:endParaRPr>
           </a:p>
           <a:p>
             <a:pPr lvl="2">
@@ -746,11 +757,6 @@
               </a:rPr>
               <a:t>正文级别 3</a:t>
             </a:r>
-            <a:endParaRPr sz="2800">
-              <a:solidFill>
-                <a:srgbClr val="FFFFFF"/>
-              </a:solidFill>
-            </a:endParaRPr>
           </a:p>
           <a:p>
             <a:pPr lvl="3">
@@ -768,11 +774,6 @@
               </a:rPr>
               <a:t>正文级别 4</a:t>
             </a:r>
-            <a:endParaRPr sz="2800">
-              <a:solidFill>
-                <a:srgbClr val="FFFFFF"/>
-              </a:solidFill>
-            </a:endParaRPr>
           </a:p>
           <a:p>
             <a:pPr lvl="4">
@@ -796,7 +797,9 @@
       <p:sp>
         <p:nvSpPr>
           <p:cNvPr id="41" name="Shape 41"/>
-          <p:cNvSpPr/>
+          <p:cNvSpPr>
+            <a:spLocks noGrp="1"/>
+          </p:cNvSpPr>
           <p:nvPr>
             <p:ph type="sldNum" sz="quarter" idx="2"/>
           </p:nvPr>
@@ -811,7 +814,10 @@
           <a:lstStyle/>
           <a:p>
             <a:pPr lvl="0"/>
-            <a:fld id="{86CB4B4D-7CA3-9044-876B-883B54F8677D}" type="slidenum"/>
+            <a:fld id="{86CB4B4D-7CA3-9044-876B-883B54F8677D}" type="slidenum">
+              <a:t>‹#›</a:t>
+            </a:fld>
+            <a:endParaRPr/>
           </a:p>
         </p:txBody>
       </p:sp>
@@ -820,12 +826,12 @@
   <p:clrMapOvr>
     <a:masterClrMapping/>
   </p:clrMapOvr>
-  <p:transition spd="med" advClick="1"/>
+  <p:transition spd="med"/>
 </p:sldLayout>
 </file>
 
 <file path=ppt/slideLayouts/slideLayout11.xml><?xml version="1.0" encoding="utf-8"?>
-<p:sldLayout xmlns:a="http://schemas.openxmlformats.org/drawingml/2006/main" xmlns:r="http://schemas.openxmlformats.org/officeDocument/2006/relationships" xmlns:p="http://schemas.openxmlformats.org/presentationml/2006/main" type="tx" showMasterSp="1" showMasterPhAnim="1">
+<p:sldLayout xmlns:a="http://schemas.openxmlformats.org/drawingml/2006/main" xmlns:r="http://schemas.openxmlformats.org/officeDocument/2006/relationships" xmlns:p="http://schemas.openxmlformats.org/presentationml/2006/main" type="tx">
   <p:cSld name="竖排标题和文本">
     <p:spTree>
       <p:nvGrpSpPr>
@@ -844,7 +850,9 @@
       <p:sp>
         <p:nvSpPr>
           <p:cNvPr id="43" name="Shape 43"/>
-          <p:cNvSpPr/>
+          <p:cNvSpPr>
+            <a:spLocks noGrp="1"/>
+          </p:cNvSpPr>
           <p:nvPr>
             <p:ph type="title"/>
           </p:nvPr>
@@ -883,7 +891,9 @@
       <p:sp>
         <p:nvSpPr>
           <p:cNvPr id="44" name="Shape 44"/>
-          <p:cNvSpPr/>
+          <p:cNvSpPr>
+            <a:spLocks noGrp="1"/>
+          </p:cNvSpPr>
           <p:nvPr>
             <p:ph type="body" idx="1"/>
           </p:nvPr>
@@ -916,11 +926,6 @@
               </a:rPr>
               <a:t>正文级别 1</a:t>
             </a:r>
-            <a:endParaRPr sz="2800">
-              <a:solidFill>
-                <a:srgbClr val="FFFFFF"/>
-              </a:solidFill>
-            </a:endParaRPr>
           </a:p>
           <a:p>
             <a:pPr lvl="1">
@@ -938,11 +943,6 @@
               </a:rPr>
               <a:t>正文级别 2</a:t>
             </a:r>
-            <a:endParaRPr sz="2800">
-              <a:solidFill>
-                <a:srgbClr val="FFFFFF"/>
-              </a:solidFill>
-            </a:endParaRPr>
           </a:p>
           <a:p>
             <a:pPr lvl="2">
@@ -960,11 +960,6 @@
               </a:rPr>
               <a:t>正文级别 3</a:t>
             </a:r>
-            <a:endParaRPr sz="2800">
-              <a:solidFill>
-                <a:srgbClr val="FFFFFF"/>
-              </a:solidFill>
-            </a:endParaRPr>
           </a:p>
           <a:p>
             <a:pPr lvl="3">
@@ -982,11 +977,6 @@
               </a:rPr>
               <a:t>正文级别 4</a:t>
             </a:r>
-            <a:endParaRPr sz="2800">
-              <a:solidFill>
-                <a:srgbClr val="FFFFFF"/>
-              </a:solidFill>
-            </a:endParaRPr>
           </a:p>
           <a:p>
             <a:pPr lvl="4">
@@ -1010,7 +1000,9 @@
       <p:sp>
         <p:nvSpPr>
           <p:cNvPr id="45" name="Shape 45"/>
-          <p:cNvSpPr/>
+          <p:cNvSpPr>
+            <a:spLocks noGrp="1"/>
+          </p:cNvSpPr>
           <p:nvPr>
             <p:ph type="sldNum" sz="quarter" idx="2"/>
           </p:nvPr>
@@ -1025,7 +1017,10 @@
           <a:lstStyle/>
           <a:p>
             <a:pPr lvl="0"/>
-            <a:fld id="{86CB4B4D-7CA3-9044-876B-883B54F8677D}" type="slidenum"/>
+            <a:fld id="{86CB4B4D-7CA3-9044-876B-883B54F8677D}" type="slidenum">
+              <a:t>‹#›</a:t>
+            </a:fld>
+            <a:endParaRPr/>
           </a:p>
         </p:txBody>
       </p:sp>
@@ -1034,12 +1029,12 @@
   <p:clrMapOvr>
     <a:masterClrMapping/>
   </p:clrMapOvr>
-  <p:transition spd="med" advClick="1"/>
+  <p:transition spd="med"/>
 </p:sldLayout>
 </file>
 
 <file path=ppt/slideLayouts/slideLayout2.xml><?xml version="1.0" encoding="utf-8"?>
-<p:sldLayout xmlns:a="http://schemas.openxmlformats.org/drawingml/2006/main" xmlns:r="http://schemas.openxmlformats.org/officeDocument/2006/relationships" xmlns:p="http://schemas.openxmlformats.org/presentationml/2006/main" type="tx" showMasterSp="1" showMasterPhAnim="1">
+<p:sldLayout xmlns:a="http://schemas.openxmlformats.org/drawingml/2006/main" xmlns:r="http://schemas.openxmlformats.org/officeDocument/2006/relationships" xmlns:p="http://schemas.openxmlformats.org/presentationml/2006/main" type="tx">
   <p:cSld name="标题和内容">
     <p:spTree>
       <p:nvGrpSpPr>
@@ -1058,7 +1053,9 @@
       <p:sp>
         <p:nvSpPr>
           <p:cNvPr id="10" name="Shape 10"/>
-          <p:cNvSpPr/>
+          <p:cNvSpPr>
+            <a:spLocks noGrp="1"/>
+          </p:cNvSpPr>
           <p:nvPr>
             <p:ph type="title"/>
           </p:nvPr>
@@ -1093,7 +1090,9 @@
       <p:sp>
         <p:nvSpPr>
           <p:cNvPr id="11" name="Shape 11"/>
-          <p:cNvSpPr/>
+          <p:cNvSpPr>
+            <a:spLocks noGrp="1"/>
+          </p:cNvSpPr>
           <p:nvPr>
             <p:ph type="body" idx="1"/>
           </p:nvPr>
@@ -1122,11 +1121,6 @@
               </a:rPr>
               <a:t>正文级别 1</a:t>
             </a:r>
-            <a:endParaRPr sz="2800">
-              <a:solidFill>
-                <a:srgbClr val="FFFFFF"/>
-              </a:solidFill>
-            </a:endParaRPr>
           </a:p>
           <a:p>
             <a:pPr lvl="1">
@@ -1144,11 +1138,6 @@
               </a:rPr>
               <a:t>正文级别 2</a:t>
             </a:r>
-            <a:endParaRPr sz="2800">
-              <a:solidFill>
-                <a:srgbClr val="FFFFFF"/>
-              </a:solidFill>
-            </a:endParaRPr>
           </a:p>
           <a:p>
             <a:pPr lvl="2">
@@ -1166,11 +1155,6 @@
               </a:rPr>
               <a:t>正文级别 3</a:t>
             </a:r>
-            <a:endParaRPr sz="2800">
-              <a:solidFill>
-                <a:srgbClr val="FFFFFF"/>
-              </a:solidFill>
-            </a:endParaRPr>
           </a:p>
           <a:p>
             <a:pPr lvl="3">
@@ -1188,11 +1172,6 @@
               </a:rPr>
               <a:t>正文级别 4</a:t>
             </a:r>
-            <a:endParaRPr sz="2800">
-              <a:solidFill>
-                <a:srgbClr val="FFFFFF"/>
-              </a:solidFill>
-            </a:endParaRPr>
           </a:p>
           <a:p>
             <a:pPr lvl="4">
@@ -1216,7 +1195,9 @@
       <p:sp>
         <p:nvSpPr>
           <p:cNvPr id="12" name="Shape 12"/>
-          <p:cNvSpPr/>
+          <p:cNvSpPr>
+            <a:spLocks noGrp="1"/>
+          </p:cNvSpPr>
           <p:nvPr>
             <p:ph type="sldNum" sz="quarter" idx="2"/>
           </p:nvPr>
@@ -1231,7 +1212,10 @@
           <a:lstStyle/>
           <a:p>
             <a:pPr lvl="0"/>
-            <a:fld id="{86CB4B4D-7CA3-9044-876B-883B54F8677D}" type="slidenum"/>
+            <a:fld id="{86CB4B4D-7CA3-9044-876B-883B54F8677D}" type="slidenum">
+              <a:t>‹#›</a:t>
+            </a:fld>
+            <a:endParaRPr/>
           </a:p>
         </p:txBody>
       </p:sp>
@@ -1240,12 +1224,12 @@
   <p:clrMapOvr>
     <a:masterClrMapping/>
   </p:clrMapOvr>
-  <p:transition spd="med" advClick="1"/>
+  <p:transition spd="med"/>
 </p:sldLayout>
 </file>
 
 <file path=ppt/slideLayouts/slideLayout3.xml><?xml version="1.0" encoding="utf-8"?>
-<p:sldLayout xmlns:a="http://schemas.openxmlformats.org/drawingml/2006/main" xmlns:r="http://schemas.openxmlformats.org/officeDocument/2006/relationships" xmlns:p="http://schemas.openxmlformats.org/presentationml/2006/main" type="tx" showMasterSp="1" showMasterPhAnim="1">
+<p:sldLayout xmlns:a="http://schemas.openxmlformats.org/drawingml/2006/main" xmlns:r="http://schemas.openxmlformats.org/officeDocument/2006/relationships" xmlns:p="http://schemas.openxmlformats.org/presentationml/2006/main" type="tx">
   <p:cSld name="节标题">
     <p:spTree>
       <p:nvGrpSpPr>
@@ -1264,7 +1248,9 @@
       <p:sp>
         <p:nvSpPr>
           <p:cNvPr id="14" name="Shape 14"/>
-          <p:cNvSpPr/>
+          <p:cNvSpPr>
+            <a:spLocks noGrp="1"/>
+          </p:cNvSpPr>
           <p:nvPr>
             <p:ph type="title"/>
           </p:nvPr>
@@ -1307,7 +1293,9 @@
       <p:sp>
         <p:nvSpPr>
           <p:cNvPr id="15" name="Shape 15"/>
-          <p:cNvSpPr/>
+          <p:cNvSpPr>
+            <a:spLocks noGrp="1"/>
+          </p:cNvSpPr>
           <p:nvPr>
             <p:ph type="body" idx="1"/>
           </p:nvPr>
@@ -1371,11 +1359,6 @@
               </a:rPr>
               <a:t>正文级别 1</a:t>
             </a:r>
-            <a:endParaRPr sz="2400">
-              <a:solidFill>
-                <a:srgbClr val="FFFFFF"/>
-              </a:solidFill>
-            </a:endParaRPr>
           </a:p>
           <a:p>
             <a:pPr lvl="1">
@@ -1393,11 +1376,6 @@
               </a:rPr>
               <a:t>正文级别 2</a:t>
             </a:r>
-            <a:endParaRPr sz="2400">
-              <a:solidFill>
-                <a:srgbClr val="FFFFFF"/>
-              </a:solidFill>
-            </a:endParaRPr>
           </a:p>
           <a:p>
             <a:pPr lvl="2">
@@ -1415,11 +1393,6 @@
               </a:rPr>
               <a:t>正文级别 3</a:t>
             </a:r>
-            <a:endParaRPr sz="2400">
-              <a:solidFill>
-                <a:srgbClr val="FFFFFF"/>
-              </a:solidFill>
-            </a:endParaRPr>
           </a:p>
           <a:p>
             <a:pPr lvl="3">
@@ -1437,11 +1410,6 @@
               </a:rPr>
               <a:t>正文级别 4</a:t>
             </a:r>
-            <a:endParaRPr sz="2400">
-              <a:solidFill>
-                <a:srgbClr val="FFFFFF"/>
-              </a:solidFill>
-            </a:endParaRPr>
           </a:p>
           <a:p>
             <a:pPr lvl="4">
@@ -1465,7 +1433,9 @@
       <p:sp>
         <p:nvSpPr>
           <p:cNvPr id="16" name="Shape 16"/>
-          <p:cNvSpPr/>
+          <p:cNvSpPr>
+            <a:spLocks noGrp="1"/>
+          </p:cNvSpPr>
           <p:nvPr>
             <p:ph type="sldNum" sz="quarter" idx="2"/>
           </p:nvPr>
@@ -1480,7 +1450,10 @@
           <a:lstStyle/>
           <a:p>
             <a:pPr lvl="0"/>
-            <a:fld id="{86CB4B4D-7CA3-9044-876B-883B54F8677D}" type="slidenum"/>
+            <a:fld id="{86CB4B4D-7CA3-9044-876B-883B54F8677D}" type="slidenum">
+              <a:t>‹#›</a:t>
+            </a:fld>
+            <a:endParaRPr/>
           </a:p>
         </p:txBody>
       </p:sp>
@@ -1489,12 +1462,12 @@
   <p:clrMapOvr>
     <a:masterClrMapping/>
   </p:clrMapOvr>
-  <p:transition spd="med" advClick="1"/>
+  <p:transition spd="med"/>
 </p:sldLayout>
 </file>
 
 <file path=ppt/slideLayouts/slideLayout4.xml><?xml version="1.0" encoding="utf-8"?>
-<p:sldLayout xmlns:a="http://schemas.openxmlformats.org/drawingml/2006/main" xmlns:r="http://schemas.openxmlformats.org/officeDocument/2006/relationships" xmlns:p="http://schemas.openxmlformats.org/presentationml/2006/main" type="tx" showMasterSp="1" showMasterPhAnim="1">
+<p:sldLayout xmlns:a="http://schemas.openxmlformats.org/drawingml/2006/main" xmlns:r="http://schemas.openxmlformats.org/officeDocument/2006/relationships" xmlns:p="http://schemas.openxmlformats.org/presentationml/2006/main" type="tx">
   <p:cSld name="两项内容">
     <p:spTree>
       <p:nvGrpSpPr>
@@ -1513,7 +1486,9 @@
       <p:sp>
         <p:nvSpPr>
           <p:cNvPr id="18" name="Shape 18"/>
-          <p:cNvSpPr/>
+          <p:cNvSpPr>
+            <a:spLocks noGrp="1"/>
+          </p:cNvSpPr>
           <p:nvPr>
             <p:ph type="title"/>
           </p:nvPr>
@@ -1548,7 +1523,9 @@
       <p:sp>
         <p:nvSpPr>
           <p:cNvPr id="19" name="Shape 19"/>
-          <p:cNvSpPr/>
+          <p:cNvSpPr>
+            <a:spLocks noGrp="1"/>
+          </p:cNvSpPr>
           <p:nvPr>
             <p:ph type="body" idx="1"/>
           </p:nvPr>
@@ -1581,11 +1558,6 @@
               </a:rPr>
               <a:t>正文级别 1</a:t>
             </a:r>
-            <a:endParaRPr sz="2800">
-              <a:solidFill>
-                <a:srgbClr val="FFFFFF"/>
-              </a:solidFill>
-            </a:endParaRPr>
           </a:p>
           <a:p>
             <a:pPr lvl="1">
@@ -1603,11 +1575,6 @@
               </a:rPr>
               <a:t>正文级别 2</a:t>
             </a:r>
-            <a:endParaRPr sz="2800">
-              <a:solidFill>
-                <a:srgbClr val="FFFFFF"/>
-              </a:solidFill>
-            </a:endParaRPr>
           </a:p>
           <a:p>
             <a:pPr lvl="2">
@@ -1625,11 +1592,6 @@
               </a:rPr>
               <a:t>正文级别 3</a:t>
             </a:r>
-            <a:endParaRPr sz="2800">
-              <a:solidFill>
-                <a:srgbClr val="FFFFFF"/>
-              </a:solidFill>
-            </a:endParaRPr>
           </a:p>
           <a:p>
             <a:pPr lvl="3">
@@ -1647,11 +1609,6 @@
               </a:rPr>
               <a:t>正文级别 4</a:t>
             </a:r>
-            <a:endParaRPr sz="2800">
-              <a:solidFill>
-                <a:srgbClr val="FFFFFF"/>
-              </a:solidFill>
-            </a:endParaRPr>
           </a:p>
           <a:p>
             <a:pPr lvl="4">
@@ -1675,7 +1632,9 @@
       <p:sp>
         <p:nvSpPr>
           <p:cNvPr id="20" name="Shape 20"/>
-          <p:cNvSpPr/>
+          <p:cNvSpPr>
+            <a:spLocks noGrp="1"/>
+          </p:cNvSpPr>
           <p:nvPr>
             <p:ph type="sldNum" sz="quarter" idx="2"/>
           </p:nvPr>
@@ -1690,7 +1649,10 @@
           <a:lstStyle/>
           <a:p>
             <a:pPr lvl="0"/>
-            <a:fld id="{86CB4B4D-7CA3-9044-876B-883B54F8677D}" type="slidenum"/>
+            <a:fld id="{86CB4B4D-7CA3-9044-876B-883B54F8677D}" type="slidenum">
+              <a:t>‹#›</a:t>
+            </a:fld>
+            <a:endParaRPr/>
           </a:p>
         </p:txBody>
       </p:sp>
@@ -1699,12 +1661,12 @@
   <p:clrMapOvr>
     <a:masterClrMapping/>
   </p:clrMapOvr>
-  <p:transition spd="med" advClick="1"/>
+  <p:transition spd="med"/>
 </p:sldLayout>
 </file>
 
 <file path=ppt/slideLayouts/slideLayout5.xml><?xml version="1.0" encoding="utf-8"?>
-<p:sldLayout xmlns:a="http://schemas.openxmlformats.org/drawingml/2006/main" xmlns:r="http://schemas.openxmlformats.org/officeDocument/2006/relationships" xmlns:p="http://schemas.openxmlformats.org/presentationml/2006/main" type="tx" showMasterSp="1" showMasterPhAnim="1">
+<p:sldLayout xmlns:a="http://schemas.openxmlformats.org/drawingml/2006/main" xmlns:r="http://schemas.openxmlformats.org/officeDocument/2006/relationships" xmlns:p="http://schemas.openxmlformats.org/presentationml/2006/main" type="tx">
   <p:cSld name="比较">
     <p:spTree>
       <p:nvGrpSpPr>
@@ -1723,7 +1685,9 @@
       <p:sp>
         <p:nvSpPr>
           <p:cNvPr id="22" name="Shape 22"/>
-          <p:cNvSpPr/>
+          <p:cNvSpPr>
+            <a:spLocks noGrp="1"/>
+          </p:cNvSpPr>
           <p:nvPr>
             <p:ph type="title"/>
           </p:nvPr>
@@ -1762,7 +1726,9 @@
       <p:sp>
         <p:nvSpPr>
           <p:cNvPr id="23" name="Shape 23"/>
-          <p:cNvSpPr/>
+          <p:cNvSpPr>
+            <a:spLocks noGrp="1"/>
+          </p:cNvSpPr>
           <p:nvPr>
             <p:ph type="body" idx="1"/>
           </p:nvPr>
@@ -1783,131 +1749,111 @@
               <a:buSzTx/>
               <a:buFontTx/>
               <a:buNone/>
-              <a:defRPr b="1" sz="2400"/>
+              <a:defRPr sz="2400" b="1"/>
             </a:lvl1pPr>
             <a:lvl2pPr marL="0" indent="457200">
               <a:buSzTx/>
               <a:buFontTx/>
               <a:buNone/>
-              <a:defRPr b="1" sz="2400"/>
+              <a:defRPr sz="2400" b="1"/>
             </a:lvl2pPr>
             <a:lvl3pPr marL="0" indent="914400">
               <a:buSzTx/>
               <a:buFontTx/>
               <a:buNone/>
-              <a:defRPr b="1" sz="2400"/>
+              <a:defRPr sz="2400" b="1"/>
             </a:lvl3pPr>
             <a:lvl4pPr marL="0" indent="1371600">
               <a:buSzTx/>
               <a:buFontTx/>
               <a:buNone/>
-              <a:defRPr b="1" sz="2400"/>
+              <a:defRPr sz="2400" b="1"/>
             </a:lvl4pPr>
             <a:lvl5pPr marL="0" indent="1828800">
               <a:buSzTx/>
               <a:buFontTx/>
               <a:buNone/>
-              <a:defRPr b="1" sz="2400"/>
+              <a:defRPr sz="2400" b="1"/>
             </a:lvl5pPr>
           </a:lstStyle>
           <a:p>
             <a:pPr lvl="0">
-              <a:defRPr b="0" sz="1800">
+              <a:defRPr sz="1800" b="0">
                 <a:solidFill>
                   <a:srgbClr val="000000"/>
                 </a:solidFill>
               </a:defRPr>
             </a:pPr>
             <a:r>
-              <a:rPr b="1" sz="2400">
+              <a:rPr sz="2400" b="1">
                 <a:solidFill>
                   <a:srgbClr val="FFFFFF"/>
                 </a:solidFill>
               </a:rPr>
               <a:t>正文级别 1</a:t>
             </a:r>
-            <a:endParaRPr b="1" sz="2400">
-              <a:solidFill>
-                <a:srgbClr val="FFFFFF"/>
-              </a:solidFill>
-            </a:endParaRPr>
           </a:p>
           <a:p>
             <a:pPr lvl="1">
-              <a:defRPr b="0" sz="1800">
+              <a:defRPr sz="1800" b="0">
                 <a:solidFill>
                   <a:srgbClr val="000000"/>
                 </a:solidFill>
               </a:defRPr>
             </a:pPr>
             <a:r>
-              <a:rPr b="1" sz="2400">
+              <a:rPr sz="2400" b="1">
                 <a:solidFill>
                   <a:srgbClr val="FFFFFF"/>
                 </a:solidFill>
               </a:rPr>
               <a:t>正文级别 2</a:t>
             </a:r>
-            <a:endParaRPr b="1" sz="2400">
-              <a:solidFill>
-                <a:srgbClr val="FFFFFF"/>
-              </a:solidFill>
-            </a:endParaRPr>
           </a:p>
           <a:p>
             <a:pPr lvl="2">
-              <a:defRPr b="0" sz="1800">
+              <a:defRPr sz="1800" b="0">
                 <a:solidFill>
                   <a:srgbClr val="000000"/>
                 </a:solidFill>
               </a:defRPr>
             </a:pPr>
             <a:r>
-              <a:rPr b="1" sz="2400">
+              <a:rPr sz="2400" b="1">
                 <a:solidFill>
                   <a:srgbClr val="FFFFFF"/>
                 </a:solidFill>
               </a:rPr>
               <a:t>正文级别 3</a:t>
             </a:r>
-            <a:endParaRPr b="1" sz="2400">
-              <a:solidFill>
-                <a:srgbClr val="FFFFFF"/>
-              </a:solidFill>
-            </a:endParaRPr>
           </a:p>
           <a:p>
             <a:pPr lvl="3">
-              <a:defRPr b="0" sz="1800">
+              <a:defRPr sz="1800" b="0">
                 <a:solidFill>
                   <a:srgbClr val="000000"/>
                 </a:solidFill>
               </a:defRPr>
             </a:pPr>
             <a:r>
-              <a:rPr b="1" sz="2400">
+              <a:rPr sz="2400" b="1">
                 <a:solidFill>
                   <a:srgbClr val="FFFFFF"/>
                 </a:solidFill>
               </a:rPr>
               <a:t>正文级别 4</a:t>
             </a:r>
-            <a:endParaRPr b="1" sz="2400">
-              <a:solidFill>
-                <a:srgbClr val="FFFFFF"/>
-              </a:solidFill>
-            </a:endParaRPr>
           </a:p>
           <a:p>
             <a:pPr lvl="4">
-              <a:defRPr b="0" sz="1800">
+              <a:defRPr sz="1800" b="0">
                 <a:solidFill>
                   <a:srgbClr val="000000"/>
                 </a:solidFill>
               </a:defRPr>
             </a:pPr>
             <a:r>
-              <a:rPr b="1" sz="2400">
+              <a:rPr sz="2400" b="1">
                 <a:solidFill>
                   <a:srgbClr val="FFFFFF"/>
                 </a:solidFill>
@@ -1920,7 +1866,9 @@
       <p:sp>
         <p:nvSpPr>
           <p:cNvPr id="24" name="Shape 24"/>
-          <p:cNvSpPr/>
+          <p:cNvSpPr>
+            <a:spLocks noGrp="1"/>
+          </p:cNvSpPr>
           <p:nvPr>
             <p:ph type="sldNum" sz="quarter" idx="2"/>
           </p:nvPr>
@@ -1935,7 +1883,10 @@
           <a:lstStyle/>
           <a:p>
             <a:pPr lvl="0"/>
-            <a:fld id="{86CB4B4D-7CA3-9044-876B-883B54F8677D}" type="slidenum"/>
+            <a:fld id="{86CB4B4D-7CA3-9044-876B-883B54F8677D}" type="slidenum">
+              <a:t>‹#›</a:t>
+            </a:fld>
+            <a:endParaRPr/>
           </a:p>
         </p:txBody>
       </p:sp>
@@ -1944,12 +1895,12 @@
   <p:clrMapOvr>
     <a:masterClrMapping/>
   </p:clrMapOvr>
-  <p:transition spd="med" advClick="1"/>
+  <p:transition spd="med"/>
 </p:sldLayout>
 </file>
 
 <file path=ppt/slideLayouts/slideLayout6.xml><?xml version="1.0" encoding="utf-8"?>
-<p:sldLayout xmlns:a="http://schemas.openxmlformats.org/drawingml/2006/main" xmlns:r="http://schemas.openxmlformats.org/officeDocument/2006/relationships" xmlns:p="http://schemas.openxmlformats.org/presentationml/2006/main" type="tx" showMasterSp="1" showMasterPhAnim="1">
+<p:sldLayout xmlns:a="http://schemas.openxmlformats.org/drawingml/2006/main" xmlns:r="http://schemas.openxmlformats.org/officeDocument/2006/relationships" xmlns:p="http://schemas.openxmlformats.org/presentationml/2006/main" type="tx">
   <p:cSld name="仅标题">
     <p:spTree>
       <p:nvGrpSpPr>
@@ -1968,7 +1919,9 @@
       <p:sp>
         <p:nvSpPr>
           <p:cNvPr id="26" name="Shape 26"/>
-          <p:cNvSpPr/>
+          <p:cNvSpPr>
+            <a:spLocks noGrp="1"/>
+          </p:cNvSpPr>
           <p:nvPr>
             <p:ph type="title"/>
           </p:nvPr>
@@ -2007,7 +1960,9 @@
       <p:sp>
         <p:nvSpPr>
           <p:cNvPr id="27" name="Shape 27"/>
-          <p:cNvSpPr/>
+          <p:cNvSpPr>
+            <a:spLocks noGrp="1"/>
+          </p:cNvSpPr>
           <p:nvPr>
             <p:ph type="sldNum" sz="quarter" idx="2"/>
           </p:nvPr>
@@ -2022,7 +1977,10 @@
           <a:lstStyle/>
           <a:p>
             <a:pPr lvl="0"/>
-            <a:fld id="{86CB4B4D-7CA3-9044-876B-883B54F8677D}" type="slidenum"/>
+            <a:fld id="{86CB4B4D-7CA3-9044-876B-883B54F8677D}" type="slidenum">
+              <a:t>‹#›</a:t>
+            </a:fld>
+            <a:endParaRPr/>
           </a:p>
         </p:txBody>
       </p:sp>
@@ -2031,12 +1989,12 @@
   <p:clrMapOvr>
     <a:masterClrMapping/>
   </p:clrMapOvr>
-  <p:transition spd="med" advClick="1"/>
+  <p:transition spd="med"/>
 </p:sldLayout>
 </file>
 
 <file path=ppt/slideLayouts/slideLayout7.xml><?xml version="1.0" encoding="utf-8"?>
-<p:sldLayout xmlns:a="http://schemas.openxmlformats.org/drawingml/2006/main" xmlns:r="http://schemas.openxmlformats.org/officeDocument/2006/relationships" xmlns:p="http://schemas.openxmlformats.org/presentationml/2006/main" type="tx" showMasterSp="1" showMasterPhAnim="1">
+<p:sldLayout xmlns:a="http://schemas.openxmlformats.org/drawingml/2006/main" xmlns:r="http://schemas.openxmlformats.org/officeDocument/2006/relationships" xmlns:p="http://schemas.openxmlformats.org/presentationml/2006/main" type="tx">
   <p:cSld name="空白">
     <p:spTree>
       <p:nvGrpSpPr>
@@ -2055,7 +2013,9 @@
       <p:sp>
         <p:nvSpPr>
           <p:cNvPr id="29" name="Shape 29"/>
-          <p:cNvSpPr/>
+          <p:cNvSpPr>
+            <a:spLocks noGrp="1"/>
+          </p:cNvSpPr>
           <p:nvPr>
             <p:ph type="sldNum" sz="quarter" idx="2"/>
           </p:nvPr>
@@ -2070,7 +2030,10 @@
           <a:lstStyle/>
           <a:p>
             <a:pPr lvl="0"/>
-            <a:fld id="{86CB4B4D-7CA3-9044-876B-883B54F8677D}" type="slidenum"/>
+            <a:fld id="{86CB4B4D-7CA3-9044-876B-883B54F8677D}" type="slidenum">
+              <a:t>‹#›</a:t>
+            </a:fld>
+            <a:endParaRPr/>
           </a:p>
         </p:txBody>
       </p:sp>
@@ -2079,12 +2042,12 @@
   <p:clrMapOvr>
     <a:masterClrMapping/>
   </p:clrMapOvr>
-  <p:transition spd="med" advClick="1"/>
+  <p:transition spd="med"/>
 </p:sldLayout>
 </file>
 
 <file path=ppt/slideLayouts/slideLayout8.xml><?xml version="1.0" encoding="utf-8"?>
-<p:sldLayout xmlns:a="http://schemas.openxmlformats.org/drawingml/2006/main" xmlns:r="http://schemas.openxmlformats.org/officeDocument/2006/relationships" xmlns:p="http://schemas.openxmlformats.org/presentationml/2006/main" type="tx" showMasterSp="1" showMasterPhAnim="1">
+<p:sldLayout xmlns:a="http://schemas.openxmlformats.org/drawingml/2006/main" xmlns:r="http://schemas.openxmlformats.org/officeDocument/2006/relationships" xmlns:p="http://schemas.openxmlformats.org/presentationml/2006/main" type="tx">
   <p:cSld name="内容与标题">
     <p:spTree>
       <p:nvGrpSpPr>
@@ -2103,7 +2066,9 @@
       <p:sp>
         <p:nvSpPr>
           <p:cNvPr id="31" name="Shape 31"/>
-          <p:cNvSpPr/>
+          <p:cNvSpPr>
+            <a:spLocks noGrp="1"/>
+          </p:cNvSpPr>
           <p:nvPr>
             <p:ph type="title"/>
           </p:nvPr>
@@ -2146,7 +2111,9 @@
       <p:sp>
         <p:nvSpPr>
           <p:cNvPr id="32" name="Shape 32"/>
-          <p:cNvSpPr/>
+          <p:cNvSpPr>
+            <a:spLocks noGrp="1"/>
+          </p:cNvSpPr>
           <p:nvPr>
             <p:ph type="body" idx="1"/>
           </p:nvPr>
@@ -2195,11 +2162,6 @@
               </a:rPr>
               <a:t>正文级别 1</a:t>
             </a:r>
-            <a:endParaRPr sz="3200">
-              <a:solidFill>
-                <a:srgbClr val="FFFFFF"/>
-              </a:solidFill>
-            </a:endParaRPr>
           </a:p>
           <a:p>
             <a:pPr lvl="1">
@@ -2217,11 +2179,6 @@
               </a:rPr>
               <a:t>正文级别 2</a:t>
             </a:r>
-            <a:endParaRPr sz="3200">
-              <a:solidFill>
-                <a:srgbClr val="FFFFFF"/>
-              </a:solidFill>
-            </a:endParaRPr>
           </a:p>
           <a:p>
             <a:pPr lvl="2">
@@ -2239,11 +2196,6 @@
               </a:rPr>
               <a:t>正文级别 3</a:t>
             </a:r>
-            <a:endParaRPr sz="3200">
-              <a:solidFill>
-                <a:srgbClr val="FFFFFF"/>
-              </a:solidFill>
-            </a:endParaRPr>
           </a:p>
           <a:p>
             <a:pPr lvl="3">
@@ -2261,11 +2213,6 @@
               </a:rPr>
               <a:t>正文级别 4</a:t>
             </a:r>
-            <a:endParaRPr sz="3200">
-              <a:solidFill>
-                <a:srgbClr val="FFFFFF"/>
-              </a:solidFill>
-            </a:endParaRPr>
           </a:p>
           <a:p>
             <a:pPr lvl="4">
@@ -2289,7 +2236,9 @@
       <p:sp>
         <p:nvSpPr>
           <p:cNvPr id="33" name="Shape 33"/>
-          <p:cNvSpPr/>
+          <p:cNvSpPr>
+            <a:spLocks noGrp="1"/>
+          </p:cNvSpPr>
           <p:nvPr>
             <p:ph type="sldNum" sz="quarter" idx="2"/>
           </p:nvPr>
@@ -2304,7 +2253,10 @@
           <a:lstStyle/>
           <a:p>
             <a:pPr lvl="0"/>
-            <a:fld id="{86CB4B4D-7CA3-9044-876B-883B54F8677D}" type="slidenum"/>
+            <a:fld id="{86CB4B4D-7CA3-9044-876B-883B54F8677D}" type="slidenum">
+              <a:t>‹#›</a:t>
+            </a:fld>
+            <a:endParaRPr/>
           </a:p>
         </p:txBody>
       </p:sp>
@@ -2313,12 +2265,12 @@
   <p:clrMapOvr>
     <a:masterClrMapping/>
   </p:clrMapOvr>
-  <p:transition spd="med" advClick="1"/>
+  <p:transition spd="med"/>
 </p:sldLayout>
 </file>
 
 <file path=ppt/slideLayouts/slideLayout9.xml><?xml version="1.0" encoding="utf-8"?>
-<p:sldLayout xmlns:a="http://schemas.openxmlformats.org/drawingml/2006/main" xmlns:r="http://schemas.openxmlformats.org/officeDocument/2006/relationships" xmlns:p="http://schemas.openxmlformats.org/presentationml/2006/main" type="tx" showMasterSp="1" showMasterPhAnim="1">
+<p:sldLayout xmlns:a="http://schemas.openxmlformats.org/drawingml/2006/main" xmlns:r="http://schemas.openxmlformats.org/officeDocument/2006/relationships" xmlns:p="http://schemas.openxmlformats.org/presentationml/2006/main" type="tx">
   <p:cSld name="图片与标题">
     <p:spTree>
       <p:nvGrpSpPr>
@@ -2337,7 +2289,9 @@
       <p:sp>
         <p:nvSpPr>
           <p:cNvPr id="35" name="Shape 35"/>
-          <p:cNvSpPr/>
+          <p:cNvSpPr>
+            <a:spLocks noGrp="1"/>
+          </p:cNvSpPr>
           <p:nvPr>
             <p:ph type="title"/>
           </p:nvPr>
@@ -2380,7 +2334,9 @@
       <p:sp>
         <p:nvSpPr>
           <p:cNvPr id="36" name="Shape 36"/>
-          <p:cNvSpPr/>
+          <p:cNvSpPr>
+            <a:spLocks noGrp="1"/>
+          </p:cNvSpPr>
           <p:nvPr>
             <p:ph type="body" idx="1"/>
           </p:nvPr>
@@ -2444,11 +2400,6 @@
               </a:rPr>
               <a:t>正文级别 1</a:t>
             </a:r>
-            <a:endParaRPr sz="1600">
-              <a:solidFill>
-                <a:srgbClr val="FFFFFF"/>
-              </a:solidFill>
-            </a:endParaRPr>
           </a:p>
           <a:p>
             <a:pPr lvl="1">
@@ -2466,11 +2417,6 @@
               </a:rPr>
               <a:t>正文级别 2</a:t>
             </a:r>
-            <a:endParaRPr sz="1600">
-              <a:solidFill>
-                <a:srgbClr val="FFFFFF"/>
-              </a:solidFill>
-            </a:endParaRPr>
           </a:p>
           <a:p>
             <a:pPr lvl="2">
@@ -2488,11 +2434,6 @@
               </a:rPr>
               <a:t>正文级别 3</a:t>
             </a:r>
-            <a:endParaRPr sz="1600">
-              <a:solidFill>
-                <a:srgbClr val="FFFFFF"/>
-              </a:solidFill>
-            </a:endParaRPr>
           </a:p>
           <a:p>
             <a:pPr lvl="3">
@@ -2510,11 +2451,6 @@
               </a:rPr>
               <a:t>正文级别 4</a:t>
             </a:r>
-            <a:endParaRPr sz="1600">
-              <a:solidFill>
-                <a:srgbClr val="FFFFFF"/>
-              </a:solidFill>
-            </a:endParaRPr>
           </a:p>
           <a:p>
             <a:pPr lvl="4">
@@ -2538,7 +2474,9 @@
       <p:sp>
         <p:nvSpPr>
           <p:cNvPr id="37" name="Shape 37"/>
-          <p:cNvSpPr/>
+          <p:cNvSpPr>
+            <a:spLocks noGrp="1"/>
+          </p:cNvSpPr>
           <p:nvPr>
             <p:ph type="sldNum" sz="quarter" idx="2"/>
           </p:nvPr>
@@ -2553,7 +2491,10 @@
           <a:lstStyle/>
           <a:p>
             <a:pPr lvl="0"/>
-            <a:fld id="{86CB4B4D-7CA3-9044-876B-883B54F8677D}" type="slidenum"/>
+            <a:fld id="{86CB4B4D-7CA3-9044-876B-883B54F8677D}" type="slidenum">
+              <a:t>‹#›</a:t>
+            </a:fld>
+            <a:endParaRPr/>
           </a:p>
         </p:txBody>
       </p:sp>
@@ -2562,7 +2503,7 @@
   <p:clrMapOvr>
     <a:masterClrMapping/>
   </p:clrMapOvr>
-  <p:transition spd="med" advClick="1"/>
+  <p:transition spd="med"/>
 </p:sldLayout>
 </file>
 
@@ -2574,6 +2515,7 @@
         <a:solidFill>
           <a:srgbClr val="000000"/>
         </a:solidFill>
+        <a:effectLst/>
       </p:bgPr>
     </p:bg>
     <p:spTree>
@@ -2593,7 +2535,9 @@
       <p:sp>
         <p:nvSpPr>
           <p:cNvPr id="2" name="Shape 2"/>
-          <p:cNvSpPr/>
+          <p:cNvSpPr>
+            <a:spLocks noGrp="1"/>
+          </p:cNvSpPr>
           <p:nvPr>
             <p:ph type="title"/>
           </p:nvPr>
@@ -2611,13 +2555,13 @@
           </a:ln>
           <a:extLst>
             <a:ext uri="{C572A759-6A51-4108-AA02-DFA0A04FC94B}">
-              <ma14:wrappingTextBoxFlag xmlns:ma14="http://schemas.microsoft.com/office/mac/drawingml/2011/main" val="1"/>
+              <ma14:wrappingTextBoxFlag xmlns:ma14="http://schemas.microsoft.com/office/mac/drawingml/2011/main" xmlns="" val="1"/>
             </a:ext>
           </a:extLst>
         </p:spPr>
         <p:txBody>
           <a:bodyPr lIns="45719" rIns="45719" anchor="ctr">
-            <a:normAutofit fontScale="100000" lnSpcReduction="0"/>
+            <a:normAutofit/>
           </a:bodyPr>
           <a:lstStyle/>
           <a:p>
@@ -2642,7 +2586,9 @@
       <p:sp>
         <p:nvSpPr>
           <p:cNvPr id="3" name="Shape 3"/>
-          <p:cNvSpPr/>
+          <p:cNvSpPr>
+            <a:spLocks noGrp="1"/>
+          </p:cNvSpPr>
           <p:nvPr>
             <p:ph type="body" idx="1"/>
           </p:nvPr>
@@ -2660,13 +2606,13 @@
           </a:ln>
           <a:extLst>
             <a:ext uri="{C572A759-6A51-4108-AA02-DFA0A04FC94B}">
-              <ma14:wrappingTextBoxFlag xmlns:ma14="http://schemas.microsoft.com/office/mac/drawingml/2011/main" val="1"/>
+              <ma14:wrappingTextBoxFlag xmlns:ma14="http://schemas.microsoft.com/office/mac/drawingml/2011/main" xmlns="" val="1"/>
             </a:ext>
           </a:extLst>
         </p:spPr>
         <p:txBody>
           <a:bodyPr lIns="45719" rIns="45719">
-            <a:normAutofit fontScale="100000" lnSpcReduction="0"/>
+            <a:normAutofit/>
           </a:bodyPr>
           <a:lstStyle/>
           <a:p>
@@ -2685,11 +2631,6 @@
               </a:rPr>
               <a:t>正文级别 1</a:t>
             </a:r>
-            <a:endParaRPr sz="2800">
-              <a:solidFill>
-                <a:srgbClr val="FFFFFF"/>
-              </a:solidFill>
-            </a:endParaRPr>
           </a:p>
           <a:p>
             <a:pPr lvl="1">
@@ -2707,11 +2648,6 @@
               </a:rPr>
               <a:t>正文级别 2</a:t>
             </a:r>
-            <a:endParaRPr sz="2800">
-              <a:solidFill>
-                <a:srgbClr val="FFFFFF"/>
-              </a:solidFill>
-            </a:endParaRPr>
           </a:p>
           <a:p>
             <a:pPr lvl="2">
@@ -2729,11 +2665,6 @@
               </a:rPr>
               <a:t>正文级别 3</a:t>
             </a:r>
-            <a:endParaRPr sz="2800">
-              <a:solidFill>
-                <a:srgbClr val="FFFFFF"/>
-              </a:solidFill>
-            </a:endParaRPr>
           </a:p>
           <a:p>
             <a:pPr lvl="3">
@@ -2751,11 +2682,6 @@
               </a:rPr>
               <a:t>正文级别 4</a:t>
             </a:r>
-            <a:endParaRPr sz="2800">
-              <a:solidFill>
-                <a:srgbClr val="FFFFFF"/>
-              </a:solidFill>
-            </a:endParaRPr>
           </a:p>
           <a:p>
             <a:pPr lvl="4">
@@ -2779,7 +2705,9 @@
       <p:sp>
         <p:nvSpPr>
           <p:cNvPr id="4" name="Shape 4"/>
-          <p:cNvSpPr/>
+          <p:cNvSpPr>
+            <a:spLocks noGrp="1"/>
+          </p:cNvSpPr>
           <p:nvPr>
             <p:ph type="sldNum" sz="quarter" idx="2"/>
           </p:nvPr>
@@ -2811,7 +2739,10 @@
           </a:lstStyle>
           <a:p>
             <a:pPr lvl="0"/>
-            <a:fld id="{86CB4B4D-7CA3-9044-876B-883B54F8677D}" type="slidenum"/>
+            <a:fld id="{86CB4B4D-7CA3-9044-876B-883B54F8677D}" type="slidenum">
+              <a:t>‹#›</a:t>
+            </a:fld>
+            <a:endParaRPr/>
           </a:p>
         </p:txBody>
       </p:sp>
@@ -2819,19 +2750,19 @@
   </p:cSld>
   <p:clrMap bg1="lt1" tx1="dk1" bg2="lt2" tx2="dk2" accent1="accent1" accent2="accent2" accent3="accent3" accent4="accent4" accent5="accent5" accent6="accent6" hlink="hlink" folHlink="folHlink"/>
   <p:sldLayoutIdLst>
-    <p:sldLayoutId id="2147483649" r:id="rId2"/>
-    <p:sldLayoutId id="2147483650" r:id="rId3"/>
-    <p:sldLayoutId id="2147483651" r:id="rId4"/>
-    <p:sldLayoutId id="2147483652" r:id="rId5"/>
-    <p:sldLayoutId id="2147483653" r:id="rId6"/>
-    <p:sldLayoutId id="2147483654" r:id="rId7"/>
-    <p:sldLayoutId id="2147483655" r:id="rId8"/>
-    <p:sldLayoutId id="2147483656" r:id="rId9"/>
-    <p:sldLayoutId id="2147483657" r:id="rId10"/>
-    <p:sldLayoutId id="2147483658" r:id="rId11"/>
-    <p:sldLayoutId id="2147483659" r:id="rId12"/>
+    <p:sldLayoutId id="2147483649" r:id="rId1"/>
+    <p:sldLayoutId id="2147483650" r:id="rId2"/>
+    <p:sldLayoutId id="2147483651" r:id="rId3"/>
+    <p:sldLayoutId id="2147483652" r:id="rId4"/>
+    <p:sldLayoutId id="2147483653" r:id="rId5"/>
+    <p:sldLayoutId id="2147483654" r:id="rId6"/>
+    <p:sldLayoutId id="2147483655" r:id="rId7"/>
+    <p:sldLayoutId id="2147483656" r:id="rId8"/>
+    <p:sldLayoutId id="2147483657" r:id="rId9"/>
+    <p:sldLayoutId id="2147483658" r:id="rId10"/>
+    <p:sldLayoutId id="2147483659" r:id="rId11"/>
   </p:sldLayoutIdLst>
-  <p:transition spd="med" advClick="1"/>
+  <p:transition spd="med"/>
   <p:txStyles>
     <p:titleStyle>
       <a:lvl1pPr>
@@ -3249,7 +3180,7 @@
 </file>
 
 <file path=ppt/slides/slide1.xml><?xml version="1.0" encoding="utf-8"?>
-<p:sld xmlns:a="http://schemas.openxmlformats.org/drawingml/2006/main" xmlns:r="http://schemas.openxmlformats.org/officeDocument/2006/relationships" xmlns:p="http://schemas.openxmlformats.org/presentationml/2006/main" showMasterSp="1" showMasterPhAnim="1">
+<p:sld xmlns:a="http://schemas.openxmlformats.org/drawingml/2006/main" xmlns:r="http://schemas.openxmlformats.org/officeDocument/2006/relationships" xmlns:p="http://schemas.openxmlformats.org/presentationml/2006/main">
   <p:cSld>
     <p:spTree>
       <p:nvGrpSpPr>
@@ -3273,8 +3204,8 @@
         </p:nvSpPr>
         <p:spPr>
           <a:xfrm>
-            <a:off x="0" y="2844225"/>
-            <a:ext cx="9144000" cy="1693774"/>
+            <a:off x="0" y="2367171"/>
+            <a:ext cx="9144000" cy="2123658"/>
           </a:xfrm>
           <a:prstGeom prst="rect">
             <a:avLst/>
@@ -3284,7 +3215,7 @@
           </a:ln>
           <a:extLst>
             <a:ext uri="{C572A759-6A51-4108-AA02-DFA0A04FC94B}">
-              <ma14:wrappingTextBoxFlag xmlns:ma14="http://schemas.microsoft.com/office/mac/drawingml/2011/main" val="1"/>
+              <ma14:wrappingTextBoxFlag xmlns:ma14="http://schemas.microsoft.com/office/mac/drawingml/2011/main" xmlns="" val="1"/>
             </a:ext>
           </a:extLst>
         </p:spPr>
@@ -3296,7 +3227,7 @@
           <a:p>
             <a:pPr lvl="0" algn="ctr"/>
             <a:r>
-              <a:rPr sz="3200">
+              <a:rPr sz="4400" dirty="0" err="1">
                 <a:solidFill>
                   <a:srgbClr val="FFFFFF"/>
                 </a:solidFill>
@@ -3307,7 +3238,7 @@
               </a:rPr>
               <a:t>我们就在这些砖石上筑起街垒</a:t>
             </a:r>
-            <a:endParaRPr sz="3200">
+            <a:endParaRPr sz="4400" dirty="0">
               <a:solidFill>
                 <a:srgbClr val="FFFFFF"/>
               </a:solidFill>
@@ -3320,17 +3251,38 @@
           <a:p>
             <a:pPr lvl="0" algn="ctr"/>
             <a:r>
-              <a:rPr sz="3200">
-                <a:solidFill>
-                  <a:srgbClr val="FFFFFF"/>
-                </a:solidFill>
-                <a:latin typeface="IM FELL DW Pica"/>
-                <a:ea typeface="IM FELL DW Pica"/>
-                <a:cs typeface="IM FELL DW Pica"/>
-                <a:sym typeface="IM FELL DW Pica"/>
-              </a:rPr>
-              <a:t>Here upon these stones we will build our barricade,</a:t>
-            </a:r>
+              <a:rPr sz="4400" dirty="0">
+                <a:solidFill>
+                  <a:srgbClr val="FFFFFF"/>
+                </a:solidFill>
+                <a:latin typeface="IM FELL DW Pica"/>
+                <a:ea typeface="IM FELL DW Pica"/>
+                <a:cs typeface="IM FELL DW Pica"/>
+                <a:sym typeface="IM FELL DW Pica"/>
+              </a:rPr>
+              <a:t>Here upon these stones we will build our </a:t>
+            </a:r>
+            <a:r>
+              <a:rPr sz="4400" dirty="0" smtClean="0">
+                <a:solidFill>
+                  <a:srgbClr val="FFFFFF"/>
+                </a:solidFill>
+                <a:latin typeface="IM FELL DW Pica"/>
+                <a:ea typeface="IM FELL DW Pica"/>
+                <a:cs typeface="IM FELL DW Pica"/>
+                <a:sym typeface="IM FELL DW Pica"/>
+              </a:rPr>
+              <a:t>barricade</a:t>
+            </a:r>
+            <a:endParaRPr sz="4400" dirty="0">
+              <a:solidFill>
+                <a:srgbClr val="FFFFFF"/>
+              </a:solidFill>
+              <a:latin typeface="IM FELL DW Pica"/>
+              <a:ea typeface="IM FELL DW Pica"/>
+              <a:cs typeface="IM FELL DW Pica"/>
+              <a:sym typeface="IM FELL DW Pica"/>
+            </a:endParaRPr>
           </a:p>
         </p:txBody>
       </p:sp>
@@ -3339,12 +3291,19 @@
   <p:clrMapOvr>
     <a:masterClrMapping/>
   </p:clrMapOvr>
-  <p:transition spd="med" advClick="1"/>
+  <p:transition spd="med"/>
+  <p:timing>
+    <p:tnLst>
+      <p:par>
+        <p:cTn id="1" dur="indefinite" restart="never" nodeType="tmRoot"/>
+      </p:par>
+    </p:tnLst>
+  </p:timing>
 </p:sld>
 </file>
 
 <file path=ppt/slides/slide10.xml><?xml version="1.0" encoding="utf-8"?>
-<p:sld xmlns:a="http://schemas.openxmlformats.org/drawingml/2006/main" xmlns:r="http://schemas.openxmlformats.org/officeDocument/2006/relationships" xmlns:p="http://schemas.openxmlformats.org/presentationml/2006/main" showMasterSp="1" showMasterPhAnim="1">
+<p:sld xmlns:a="http://schemas.openxmlformats.org/drawingml/2006/main" xmlns:r="http://schemas.openxmlformats.org/officeDocument/2006/relationships" xmlns:p="http://schemas.openxmlformats.org/presentationml/2006/main">
   <p:cSld>
     <p:spTree>
       <p:nvGrpSpPr>
@@ -3379,7 +3338,7 @@
           </a:ln>
           <a:extLst>
             <a:ext uri="{C572A759-6A51-4108-AA02-DFA0A04FC94B}">
-              <ma14:wrappingTextBoxFlag xmlns:ma14="http://schemas.microsoft.com/office/mac/drawingml/2011/main" val="1"/>
+              <ma14:wrappingTextBoxFlag xmlns:ma14="http://schemas.microsoft.com/office/mac/drawingml/2011/main" xmlns="" val="1"/>
             </a:ext>
           </a:extLst>
         </p:spPr>
@@ -3402,15 +3361,6 @@
               </a:rPr>
               <a:t>我知道不该来 可我宁愿和你在一起</a:t>
             </a:r>
-            <a:endParaRPr sz="3200">
-              <a:solidFill>
-                <a:srgbClr val="FFFFFF"/>
-              </a:solidFill>
-              <a:latin typeface="IM FELL DW Pica"/>
-              <a:ea typeface="IM FELL DW Pica"/>
-              <a:cs typeface="IM FELL DW Pica"/>
-              <a:sym typeface="IM FELL DW Pica"/>
-            </a:endParaRPr>
           </a:p>
           <a:p>
             <a:pPr lvl="0" algn="ctr"/>
@@ -3434,12 +3384,12 @@
   <p:clrMapOvr>
     <a:masterClrMapping/>
   </p:clrMapOvr>
-  <p:transition spd="med" advClick="1"/>
+  <p:transition spd="med"/>
 </p:sld>
 </file>
 
 <file path=ppt/slides/slide100.xml><?xml version="1.0" encoding="utf-8"?>
-<p:sld xmlns:a="http://schemas.openxmlformats.org/drawingml/2006/main" xmlns:r="http://schemas.openxmlformats.org/officeDocument/2006/relationships" xmlns:p="http://schemas.openxmlformats.org/presentationml/2006/main" showMasterSp="1" showMasterPhAnim="1">
+<p:sld xmlns:a="http://schemas.openxmlformats.org/drawingml/2006/main" xmlns:r="http://schemas.openxmlformats.org/officeDocument/2006/relationships" xmlns:p="http://schemas.openxmlformats.org/presentationml/2006/main">
   <p:cSld>
     <p:spTree>
       <p:nvGrpSpPr>
@@ -3474,7 +3424,7 @@
           </a:ln>
           <a:extLst>
             <a:ext uri="{C572A759-6A51-4108-AA02-DFA0A04FC94B}">
-              <ma14:wrappingTextBoxFlag xmlns:ma14="http://schemas.microsoft.com/office/mac/drawingml/2011/main" val="1"/>
+              <ma14:wrappingTextBoxFlag xmlns:ma14="http://schemas.microsoft.com/office/mac/drawingml/2011/main" xmlns="" val="1"/>
             </a:ext>
           </a:extLst>
         </p:spPr>
@@ -3497,15 +3447,6 @@
               </a:rPr>
               <a:t>叛国贼都死有余辜 我不认你们的人民法庭</a:t>
             </a:r>
-            <a:endParaRPr sz="3200">
-              <a:solidFill>
-                <a:srgbClr val="FFFFFF"/>
-              </a:solidFill>
-              <a:latin typeface="IM FELL DW Pica"/>
-              <a:ea typeface="IM FELL DW Pica"/>
-              <a:cs typeface="IM FELL DW Pica"/>
-              <a:sym typeface="IM FELL DW Pica"/>
-            </a:endParaRPr>
           </a:p>
           <a:p>
             <a:pPr lvl="0" algn="ctr"/>
@@ -3529,12 +3470,12 @@
   <p:clrMapOvr>
     <a:masterClrMapping/>
   </p:clrMapOvr>
-  <p:transition spd="med" advClick="1"/>
+  <p:transition spd="med"/>
 </p:sld>
 </file>
 
 <file path=ppt/slides/slide101.xml><?xml version="1.0" encoding="utf-8"?>
-<p:sld xmlns:a="http://schemas.openxmlformats.org/drawingml/2006/main" xmlns:r="http://schemas.openxmlformats.org/officeDocument/2006/relationships" xmlns:p="http://schemas.openxmlformats.org/presentationml/2006/main" showMasterSp="1" showMasterPhAnim="1">
+<p:sld xmlns:a="http://schemas.openxmlformats.org/drawingml/2006/main" xmlns:r="http://schemas.openxmlformats.org/officeDocument/2006/relationships" xmlns:p="http://schemas.openxmlformats.org/presentationml/2006/main">
   <p:cSld>
     <p:spTree>
       <p:nvGrpSpPr>
@@ -3569,7 +3510,7 @@
           </a:ln>
           <a:extLst>
             <a:ext uri="{C572A759-6A51-4108-AA02-DFA0A04FC94B}">
-              <ma14:wrappingTextBoxFlag xmlns:ma14="http://schemas.microsoft.com/office/mac/drawingml/2011/main" val="1"/>
+              <ma14:wrappingTextBoxFlag xmlns:ma14="http://schemas.microsoft.com/office/mac/drawingml/2011/main" xmlns="" val="1"/>
             </a:ext>
           </a:extLst>
         </p:spPr>
@@ -3592,15 +3533,6 @@
               </a:rPr>
               <a:t>把他押下去 </a:t>
             </a:r>
-            <a:endParaRPr sz="3200">
-              <a:solidFill>
-                <a:srgbClr val="FFFFFF"/>
-              </a:solidFill>
-              <a:latin typeface="IM FELL DW Pica"/>
-              <a:ea typeface="IM FELL DW Pica"/>
-              <a:cs typeface="IM FELL DW Pica"/>
-              <a:sym typeface="IM FELL DW Pica"/>
-            </a:endParaRPr>
           </a:p>
           <a:p>
             <a:pPr lvl="0" algn="ctr"/>
@@ -3624,12 +3556,12 @@
   <p:clrMapOvr>
     <a:masterClrMapping/>
   </p:clrMapOvr>
-  <p:transition spd="med" advClick="1"/>
+  <p:transition spd="med"/>
 </p:sld>
 </file>
 
 <file path=ppt/slides/slide102.xml><?xml version="1.0" encoding="utf-8"?>
-<p:sld xmlns:a="http://schemas.openxmlformats.org/drawingml/2006/main" xmlns:r="http://schemas.openxmlformats.org/officeDocument/2006/relationships" xmlns:p="http://schemas.openxmlformats.org/presentationml/2006/main" showMasterSp="1" showMasterPhAnim="1">
+<p:sld xmlns:a="http://schemas.openxmlformats.org/drawingml/2006/main" xmlns:r="http://schemas.openxmlformats.org/officeDocument/2006/relationships" xmlns:p="http://schemas.openxmlformats.org/presentationml/2006/main">
   <p:cSld>
     <p:spTree>
       <p:nvGrpSpPr>
@@ -3664,7 +3596,7 @@
           </a:ln>
           <a:extLst>
             <a:ext uri="{C572A759-6A51-4108-AA02-DFA0A04FC94B}">
-              <ma14:wrappingTextBoxFlag xmlns:ma14="http://schemas.microsoft.com/office/mac/drawingml/2011/main" val="1"/>
+              <ma14:wrappingTextBoxFlag xmlns:ma14="http://schemas.microsoft.com/office/mac/drawingml/2011/main" xmlns="" val="1"/>
             </a:ext>
           </a:extLst>
         </p:spPr>
@@ -3687,15 +3619,6 @@
               </a:rPr>
               <a:t>我们还有正事 </a:t>
             </a:r>
-            <a:endParaRPr sz="3200">
-              <a:solidFill>
-                <a:srgbClr val="FFFFFF"/>
-              </a:solidFill>
-              <a:latin typeface="IM FELL DW Pica"/>
-              <a:ea typeface="IM FELL DW Pica"/>
-              <a:cs typeface="IM FELL DW Pica"/>
-              <a:sym typeface="IM FELL DW Pica"/>
-            </a:endParaRPr>
           </a:p>
           <a:p>
             <a:pPr lvl="0" algn="ctr"/>
@@ -3719,12 +3642,12 @@
   <p:clrMapOvr>
     <a:masterClrMapping/>
   </p:clrMapOvr>
-  <p:transition spd="med" advClick="1"/>
+  <p:transition spd="med"/>
 </p:sld>
 </file>
 
 <file path=ppt/slides/slide103.xml><?xml version="1.0" encoding="utf-8"?>
-<p:sld xmlns:a="http://schemas.openxmlformats.org/drawingml/2006/main" xmlns:r="http://schemas.openxmlformats.org/officeDocument/2006/relationships" xmlns:p="http://schemas.openxmlformats.org/presentationml/2006/main" showMasterSp="1" showMasterPhAnim="1">
+<p:sld xmlns:a="http://schemas.openxmlformats.org/drawingml/2006/main" xmlns:r="http://schemas.openxmlformats.org/officeDocument/2006/relationships" xmlns:p="http://schemas.openxmlformats.org/presentationml/2006/main">
   <p:cSld>
     <p:spTree>
       <p:nvGrpSpPr>
@@ -3759,7 +3682,7 @@
           </a:ln>
           <a:extLst>
             <a:ext uri="{C572A759-6A51-4108-AA02-DFA0A04FC94B}">
-              <ma14:wrappingTextBoxFlag xmlns:ma14="http://schemas.microsoft.com/office/mac/drawingml/2011/main" val="1"/>
+              <ma14:wrappingTextBoxFlag xmlns:ma14="http://schemas.microsoft.com/office/mac/drawingml/2011/main" xmlns="" val="1"/>
             </a:ext>
           </a:extLst>
         </p:spPr>
@@ -3782,15 +3705,6 @@
               </a:rPr>
               <a:t>有个男孩爬过街垒来了 </a:t>
             </a:r>
-            <a:endParaRPr sz="3200">
-              <a:solidFill>
-                <a:srgbClr val="FFFFFF"/>
-              </a:solidFill>
-              <a:latin typeface="IM FELL DW Pica"/>
-              <a:ea typeface="IM FELL DW Pica"/>
-              <a:cs typeface="IM FELL DW Pica"/>
-              <a:sym typeface="IM FELL DW Pica"/>
-            </a:endParaRPr>
           </a:p>
           <a:p>
             <a:pPr lvl="0" algn="ctr"/>
@@ -3814,12 +3728,12 @@
   <p:clrMapOvr>
     <a:masterClrMapping/>
   </p:clrMapOvr>
-  <p:transition spd="med" advClick="1"/>
+  <p:transition spd="med"/>
 </p:sld>
 </file>
 
 <file path=ppt/slides/slide11.xml><?xml version="1.0" encoding="utf-8"?>
-<p:sld xmlns:a="http://schemas.openxmlformats.org/drawingml/2006/main" xmlns:r="http://schemas.openxmlformats.org/officeDocument/2006/relationships" xmlns:p="http://schemas.openxmlformats.org/presentationml/2006/main" showMasterSp="1" showMasterPhAnim="1">
+<p:sld xmlns:a="http://schemas.openxmlformats.org/drawingml/2006/main" xmlns:r="http://schemas.openxmlformats.org/officeDocument/2006/relationships" xmlns:p="http://schemas.openxmlformats.org/presentationml/2006/main">
   <p:cSld>
     <p:spTree>
       <p:nvGrpSpPr>
@@ -3854,7 +3768,7 @@
           </a:ln>
           <a:extLst>
             <a:ext uri="{C572A759-6A51-4108-AA02-DFA0A04FC94B}">
-              <ma14:wrappingTextBoxFlag xmlns:ma14="http://schemas.microsoft.com/office/mac/drawingml/2011/main" val="1"/>
+              <ma14:wrappingTextBoxFlag xmlns:ma14="http://schemas.microsoft.com/office/mac/drawingml/2011/main" xmlns="" val="1"/>
             </a:ext>
           </a:extLst>
         </p:spPr>
@@ -3877,15 +3791,6 @@
               </a:rPr>
               <a:t>爱潘妮 中枪不是好玩的</a:t>
             </a:r>
-            <a:endParaRPr sz="3200">
-              <a:solidFill>
-                <a:srgbClr val="FFFFFF"/>
-              </a:solidFill>
-              <a:latin typeface="IM FELL DW Pica"/>
-              <a:ea typeface="IM FELL DW Pica"/>
-              <a:cs typeface="IM FELL DW Pica"/>
-              <a:sym typeface="IM FELL DW Pica"/>
-            </a:endParaRPr>
           </a:p>
           <a:p>
             <a:pPr lvl="0" algn="ctr"/>
@@ -3909,12 +3814,12 @@
   <p:clrMapOvr>
     <a:masterClrMapping/>
   </p:clrMapOvr>
-  <p:transition spd="med" advClick="1"/>
+  <p:transition spd="med"/>
 </p:sld>
 </file>
 
 <file path=ppt/slides/slide12.xml><?xml version="1.0" encoding="utf-8"?>
-<p:sld xmlns:a="http://schemas.openxmlformats.org/drawingml/2006/main" xmlns:r="http://schemas.openxmlformats.org/officeDocument/2006/relationships" xmlns:p="http://schemas.openxmlformats.org/presentationml/2006/main" showMasterSp="1" showMasterPhAnim="1">
+<p:sld xmlns:a="http://schemas.openxmlformats.org/drawingml/2006/main" xmlns:r="http://schemas.openxmlformats.org/officeDocument/2006/relationships" xmlns:p="http://schemas.openxmlformats.org/presentationml/2006/main">
   <p:cSld>
     <p:spTree>
       <p:nvGrpSpPr>
@@ -3949,7 +3854,7 @@
           </a:ln>
           <a:extLst>
             <a:ext uri="{C572A759-6A51-4108-AA02-DFA0A04FC94B}">
-              <ma14:wrappingTextBoxFlag xmlns:ma14="http://schemas.microsoft.com/office/mac/drawingml/2011/main" val="1"/>
+              <ma14:wrappingTextBoxFlag xmlns:ma14="http://schemas.microsoft.com/office/mac/drawingml/2011/main" xmlns="" val="1"/>
             </a:ext>
           </a:extLst>
         </p:spPr>
@@ -3972,15 +3877,6 @@
               </a:rPr>
               <a:t>我让你担心了 真的</a:t>
             </a:r>
-            <a:endParaRPr sz="3200">
-              <a:solidFill>
-                <a:srgbClr val="FFFFFF"/>
-              </a:solidFill>
-              <a:latin typeface="IM FELL DW Pica"/>
-              <a:ea typeface="IM FELL DW Pica"/>
-              <a:cs typeface="IM FELL DW Pica"/>
-              <a:sym typeface="IM FELL DW Pica"/>
-            </a:endParaRPr>
           </a:p>
           <a:p>
             <a:pPr lvl="0" algn="ctr"/>
@@ -4004,12 +3900,12 @@
   <p:clrMapOvr>
     <a:masterClrMapping/>
   </p:clrMapOvr>
-  <p:transition spd="med" advClick="1"/>
+  <p:transition spd="med"/>
 </p:sld>
 </file>
 
 <file path=ppt/slides/slide13.xml><?xml version="1.0" encoding="utf-8"?>
-<p:sld xmlns:a="http://schemas.openxmlformats.org/drawingml/2006/main" xmlns:r="http://schemas.openxmlformats.org/officeDocument/2006/relationships" xmlns:p="http://schemas.openxmlformats.org/presentationml/2006/main" showMasterSp="1" showMasterPhAnim="1">
+<p:sld xmlns:a="http://schemas.openxmlformats.org/drawingml/2006/main" xmlns:r="http://schemas.openxmlformats.org/officeDocument/2006/relationships" xmlns:p="http://schemas.openxmlformats.org/presentationml/2006/main">
   <p:cSld>
     <p:spTree>
       <p:nvGrpSpPr>
@@ -4044,7 +3940,7 @@
           </a:ln>
           <a:extLst>
             <a:ext uri="{C572A759-6A51-4108-AA02-DFA0A04FC94B}">
-              <ma14:wrappingTextBoxFlag xmlns:ma14="http://schemas.microsoft.com/office/mac/drawingml/2011/main" val="1"/>
+              <ma14:wrappingTextBoxFlag xmlns:ma14="http://schemas.microsoft.com/office/mac/drawingml/2011/main" xmlns="" val="1"/>
             </a:ext>
           </a:extLst>
         </p:spPr>
@@ -4067,15 +3963,6 @@
               </a:rPr>
               <a:t>看来你还挺喜欢我呢 </a:t>
             </a:r>
-            <a:endParaRPr sz="3200">
-              <a:solidFill>
-                <a:srgbClr val="FFFFFF"/>
-              </a:solidFill>
-              <a:latin typeface="IM FELL DW Pica"/>
-              <a:ea typeface="IM FELL DW Pica"/>
-              <a:cs typeface="IM FELL DW Pica"/>
-              <a:sym typeface="IM FELL DW Pica"/>
-            </a:endParaRPr>
           </a:p>
           <a:p>
             <a:pPr lvl="0" algn="ctr"/>
@@ -4099,12 +3986,12 @@
   <p:clrMapOvr>
     <a:masterClrMapping/>
   </p:clrMapOvr>
-  <p:transition spd="med" advClick="1"/>
+  <p:transition spd="med"/>
 </p:sld>
 </file>
 
 <file path=ppt/slides/slide14.xml><?xml version="1.0" encoding="utf-8"?>
-<p:sld xmlns:a="http://schemas.openxmlformats.org/drawingml/2006/main" xmlns:r="http://schemas.openxmlformats.org/officeDocument/2006/relationships" xmlns:p="http://schemas.openxmlformats.org/presentationml/2006/main" showMasterSp="1" showMasterPhAnim="1">
+<p:sld xmlns:a="http://schemas.openxmlformats.org/drawingml/2006/main" xmlns:r="http://schemas.openxmlformats.org/officeDocument/2006/relationships" xmlns:p="http://schemas.openxmlformats.org/presentationml/2006/main">
   <p:cSld>
     <p:spTree>
       <p:nvGrpSpPr>
@@ -4139,7 +4026,7 @@
           </a:ln>
           <a:extLst>
             <a:ext uri="{C572A759-6A51-4108-AA02-DFA0A04FC94B}">
-              <ma14:wrappingTextBoxFlag xmlns:ma14="http://schemas.microsoft.com/office/mac/drawingml/2011/main" val="1"/>
+              <ma14:wrappingTextBoxFlag xmlns:ma14="http://schemas.microsoft.com/office/mac/drawingml/2011/main" xmlns="" val="1"/>
             </a:ext>
           </a:extLst>
         </p:spPr>
@@ -4162,15 +4049,6 @@
               </a:rPr>
               <a:t>有件事你能帮忙 有件事非你不可</a:t>
             </a:r>
-            <a:endParaRPr sz="3200">
-              <a:solidFill>
-                <a:srgbClr val="FFFFFF"/>
-              </a:solidFill>
-              <a:latin typeface="IM FELL DW Pica"/>
-              <a:ea typeface="IM FELL DW Pica"/>
-              <a:cs typeface="IM FELL DW Pica"/>
-              <a:sym typeface="IM FELL DW Pica"/>
-            </a:endParaRPr>
           </a:p>
           <a:p>
             <a:pPr lvl="0" algn="ctr"/>
@@ -4194,12 +4072,12 @@
   <p:clrMapOvr>
     <a:masterClrMapping/>
   </p:clrMapOvr>
-  <p:transition spd="med" advClick="1"/>
+  <p:transition spd="med"/>
 </p:sld>
 </file>
 
 <file path=ppt/slides/slide15.xml><?xml version="1.0" encoding="utf-8"?>
-<p:sld xmlns:a="http://schemas.openxmlformats.org/drawingml/2006/main" xmlns:r="http://schemas.openxmlformats.org/officeDocument/2006/relationships" xmlns:p="http://schemas.openxmlformats.org/presentationml/2006/main" showMasterSp="1" showMasterPhAnim="1">
+<p:sld xmlns:a="http://schemas.openxmlformats.org/drawingml/2006/main" xmlns:r="http://schemas.openxmlformats.org/officeDocument/2006/relationships" xmlns:p="http://schemas.openxmlformats.org/presentationml/2006/main">
   <p:cSld>
     <p:spTree>
       <p:nvGrpSpPr>
@@ -4234,7 +4112,7 @@
           </a:ln>
           <a:extLst>
             <a:ext uri="{C572A759-6A51-4108-AA02-DFA0A04FC94B}">
-              <ma14:wrappingTextBoxFlag xmlns:ma14="http://schemas.microsoft.com/office/mac/drawingml/2011/main" val="1"/>
+              <ma14:wrappingTextBoxFlag xmlns:ma14="http://schemas.microsoft.com/office/mac/drawingml/2011/main" xmlns="" val="1"/>
             </a:ext>
           </a:extLst>
         </p:spPr>
@@ -4257,15 +4135,6 @@
               </a:rPr>
               <a:t>请把这封信交给珂赛特 </a:t>
             </a:r>
-            <a:endParaRPr sz="3200">
-              <a:solidFill>
-                <a:srgbClr val="FFFFFF"/>
-              </a:solidFill>
-              <a:latin typeface="IM FELL DW Pica"/>
-              <a:ea typeface="IM FELL DW Pica"/>
-              <a:cs typeface="IM FELL DW Pica"/>
-              <a:sym typeface="IM FELL DW Pica"/>
-            </a:endParaRPr>
           </a:p>
           <a:p>
             <a:pPr lvl="0" algn="ctr"/>
@@ -4289,12 +4158,12 @@
   <p:clrMapOvr>
     <a:masterClrMapping/>
   </p:clrMapOvr>
-  <p:transition spd="med" advClick="1"/>
+  <p:transition spd="med"/>
 </p:sld>
 </file>
 
 <file path=ppt/slides/slide16.xml><?xml version="1.0" encoding="utf-8"?>
-<p:sld xmlns:a="http://schemas.openxmlformats.org/drawingml/2006/main" xmlns:r="http://schemas.openxmlformats.org/officeDocument/2006/relationships" xmlns:p="http://schemas.openxmlformats.org/presentationml/2006/main" showMasterSp="1" showMasterPhAnim="1">
+<p:sld xmlns:a="http://schemas.openxmlformats.org/drawingml/2006/main" xmlns:r="http://schemas.openxmlformats.org/officeDocument/2006/relationships" xmlns:p="http://schemas.openxmlformats.org/presentationml/2006/main">
   <p:cSld>
     <p:spTree>
       <p:nvGrpSpPr>
@@ -4329,7 +4198,7 @@
           </a:ln>
           <a:extLst>
             <a:ext uri="{C572A759-6A51-4108-AA02-DFA0A04FC94B}">
-              <ma14:wrappingTextBoxFlag xmlns:ma14="http://schemas.microsoft.com/office/mac/drawingml/2011/main" val="1"/>
+              <ma14:wrappingTextBoxFlag xmlns:ma14="http://schemas.microsoft.com/office/mac/drawingml/2011/main" xmlns="" val="1"/>
             </a:ext>
           </a:extLst>
         </p:spPr>
@@ -4352,15 +4221,6 @@
               </a:rPr>
               <a:t>上帝保佑她还没离开 </a:t>
             </a:r>
-            <a:endParaRPr sz="3200">
-              <a:solidFill>
-                <a:srgbClr val="FFFFFF"/>
-              </a:solidFill>
-              <a:latin typeface="IM FELL DW Pica"/>
-              <a:ea typeface="IM FELL DW Pica"/>
-              <a:cs typeface="IM FELL DW Pica"/>
-              <a:sym typeface="IM FELL DW Pica"/>
-            </a:endParaRPr>
           </a:p>
           <a:p>
             <a:pPr lvl="0" algn="ctr"/>
@@ -4384,12 +4244,12 @@
   <p:clrMapOvr>
     <a:masterClrMapping/>
   </p:clrMapOvr>
-  <p:transition spd="med" advClick="1"/>
+  <p:transition spd="med"/>
 </p:sld>
 </file>
 
 <file path=ppt/slides/slide17.xml><?xml version="1.0" encoding="utf-8"?>
-<p:sld xmlns:a="http://schemas.openxmlformats.org/drawingml/2006/main" xmlns:r="http://schemas.openxmlformats.org/officeDocument/2006/relationships" xmlns:p="http://schemas.openxmlformats.org/presentationml/2006/main" showMasterSp="1" showMasterPhAnim="1">
+<p:sld xmlns:a="http://schemas.openxmlformats.org/drawingml/2006/main" xmlns:r="http://schemas.openxmlformats.org/officeDocument/2006/relationships" xmlns:p="http://schemas.openxmlformats.org/presentationml/2006/main">
   <p:cSld>
     <p:spTree>
       <p:nvGrpSpPr>
@@ -4424,7 +4284,7 @@
           </a:ln>
           <a:extLst>
             <a:ext uri="{C572A759-6A51-4108-AA02-DFA0A04FC94B}">
-              <ma14:wrappingTextBoxFlag xmlns:ma14="http://schemas.microsoft.com/office/mac/drawingml/2011/main" val="1"/>
+              <ma14:wrappingTextBoxFlag xmlns:ma14="http://schemas.microsoft.com/office/mac/drawingml/2011/main" xmlns="" val="1"/>
             </a:ext>
           </a:extLst>
         </p:spPr>
@@ -4447,15 +4307,6 @@
               </a:rPr>
               <a:t>你一无所知 </a:t>
             </a:r>
-            <a:endParaRPr sz="3200">
-              <a:solidFill>
-                <a:srgbClr val="FFFFFF"/>
-              </a:solidFill>
-              <a:latin typeface="IM FELL DW Pica"/>
-              <a:ea typeface="IM FELL DW Pica"/>
-              <a:cs typeface="IM FELL DW Pica"/>
-              <a:sym typeface="IM FELL DW Pica"/>
-            </a:endParaRPr>
           </a:p>
           <a:p>
             <a:pPr lvl="0" algn="ctr"/>
@@ -4479,12 +4330,12 @@
   <p:clrMapOvr>
     <a:masterClrMapping/>
   </p:clrMapOvr>
-  <p:transition spd="med" advClick="1"/>
+  <p:transition spd="med"/>
 </p:sld>
 </file>
 
 <file path=ppt/slides/slide18.xml><?xml version="1.0" encoding="utf-8"?>
-<p:sld xmlns:a="http://schemas.openxmlformats.org/drawingml/2006/main" xmlns:r="http://schemas.openxmlformats.org/officeDocument/2006/relationships" xmlns:p="http://schemas.openxmlformats.org/presentationml/2006/main" showMasterSp="1" showMasterPhAnim="1">
+<p:sld xmlns:a="http://schemas.openxmlformats.org/drawingml/2006/main" xmlns:r="http://schemas.openxmlformats.org/officeDocument/2006/relationships" xmlns:p="http://schemas.openxmlformats.org/presentationml/2006/main">
   <p:cSld>
     <p:spTree>
       <p:nvGrpSpPr>
@@ -4519,7 +4370,7 @@
           </a:ln>
           <a:extLst>
             <a:ext uri="{C572A759-6A51-4108-AA02-DFA0A04FC94B}">
-              <ma14:wrappingTextBoxFlag xmlns:ma14="http://schemas.microsoft.com/office/mac/drawingml/2011/main" val="1"/>
+              <ma14:wrappingTextBoxFlag xmlns:ma14="http://schemas.microsoft.com/office/mac/drawingml/2011/main" xmlns="" val="1"/>
             </a:ext>
           </a:extLst>
         </p:spPr>
@@ -4542,15 +4393,6 @@
               </a:rPr>
               <a:t>你毫不在乎 </a:t>
             </a:r>
-            <a:endParaRPr sz="3200">
-              <a:solidFill>
-                <a:srgbClr val="FFFFFF"/>
-              </a:solidFill>
-              <a:latin typeface="IM FELL DW Pica"/>
-              <a:ea typeface="IM FELL DW Pica"/>
-              <a:cs typeface="IM FELL DW Pica"/>
-              <a:sym typeface="IM FELL DW Pica"/>
-            </a:endParaRPr>
           </a:p>
           <a:p>
             <a:pPr lvl="0" algn="ctr"/>
@@ -4574,12 +4416,12 @@
   <p:clrMapOvr>
     <a:masterClrMapping/>
   </p:clrMapOvr>
-  <p:transition spd="med" advClick="1"/>
+  <p:transition spd="med"/>
 </p:sld>
 </file>
 
 <file path=ppt/slides/slide19.xml><?xml version="1.0" encoding="utf-8"?>
-<p:sld xmlns:a="http://schemas.openxmlformats.org/drawingml/2006/main" xmlns:r="http://schemas.openxmlformats.org/officeDocument/2006/relationships" xmlns:p="http://schemas.openxmlformats.org/presentationml/2006/main" showMasterSp="1" showMasterPhAnim="1">
+<p:sld xmlns:a="http://schemas.openxmlformats.org/drawingml/2006/main" xmlns:r="http://schemas.openxmlformats.org/officeDocument/2006/relationships" xmlns:p="http://schemas.openxmlformats.org/presentationml/2006/main">
   <p:cSld>
     <p:spTree>
       <p:nvGrpSpPr>
@@ -4614,7 +4456,7 @@
           </a:ln>
           <a:extLst>
             <a:ext uri="{C572A759-6A51-4108-AA02-DFA0A04FC94B}">
-              <ma14:wrappingTextBoxFlag xmlns:ma14="http://schemas.microsoft.com/office/mac/drawingml/2011/main" val="1"/>
+              <ma14:wrappingTextBoxFlag xmlns:ma14="http://schemas.microsoft.com/office/mac/drawingml/2011/main" xmlns="" val="1"/>
             </a:ext>
           </a:extLst>
         </p:spPr>
@@ -4637,15 +4479,6 @@
               </a:rPr>
               <a:t>我有封信 先生</a:t>
             </a:r>
-            <a:endParaRPr sz="3200">
-              <a:solidFill>
-                <a:srgbClr val="FFFFFF"/>
-              </a:solidFill>
-              <a:latin typeface="IM FELL DW Pica"/>
-              <a:ea typeface="IM FELL DW Pica"/>
-              <a:cs typeface="IM FELL DW Pica"/>
-              <a:sym typeface="IM FELL DW Pica"/>
-            </a:endParaRPr>
           </a:p>
           <a:p>
             <a:pPr lvl="0" algn="ctr"/>
@@ -4669,12 +4502,12 @@
   <p:clrMapOvr>
     <a:masterClrMapping/>
   </p:clrMapOvr>
-  <p:transition spd="med" advClick="1"/>
+  <p:transition spd="med"/>
 </p:sld>
 </file>
 
 <file path=ppt/slides/slide2.xml><?xml version="1.0" encoding="utf-8"?>
-<p:sld xmlns:a="http://schemas.openxmlformats.org/drawingml/2006/main" xmlns:r="http://schemas.openxmlformats.org/officeDocument/2006/relationships" xmlns:p="http://schemas.openxmlformats.org/presentationml/2006/main" showMasterSp="1" showMasterPhAnim="1">
+<p:sld xmlns:a="http://schemas.openxmlformats.org/drawingml/2006/main" xmlns:r="http://schemas.openxmlformats.org/officeDocument/2006/relationships" xmlns:p="http://schemas.openxmlformats.org/presentationml/2006/main">
   <p:cSld>
     <p:spTree>
       <p:nvGrpSpPr>
@@ -4699,7 +4532,7 @@
         <p:spPr>
           <a:xfrm>
             <a:off x="0" y="2844225"/>
-            <a:ext cx="9144000" cy="1096874"/>
+            <a:ext cx="9144000" cy="984885"/>
           </a:xfrm>
           <a:prstGeom prst="rect">
             <a:avLst/>
@@ -4709,7 +4542,7 @@
           </a:ln>
           <a:extLst>
             <a:ext uri="{C572A759-6A51-4108-AA02-DFA0A04FC94B}">
-              <ma14:wrappingTextBoxFlag xmlns:ma14="http://schemas.microsoft.com/office/mac/drawingml/2011/main" val="1"/>
+              <ma14:wrappingTextBoxFlag xmlns:ma14="http://schemas.microsoft.com/office/mac/drawingml/2011/main" xmlns="" val="1"/>
             </a:ext>
           </a:extLst>
         </p:spPr>
@@ -4721,7 +4554,7 @@
           <a:p>
             <a:pPr lvl="0" algn="ctr"/>
             <a:r>
-              <a:rPr sz="3200">
+              <a:rPr sz="3200" dirty="0" err="1" smtClean="0">
                 <a:solidFill>
                   <a:srgbClr val="FFFFFF"/>
                 </a:solidFill>
@@ -4732,7 +4565,7 @@
               </a:rPr>
               <a:t>在城市的心脏占领一席之地</a:t>
             </a:r>
-            <a:endParaRPr sz="3200">
+            <a:endParaRPr sz="3200" dirty="0">
               <a:solidFill>
                 <a:srgbClr val="FFFFFF"/>
               </a:solidFill>
@@ -4745,17 +4578,38 @@
           <a:p>
             <a:pPr lvl="0" algn="ctr"/>
             <a:r>
-              <a:rPr sz="3200">
-                <a:solidFill>
-                  <a:srgbClr val="FFFFFF"/>
-                </a:solidFill>
-                <a:latin typeface="IM FELL DW Pica"/>
-                <a:ea typeface="IM FELL DW Pica"/>
-                <a:cs typeface="IM FELL DW Pica"/>
-                <a:sym typeface="IM FELL DW Pica"/>
-              </a:rPr>
-              <a:t>in the heart of the city we claim as our own.</a:t>
-            </a:r>
+              <a:rPr sz="3200" dirty="0">
+                <a:solidFill>
+                  <a:srgbClr val="FFFFFF"/>
+                </a:solidFill>
+                <a:latin typeface="IM FELL DW Pica"/>
+                <a:ea typeface="IM FELL DW Pica"/>
+                <a:cs typeface="IM FELL DW Pica"/>
+                <a:sym typeface="IM FELL DW Pica"/>
+              </a:rPr>
+              <a:t>in the heart of the city we claim as our </a:t>
+            </a:r>
+            <a:r>
+              <a:rPr sz="3200" dirty="0" smtClean="0">
+                <a:solidFill>
+                  <a:srgbClr val="FFFFFF"/>
+                </a:solidFill>
+                <a:latin typeface="IM FELL DW Pica"/>
+                <a:ea typeface="IM FELL DW Pica"/>
+                <a:cs typeface="IM FELL DW Pica"/>
+                <a:sym typeface="IM FELL DW Pica"/>
+              </a:rPr>
+              <a:t>own</a:t>
+            </a:r>
+            <a:endParaRPr sz="3200" dirty="0">
+              <a:solidFill>
+                <a:srgbClr val="FFFFFF"/>
+              </a:solidFill>
+              <a:latin typeface="IM FELL DW Pica"/>
+              <a:ea typeface="IM FELL DW Pica"/>
+              <a:cs typeface="IM FELL DW Pica"/>
+              <a:sym typeface="IM FELL DW Pica"/>
+            </a:endParaRPr>
           </a:p>
         </p:txBody>
       </p:sp>
@@ -4764,12 +4618,19 @@
   <p:clrMapOvr>
     <a:masterClrMapping/>
   </p:clrMapOvr>
-  <p:transition spd="med" advClick="1"/>
+  <p:transition spd="med"/>
+  <p:timing>
+    <p:tnLst>
+      <p:par>
+        <p:cTn id="1" dur="indefinite" restart="never" nodeType="tmRoot"/>
+      </p:par>
+    </p:tnLst>
+  </p:timing>
 </p:sld>
 </file>
 
 <file path=ppt/slides/slide20.xml><?xml version="1.0" encoding="utf-8"?>
-<p:sld xmlns:a="http://schemas.openxmlformats.org/drawingml/2006/main" xmlns:r="http://schemas.openxmlformats.org/officeDocument/2006/relationships" xmlns:p="http://schemas.openxmlformats.org/presentationml/2006/main" showMasterSp="1" showMasterPhAnim="1">
+<p:sld xmlns:a="http://schemas.openxmlformats.org/drawingml/2006/main" xmlns:r="http://schemas.openxmlformats.org/officeDocument/2006/relationships" xmlns:p="http://schemas.openxmlformats.org/presentationml/2006/main">
   <p:cSld>
     <p:spTree>
       <p:nvGrpSpPr>
@@ -4804,7 +4665,7 @@
           </a:ln>
           <a:extLst>
             <a:ext uri="{C572A759-6A51-4108-AA02-DFA0A04FC94B}">
-              <ma14:wrappingTextBoxFlag xmlns:ma14="http://schemas.microsoft.com/office/mac/drawingml/2011/main" val="1"/>
+              <ma14:wrappingTextBoxFlag xmlns:ma14="http://schemas.microsoft.com/office/mac/drawingml/2011/main" xmlns="" val="1"/>
             </a:ext>
           </a:extLst>
         </p:spPr>
@@ -4827,15 +4688,6 @@
               </a:rPr>
               <a:t>要交给您女儿珂赛特 </a:t>
             </a:r>
-            <a:endParaRPr sz="3200">
-              <a:solidFill>
-                <a:srgbClr val="FFFFFF"/>
-              </a:solidFill>
-              <a:latin typeface="IM FELL DW Pica"/>
-              <a:ea typeface="IM FELL DW Pica"/>
-              <a:cs typeface="IM FELL DW Pica"/>
-              <a:sym typeface="IM FELL DW Pica"/>
-            </a:endParaRPr>
           </a:p>
           <a:p>
             <a:pPr lvl="0" algn="ctr"/>
@@ -4859,12 +4711,12 @@
   <p:clrMapOvr>
     <a:masterClrMapping/>
   </p:clrMapOvr>
-  <p:transition spd="med" advClick="1"/>
+  <p:transition spd="med"/>
 </p:sld>
 </file>
 
 <file path=ppt/slides/slide21.xml><?xml version="1.0" encoding="utf-8"?>
-<p:sld xmlns:a="http://schemas.openxmlformats.org/drawingml/2006/main" xmlns:r="http://schemas.openxmlformats.org/officeDocument/2006/relationships" xmlns:p="http://schemas.openxmlformats.org/presentationml/2006/main" showMasterSp="1" showMasterPhAnim="1">
+<p:sld xmlns:a="http://schemas.openxmlformats.org/drawingml/2006/main" xmlns:r="http://schemas.openxmlformats.org/officeDocument/2006/relationships" xmlns:p="http://schemas.openxmlformats.org/presentationml/2006/main">
   <p:cSld>
     <p:spTree>
       <p:nvGrpSpPr>
@@ -4899,7 +4751,7 @@
           </a:ln>
           <a:extLst>
             <a:ext uri="{C572A759-6A51-4108-AA02-DFA0A04FC94B}">
-              <ma14:wrappingTextBoxFlag xmlns:ma14="http://schemas.microsoft.com/office/mac/drawingml/2011/main" val="1"/>
+              <ma14:wrappingTextBoxFlag xmlns:ma14="http://schemas.microsoft.com/office/mac/drawingml/2011/main" xmlns="" val="1"/>
             </a:ext>
           </a:extLst>
         </p:spPr>
@@ -4922,15 +4774,6 @@
               </a:rPr>
               <a:t>是瓦勒路上街垒里一个男孩写的 先生</a:t>
             </a:r>
-            <a:endParaRPr sz="3200">
-              <a:solidFill>
-                <a:srgbClr val="FFFFFF"/>
-              </a:solidFill>
-              <a:latin typeface="IM FELL DW Pica"/>
-              <a:ea typeface="IM FELL DW Pica"/>
-              <a:cs typeface="IM FELL DW Pica"/>
-              <a:sym typeface="IM FELL DW Pica"/>
-            </a:endParaRPr>
           </a:p>
           <a:p>
             <a:pPr lvl="0" algn="ctr"/>
@@ -4954,12 +4797,12 @@
   <p:clrMapOvr>
     <a:masterClrMapping/>
   </p:clrMapOvr>
-  <p:transition spd="med" advClick="1"/>
+  <p:transition spd="med"/>
 </p:sld>
 </file>
 
 <file path=ppt/slides/slide22.xml><?xml version="1.0" encoding="utf-8"?>
-<p:sld xmlns:a="http://schemas.openxmlformats.org/drawingml/2006/main" xmlns:r="http://schemas.openxmlformats.org/officeDocument/2006/relationships" xmlns:p="http://schemas.openxmlformats.org/presentationml/2006/main" showMasterSp="1" showMasterPhAnim="1">
+<p:sld xmlns:a="http://schemas.openxmlformats.org/drawingml/2006/main" xmlns:r="http://schemas.openxmlformats.org/officeDocument/2006/relationships" xmlns:p="http://schemas.openxmlformats.org/presentationml/2006/main">
   <p:cSld>
     <p:spTree>
       <p:nvGrpSpPr>
@@ -4994,7 +4837,7 @@
           </a:ln>
           <a:extLst>
             <a:ext uri="{C572A759-6A51-4108-AA02-DFA0A04FC94B}">
-              <ma14:wrappingTextBoxFlag xmlns:ma14="http://schemas.microsoft.com/office/mac/drawingml/2011/main" val="1"/>
+              <ma14:wrappingTextBoxFlag xmlns:ma14="http://schemas.microsoft.com/office/mac/drawingml/2011/main" xmlns="" val="1"/>
             </a:ext>
           </a:extLst>
         </p:spPr>
@@ -5017,15 +4860,6 @@
               </a:rPr>
               <a:t>把信给我 男孩</a:t>
             </a:r>
-            <a:endParaRPr sz="3200">
-              <a:solidFill>
-                <a:srgbClr val="FFFFFF"/>
-              </a:solidFill>
-              <a:latin typeface="IM FELL DW Pica"/>
-              <a:ea typeface="IM FELL DW Pica"/>
-              <a:cs typeface="IM FELL DW Pica"/>
-              <a:sym typeface="IM FELL DW Pica"/>
-            </a:endParaRPr>
           </a:p>
           <a:p>
             <a:pPr lvl="0" algn="ctr"/>
@@ -5049,12 +4883,12 @@
   <p:clrMapOvr>
     <a:masterClrMapping/>
   </p:clrMapOvr>
-  <p:transition spd="med" advClick="1"/>
+  <p:transition spd="med"/>
 </p:sld>
 </file>
 
 <file path=ppt/slides/slide23.xml><?xml version="1.0" encoding="utf-8"?>
-<p:sld xmlns:a="http://schemas.openxmlformats.org/drawingml/2006/main" xmlns:r="http://schemas.openxmlformats.org/officeDocument/2006/relationships" xmlns:p="http://schemas.openxmlformats.org/presentationml/2006/main" showMasterSp="1" showMasterPhAnim="1">
+<p:sld xmlns:a="http://schemas.openxmlformats.org/drawingml/2006/main" xmlns:r="http://schemas.openxmlformats.org/officeDocument/2006/relationships" xmlns:p="http://schemas.openxmlformats.org/presentationml/2006/main">
   <p:cSld>
     <p:spTree>
       <p:nvGrpSpPr>
@@ -5089,7 +4923,7 @@
           </a:ln>
           <a:extLst>
             <a:ext uri="{C572A759-6A51-4108-AA02-DFA0A04FC94B}">
-              <ma14:wrappingTextBoxFlag xmlns:ma14="http://schemas.microsoft.com/office/mac/drawingml/2011/main" val="1"/>
+              <ma14:wrappingTextBoxFlag xmlns:ma14="http://schemas.microsoft.com/office/mac/drawingml/2011/main" xmlns="" val="1"/>
             </a:ext>
           </a:extLst>
         </p:spPr>
@@ -5112,15 +4946,6 @@
               </a:rPr>
               <a:t>他说要面交珂赛特 </a:t>
             </a:r>
-            <a:endParaRPr sz="3200">
-              <a:solidFill>
-                <a:srgbClr val="FFFFFF"/>
-              </a:solidFill>
-              <a:latin typeface="IM FELL DW Pica"/>
-              <a:ea typeface="IM FELL DW Pica"/>
-              <a:cs typeface="IM FELL DW Pica"/>
-              <a:sym typeface="IM FELL DW Pica"/>
-            </a:endParaRPr>
           </a:p>
           <a:p>
             <a:pPr lvl="0" algn="ctr"/>
@@ -5144,12 +4969,12 @@
   <p:clrMapOvr>
     <a:masterClrMapping/>
   </p:clrMapOvr>
-  <p:transition spd="med" advClick="1"/>
+  <p:transition spd="med"/>
 </p:sld>
 </file>
 
 <file path=ppt/slides/slide24.xml><?xml version="1.0" encoding="utf-8"?>
-<p:sld xmlns:a="http://schemas.openxmlformats.org/drawingml/2006/main" xmlns:r="http://schemas.openxmlformats.org/officeDocument/2006/relationships" xmlns:p="http://schemas.openxmlformats.org/presentationml/2006/main" showMasterSp="1" showMasterPhAnim="1">
+<p:sld xmlns:a="http://schemas.openxmlformats.org/drawingml/2006/main" xmlns:r="http://schemas.openxmlformats.org/officeDocument/2006/relationships" xmlns:p="http://schemas.openxmlformats.org/presentationml/2006/main">
   <p:cSld>
     <p:spTree>
       <p:nvGrpSpPr>
@@ -5184,7 +5009,7 @@
           </a:ln>
           <a:extLst>
             <a:ext uri="{C572A759-6A51-4108-AA02-DFA0A04FC94B}">
-              <ma14:wrappingTextBoxFlag xmlns:ma14="http://schemas.microsoft.com/office/mac/drawingml/2011/main" val="1"/>
+              <ma14:wrappingTextBoxFlag xmlns:ma14="http://schemas.microsoft.com/office/mac/drawingml/2011/main" xmlns="" val="1"/>
             </a:ext>
           </a:extLst>
         </p:spPr>
@@ -5207,15 +5032,6 @@
               </a:rPr>
               <a:t>我向你保证 </a:t>
             </a:r>
-            <a:endParaRPr sz="3200">
-              <a:solidFill>
-                <a:srgbClr val="FFFFFF"/>
-              </a:solidFill>
-              <a:latin typeface="IM FELL DW Pica"/>
-              <a:ea typeface="IM FELL DW Pica"/>
-              <a:cs typeface="IM FELL DW Pica"/>
-              <a:sym typeface="IM FELL DW Pica"/>
-            </a:endParaRPr>
           </a:p>
           <a:p>
             <a:pPr lvl="0" algn="ctr"/>
@@ -5239,12 +5055,12 @@
   <p:clrMapOvr>
     <a:masterClrMapping/>
   </p:clrMapOvr>
-  <p:transition spd="med" advClick="1"/>
+  <p:transition spd="med"/>
 </p:sld>
 </file>
 
 <file path=ppt/slides/slide25.xml><?xml version="1.0" encoding="utf-8"?>
-<p:sld xmlns:a="http://schemas.openxmlformats.org/drawingml/2006/main" xmlns:r="http://schemas.openxmlformats.org/officeDocument/2006/relationships" xmlns:p="http://schemas.openxmlformats.org/presentationml/2006/main" showMasterSp="1" showMasterPhAnim="1">
+<p:sld xmlns:a="http://schemas.openxmlformats.org/drawingml/2006/main" xmlns:r="http://schemas.openxmlformats.org/officeDocument/2006/relationships" xmlns:p="http://schemas.openxmlformats.org/presentationml/2006/main">
   <p:cSld>
     <p:spTree>
       <p:nvGrpSpPr>
@@ -5279,7 +5095,7 @@
           </a:ln>
           <a:extLst>
             <a:ext uri="{C572A759-6A51-4108-AA02-DFA0A04FC94B}">
-              <ma14:wrappingTextBoxFlag xmlns:ma14="http://schemas.microsoft.com/office/mac/drawingml/2011/main" val="1"/>
+              <ma14:wrappingTextBoxFlag xmlns:ma14="http://schemas.microsoft.com/office/mac/drawingml/2011/main" xmlns="" val="1"/>
             </a:ext>
           </a:extLst>
         </p:spPr>
@@ -5302,15 +5118,6 @@
               </a:rPr>
               <a:t>我女儿会知道信的内容 </a:t>
             </a:r>
-            <a:endParaRPr sz="3200">
-              <a:solidFill>
-                <a:srgbClr val="FFFFFF"/>
-              </a:solidFill>
-              <a:latin typeface="IM FELL DW Pica"/>
-              <a:ea typeface="IM FELL DW Pica"/>
-              <a:cs typeface="IM FELL DW Pica"/>
-              <a:sym typeface="IM FELL DW Pica"/>
-            </a:endParaRPr>
           </a:p>
           <a:p>
             <a:pPr lvl="0" algn="ctr"/>
@@ -5334,12 +5141,12 @@
   <p:clrMapOvr>
     <a:masterClrMapping/>
   </p:clrMapOvr>
-  <p:transition spd="med" advClick="1"/>
+  <p:transition spd="med"/>
 </p:sld>
 </file>
 
 <file path=ppt/slides/slide26.xml><?xml version="1.0" encoding="utf-8"?>
-<p:sld xmlns:a="http://schemas.openxmlformats.org/drawingml/2006/main" xmlns:r="http://schemas.openxmlformats.org/officeDocument/2006/relationships" xmlns:p="http://schemas.openxmlformats.org/presentationml/2006/main" showMasterSp="1" showMasterPhAnim="1">
+<p:sld xmlns:a="http://schemas.openxmlformats.org/drawingml/2006/main" xmlns:r="http://schemas.openxmlformats.org/officeDocument/2006/relationships" xmlns:p="http://schemas.openxmlformats.org/presentationml/2006/main">
   <p:cSld>
     <p:spTree>
       <p:nvGrpSpPr>
@@ -5374,7 +5181,7 @@
           </a:ln>
           <a:extLst>
             <a:ext uri="{C572A759-6A51-4108-AA02-DFA0A04FC94B}">
-              <ma14:wrappingTextBoxFlag xmlns:ma14="http://schemas.microsoft.com/office/mac/drawingml/2011/main" val="1"/>
+              <ma14:wrappingTextBoxFlag xmlns:ma14="http://schemas.microsoft.com/office/mac/drawingml/2011/main" xmlns="" val="1"/>
             </a:ext>
           </a:extLst>
         </p:spPr>
@@ -5397,15 +5204,6 @@
               </a:rPr>
               <a:t>告诉那年轻人 她明天会读到</a:t>
             </a:r>
-            <a:endParaRPr sz="3200">
-              <a:solidFill>
-                <a:srgbClr val="FFFFFF"/>
-              </a:solidFill>
-              <a:latin typeface="IM FELL DW Pica"/>
-              <a:ea typeface="IM FELL DW Pica"/>
-              <a:cs typeface="IM FELL DW Pica"/>
-              <a:sym typeface="IM FELL DW Pica"/>
-            </a:endParaRPr>
           </a:p>
           <a:p>
             <a:pPr lvl="0" algn="ctr"/>
@@ -5429,12 +5227,12 @@
   <p:clrMapOvr>
     <a:masterClrMapping/>
   </p:clrMapOvr>
-  <p:transition spd="med" advClick="1"/>
+  <p:transition spd="med"/>
 </p:sld>
 </file>
 
 <file path=ppt/slides/slide27.xml><?xml version="1.0" encoding="utf-8"?>
-<p:sld xmlns:a="http://schemas.openxmlformats.org/drawingml/2006/main" xmlns:r="http://schemas.openxmlformats.org/officeDocument/2006/relationships" xmlns:p="http://schemas.openxmlformats.org/presentationml/2006/main" showMasterSp="1" showMasterPhAnim="1">
+<p:sld xmlns:a="http://schemas.openxmlformats.org/drawingml/2006/main" xmlns:r="http://schemas.openxmlformats.org/officeDocument/2006/relationships" xmlns:p="http://schemas.openxmlformats.org/presentationml/2006/main">
   <p:cSld>
     <p:spTree>
       <p:nvGrpSpPr>
@@ -5469,7 +5267,7 @@
           </a:ln>
           <a:extLst>
             <a:ext uri="{C572A759-6A51-4108-AA02-DFA0A04FC94B}">
-              <ma14:wrappingTextBoxFlag xmlns:ma14="http://schemas.microsoft.com/office/mac/drawingml/2011/main" val="1"/>
+              <ma14:wrappingTextBoxFlag xmlns:ma14="http://schemas.microsoft.com/office/mac/drawingml/2011/main" xmlns="" val="1"/>
             </a:ext>
           </a:extLst>
         </p:spPr>
@@ -5492,15 +5290,6 @@
               </a:rPr>
               <a:t>这是你的酬劳 </a:t>
             </a:r>
-            <a:endParaRPr sz="3200">
-              <a:solidFill>
-                <a:srgbClr val="FFFFFF"/>
-              </a:solidFill>
-              <a:latin typeface="IM FELL DW Pica"/>
-              <a:ea typeface="IM FELL DW Pica"/>
-              <a:cs typeface="IM FELL DW Pica"/>
-              <a:sym typeface="IM FELL DW Pica"/>
-            </a:endParaRPr>
           </a:p>
           <a:p>
             <a:pPr lvl="0" algn="ctr"/>
@@ -5524,12 +5313,12 @@
   <p:clrMapOvr>
     <a:masterClrMapping/>
   </p:clrMapOvr>
-  <p:transition spd="med" advClick="1"/>
+  <p:transition spd="med"/>
 </p:sld>
 </file>
 
 <file path=ppt/slides/slide28.xml><?xml version="1.0" encoding="utf-8"?>
-<p:sld xmlns:a="http://schemas.openxmlformats.org/drawingml/2006/main" xmlns:r="http://schemas.openxmlformats.org/officeDocument/2006/relationships" xmlns:p="http://schemas.openxmlformats.org/presentationml/2006/main" showMasterSp="1" showMasterPhAnim="1">
+<p:sld xmlns:a="http://schemas.openxmlformats.org/drawingml/2006/main" xmlns:r="http://schemas.openxmlformats.org/officeDocument/2006/relationships" xmlns:p="http://schemas.openxmlformats.org/presentationml/2006/main">
   <p:cSld>
     <p:spTree>
       <p:nvGrpSpPr>
@@ -5564,7 +5353,7 @@
           </a:ln>
           <a:extLst>
             <a:ext uri="{C572A759-6A51-4108-AA02-DFA0A04FC94B}">
-              <ma14:wrappingTextBoxFlag xmlns:ma14="http://schemas.microsoft.com/office/mac/drawingml/2011/main" val="1"/>
+              <ma14:wrappingTextBoxFlag xmlns:ma14="http://schemas.microsoft.com/office/mac/drawingml/2011/main" xmlns="" val="1"/>
             </a:ext>
           </a:extLst>
         </p:spPr>
@@ -5587,15 +5376,6 @@
               </a:rPr>
               <a:t>小心回去 避人耳目</a:t>
             </a:r>
-            <a:endParaRPr sz="3200">
-              <a:solidFill>
-                <a:srgbClr val="FFFFFF"/>
-              </a:solidFill>
-              <a:latin typeface="IM FELL DW Pica"/>
-              <a:ea typeface="IM FELL DW Pica"/>
-              <a:cs typeface="IM FELL DW Pica"/>
-              <a:sym typeface="IM FELL DW Pica"/>
-            </a:endParaRPr>
           </a:p>
           <a:p>
             <a:pPr lvl="0" algn="ctr"/>
@@ -5619,12 +5399,12 @@
   <p:clrMapOvr>
     <a:masterClrMapping/>
   </p:clrMapOvr>
-  <p:transition spd="med" advClick="1"/>
+  <p:transition spd="med"/>
 </p:sld>
 </file>
 
 <file path=ppt/slides/slide29.xml><?xml version="1.0" encoding="utf-8"?>
-<p:sld xmlns:a="http://schemas.openxmlformats.org/drawingml/2006/main" xmlns:r="http://schemas.openxmlformats.org/officeDocument/2006/relationships" xmlns:p="http://schemas.openxmlformats.org/presentationml/2006/main" showMasterSp="1" showMasterPhAnim="1">
+<p:sld xmlns:a="http://schemas.openxmlformats.org/drawingml/2006/main" xmlns:r="http://schemas.openxmlformats.org/officeDocument/2006/relationships" xmlns:p="http://schemas.openxmlformats.org/presentationml/2006/main">
   <p:cSld>
     <p:spTree>
       <p:nvGrpSpPr>
@@ -5659,7 +5439,7 @@
           </a:ln>
           <a:extLst>
             <a:ext uri="{C572A759-6A51-4108-AA02-DFA0A04FC94B}">
-              <ma14:wrappingTextBoxFlag xmlns:ma14="http://schemas.microsoft.com/office/mac/drawingml/2011/main" val="1"/>
+              <ma14:wrappingTextBoxFlag xmlns:ma14="http://schemas.microsoft.com/office/mac/drawingml/2011/main" xmlns="" val="1"/>
             </a:ext>
           </a:extLst>
         </p:spPr>
@@ -5682,15 +5462,6 @@
               </a:rPr>
               <a:t>今夜街面上危机四伏 </a:t>
             </a:r>
-            <a:endParaRPr sz="3200">
-              <a:solidFill>
-                <a:srgbClr val="FFFFFF"/>
-              </a:solidFill>
-              <a:latin typeface="IM FELL DW Pica"/>
-              <a:ea typeface="IM FELL DW Pica"/>
-              <a:cs typeface="IM FELL DW Pica"/>
-              <a:sym typeface="IM FELL DW Pica"/>
-            </a:endParaRPr>
           </a:p>
           <a:p>
             <a:pPr lvl="0" algn="ctr"/>
@@ -5714,12 +5485,12 @@
   <p:clrMapOvr>
     <a:masterClrMapping/>
   </p:clrMapOvr>
-  <p:transition spd="med" advClick="1"/>
+  <p:transition spd="med"/>
 </p:sld>
 </file>
 
 <file path=ppt/slides/slide3.xml><?xml version="1.0" encoding="utf-8"?>
-<p:sld xmlns:a="http://schemas.openxmlformats.org/drawingml/2006/main" xmlns:r="http://schemas.openxmlformats.org/officeDocument/2006/relationships" xmlns:p="http://schemas.openxmlformats.org/presentationml/2006/main" showMasterSp="1" showMasterPhAnim="1">
+<p:sld xmlns:a="http://schemas.openxmlformats.org/drawingml/2006/main" xmlns:r="http://schemas.openxmlformats.org/officeDocument/2006/relationships" xmlns:p="http://schemas.openxmlformats.org/presentationml/2006/main">
   <p:cSld>
     <p:spTree>
       <p:nvGrpSpPr>
@@ -5754,7 +5525,7 @@
           </a:ln>
           <a:extLst>
             <a:ext uri="{C572A759-6A51-4108-AA02-DFA0A04FC94B}">
-              <ma14:wrappingTextBoxFlag xmlns:ma14="http://schemas.microsoft.com/office/mac/drawingml/2011/main" val="1"/>
+              <ma14:wrappingTextBoxFlag xmlns:ma14="http://schemas.microsoft.com/office/mac/drawingml/2011/main" xmlns="" val="1"/>
             </a:ext>
           </a:extLst>
         </p:spPr>
@@ -5777,15 +5548,6 @@
               </a:rPr>
               <a:t>每个人坚守岗位 不必畏惧</a:t>
             </a:r>
-            <a:endParaRPr sz="3200">
-              <a:solidFill>
-                <a:srgbClr val="FFFFFF"/>
-              </a:solidFill>
-              <a:latin typeface="IM FELL DW Pica"/>
-              <a:ea typeface="IM FELL DW Pica"/>
-              <a:cs typeface="IM FELL DW Pica"/>
-              <a:sym typeface="IM FELL DW Pica"/>
-            </a:endParaRPr>
           </a:p>
           <a:p>
             <a:pPr lvl="0" algn="ctr"/>
@@ -5809,12 +5571,19 @@
   <p:clrMapOvr>
     <a:masterClrMapping/>
   </p:clrMapOvr>
-  <p:transition spd="med" advClick="1"/>
+  <p:transition spd="med"/>
+  <p:timing>
+    <p:tnLst>
+      <p:par>
+        <p:cTn id="1" dur="indefinite" restart="never" nodeType="tmRoot"/>
+      </p:par>
+    </p:tnLst>
+  </p:timing>
 </p:sld>
 </file>
 
 <file path=ppt/slides/slide30.xml><?xml version="1.0" encoding="utf-8"?>
-<p:sld xmlns:a="http://schemas.openxmlformats.org/drawingml/2006/main" xmlns:r="http://schemas.openxmlformats.org/officeDocument/2006/relationships" xmlns:p="http://schemas.openxmlformats.org/presentationml/2006/main" showMasterSp="1" showMasterPhAnim="1">
+<p:sld xmlns:a="http://schemas.openxmlformats.org/drawingml/2006/main" xmlns:r="http://schemas.openxmlformats.org/officeDocument/2006/relationships" xmlns:p="http://schemas.openxmlformats.org/presentationml/2006/main">
   <p:cSld>
     <p:spTree>
       <p:nvGrpSpPr>
@@ -5849,7 +5618,7 @@
           </a:ln>
           <a:extLst>
             <a:ext uri="{C572A759-6A51-4108-AA02-DFA0A04FC94B}">
-              <ma14:wrappingTextBoxFlag xmlns:ma14="http://schemas.microsoft.com/office/mac/drawingml/2011/main" val="1"/>
+              <ma14:wrappingTextBoxFlag xmlns:ma14="http://schemas.microsoft.com/office/mac/drawingml/2011/main" xmlns="" val="1"/>
             </a:ext>
           </a:extLst>
         </p:spPr>
@@ -5872,15 +5641,6 @@
               </a:rPr>
               <a:t>最亲爱的珂赛特 </a:t>
             </a:r>
-            <a:endParaRPr sz="3200">
-              <a:solidFill>
-                <a:srgbClr val="FFFFFF"/>
-              </a:solidFill>
-              <a:latin typeface="IM FELL DW Pica"/>
-              <a:ea typeface="IM FELL DW Pica"/>
-              <a:cs typeface="IM FELL DW Pica"/>
-              <a:sym typeface="IM FELL DW Pica"/>
-            </a:endParaRPr>
           </a:p>
           <a:p>
             <a:pPr lvl="0" algn="ctr"/>
@@ -5904,12 +5664,12 @@
   <p:clrMapOvr>
     <a:masterClrMapping/>
   </p:clrMapOvr>
-  <p:transition spd="med" advClick="1"/>
+  <p:transition spd="med"/>
 </p:sld>
 </file>
 
 <file path=ppt/slides/slide31.xml><?xml version="1.0" encoding="utf-8"?>
-<p:sld xmlns:a="http://schemas.openxmlformats.org/drawingml/2006/main" xmlns:r="http://schemas.openxmlformats.org/officeDocument/2006/relationships" xmlns:p="http://schemas.openxmlformats.org/presentationml/2006/main" showMasterSp="1" showMasterPhAnim="1">
+<p:sld xmlns:a="http://schemas.openxmlformats.org/drawingml/2006/main" xmlns:r="http://schemas.openxmlformats.org/officeDocument/2006/relationships" xmlns:p="http://schemas.openxmlformats.org/presentationml/2006/main">
   <p:cSld>
     <p:spTree>
       <p:nvGrpSpPr>
@@ -5944,7 +5704,7 @@
           </a:ln>
           <a:extLst>
             <a:ext uri="{C572A759-6A51-4108-AA02-DFA0A04FC94B}">
-              <ma14:wrappingTextBoxFlag xmlns:ma14="http://schemas.microsoft.com/office/mac/drawingml/2011/main" val="1"/>
+              <ma14:wrappingTextBoxFlag xmlns:ma14="http://schemas.microsoft.com/office/mac/drawingml/2011/main" xmlns="" val="1"/>
             </a:ext>
           </a:extLst>
         </p:spPr>
@@ -5967,15 +5727,6 @@
               </a:rPr>
               <a:t>你已印上我的灵魂 转瞬又将远去</a:t>
             </a:r>
-            <a:endParaRPr sz="3200">
-              <a:solidFill>
-                <a:srgbClr val="FFFFFF"/>
-              </a:solidFill>
-              <a:latin typeface="IM FELL DW Pica"/>
-              <a:ea typeface="IM FELL DW Pica"/>
-              <a:cs typeface="IM FELL DW Pica"/>
-              <a:sym typeface="IM FELL DW Pica"/>
-            </a:endParaRPr>
           </a:p>
           <a:p>
             <a:pPr lvl="0" algn="ctr"/>
@@ -5999,12 +5750,12 @@
   <p:clrMapOvr>
     <a:masterClrMapping/>
   </p:clrMapOvr>
-  <p:transition spd="med" advClick="1"/>
+  <p:transition spd="med"/>
 </p:sld>
 </file>
 
 <file path=ppt/slides/slide32.xml><?xml version="1.0" encoding="utf-8"?>
-<p:sld xmlns:a="http://schemas.openxmlformats.org/drawingml/2006/main" xmlns:r="http://schemas.openxmlformats.org/officeDocument/2006/relationships" xmlns:p="http://schemas.openxmlformats.org/presentationml/2006/main" showMasterSp="1" showMasterPhAnim="1">
+<p:sld xmlns:a="http://schemas.openxmlformats.org/drawingml/2006/main" xmlns:r="http://schemas.openxmlformats.org/officeDocument/2006/relationships" xmlns:p="http://schemas.openxmlformats.org/presentationml/2006/main">
   <p:cSld>
     <p:spTree>
       <p:nvGrpSpPr>
@@ -6039,7 +5790,7 @@
           </a:ln>
           <a:extLst>
             <a:ext uri="{C572A759-6A51-4108-AA02-DFA0A04FC94B}">
-              <ma14:wrappingTextBoxFlag xmlns:ma14="http://schemas.microsoft.com/office/mac/drawingml/2011/main" val="1"/>
+              <ma14:wrappingTextBoxFlag xmlns:ma14="http://schemas.microsoft.com/office/mac/drawingml/2011/main" xmlns="" val="1"/>
             </a:ext>
           </a:extLst>
         </p:spPr>
@@ -6062,15 +5813,6 @@
               </a:rPr>
               <a:t>真的只是一天前你我才相遇 </a:t>
             </a:r>
-            <a:endParaRPr sz="3200">
-              <a:solidFill>
-                <a:srgbClr val="FFFFFF"/>
-              </a:solidFill>
-              <a:latin typeface="IM FELL DW Pica"/>
-              <a:ea typeface="IM FELL DW Pica"/>
-              <a:cs typeface="IM FELL DW Pica"/>
-              <a:sym typeface="IM FELL DW Pica"/>
-            </a:endParaRPr>
           </a:p>
           <a:p>
             <a:pPr lvl="0" algn="ctr"/>
@@ -6094,12 +5836,12 @@
   <p:clrMapOvr>
     <a:masterClrMapping/>
   </p:clrMapOvr>
-  <p:transition spd="med" advClick="1"/>
+  <p:transition spd="med"/>
 </p:sld>
 </file>
 
 <file path=ppt/slides/slide33.xml><?xml version="1.0" encoding="utf-8"?>
-<p:sld xmlns:a="http://schemas.openxmlformats.org/drawingml/2006/main" xmlns:r="http://schemas.openxmlformats.org/officeDocument/2006/relationships" xmlns:p="http://schemas.openxmlformats.org/presentationml/2006/main" showMasterSp="1" showMasterPhAnim="1">
+<p:sld xmlns:a="http://schemas.openxmlformats.org/drawingml/2006/main" xmlns:r="http://schemas.openxmlformats.org/officeDocument/2006/relationships" xmlns:p="http://schemas.openxmlformats.org/presentationml/2006/main">
   <p:cSld>
     <p:spTree>
       <p:nvGrpSpPr>
@@ -6134,7 +5876,7 @@
           </a:ln>
           <a:extLst>
             <a:ext uri="{C572A759-6A51-4108-AA02-DFA0A04FC94B}">
-              <ma14:wrappingTextBoxFlag xmlns:ma14="http://schemas.microsoft.com/office/mac/drawingml/2011/main" val="1"/>
+              <ma14:wrappingTextBoxFlag xmlns:ma14="http://schemas.microsoft.com/office/mac/drawingml/2011/main" xmlns="" val="1"/>
             </a:ext>
           </a:extLst>
         </p:spPr>
@@ -6157,15 +5899,6 @@
               </a:rPr>
               <a:t>世界才刚刚重生? </a:t>
             </a:r>
-            <a:endParaRPr sz="3200">
-              <a:solidFill>
-                <a:srgbClr val="FFFFFF"/>
-              </a:solidFill>
-              <a:latin typeface="IM FELL DW Pica"/>
-              <a:ea typeface="IM FELL DW Pica"/>
-              <a:cs typeface="IM FELL DW Pica"/>
-              <a:sym typeface="IM FELL DW Pica"/>
-            </a:endParaRPr>
           </a:p>
           <a:p>
             <a:pPr lvl="0" algn="ctr"/>
@@ -6189,12 +5922,12 @@
   <p:clrMapOvr>
     <a:masterClrMapping/>
   </p:clrMapOvr>
-  <p:transition spd="med" advClick="1"/>
+  <p:transition spd="med"/>
 </p:sld>
 </file>
 
 <file path=ppt/slides/slide34.xml><?xml version="1.0" encoding="utf-8"?>
-<p:sld xmlns:a="http://schemas.openxmlformats.org/drawingml/2006/main" xmlns:r="http://schemas.openxmlformats.org/officeDocument/2006/relationships" xmlns:p="http://schemas.openxmlformats.org/presentationml/2006/main" showMasterSp="1" showMasterPhAnim="1">
+<p:sld xmlns:a="http://schemas.openxmlformats.org/drawingml/2006/main" xmlns:r="http://schemas.openxmlformats.org/officeDocument/2006/relationships" xmlns:p="http://schemas.openxmlformats.org/presentationml/2006/main">
   <p:cSld>
     <p:spTree>
       <p:nvGrpSpPr>
@@ -6229,7 +5962,7 @@
           </a:ln>
           <a:extLst>
             <a:ext uri="{C572A759-6A51-4108-AA02-DFA0A04FC94B}">
-              <ma14:wrappingTextBoxFlag xmlns:ma14="http://schemas.microsoft.com/office/mac/drawingml/2011/main" val="1"/>
+              <ma14:wrappingTextBoxFlag xmlns:ma14="http://schemas.microsoft.com/office/mac/drawingml/2011/main" xmlns="" val="1"/>
             </a:ext>
           </a:extLst>
         </p:spPr>
@@ -6252,15 +5985,6 @@
               </a:rPr>
               <a:t>如果我在战斗中死去 这就是我的告别</a:t>
             </a:r>
-            <a:endParaRPr sz="3200">
-              <a:solidFill>
-                <a:srgbClr val="FFFFFF"/>
-              </a:solidFill>
-              <a:latin typeface="IM FELL DW Pica"/>
-              <a:ea typeface="IM FELL DW Pica"/>
-              <a:cs typeface="IM FELL DW Pica"/>
-              <a:sym typeface="IM FELL DW Pica"/>
-            </a:endParaRPr>
           </a:p>
           <a:p>
             <a:pPr lvl="0" algn="ctr"/>
@@ -6284,12 +6008,12 @@
   <p:clrMapOvr>
     <a:masterClrMapping/>
   </p:clrMapOvr>
-  <p:transition spd="med" advClick="1"/>
+  <p:transition spd="med"/>
 </p:sld>
 </file>
 
 <file path=ppt/slides/slide35.xml><?xml version="1.0" encoding="utf-8"?>
-<p:sld xmlns:a="http://schemas.openxmlformats.org/drawingml/2006/main" xmlns:r="http://schemas.openxmlformats.org/officeDocument/2006/relationships" xmlns:p="http://schemas.openxmlformats.org/presentationml/2006/main" showMasterSp="1" showMasterPhAnim="1">
+<p:sld xmlns:a="http://schemas.openxmlformats.org/drawingml/2006/main" xmlns:r="http://schemas.openxmlformats.org/officeDocument/2006/relationships" xmlns:p="http://schemas.openxmlformats.org/presentationml/2006/main">
   <p:cSld>
     <p:spTree>
       <p:nvGrpSpPr>
@@ -6324,7 +6048,7 @@
           </a:ln>
           <a:extLst>
             <a:ext uri="{C572A759-6A51-4108-AA02-DFA0A04FC94B}">
-              <ma14:wrappingTextBoxFlag xmlns:ma14="http://schemas.microsoft.com/office/mac/drawingml/2011/main" val="1"/>
+              <ma14:wrappingTextBoxFlag xmlns:ma14="http://schemas.microsoft.com/office/mac/drawingml/2011/main" xmlns="" val="1"/>
             </a:ext>
           </a:extLst>
         </p:spPr>
@@ -6347,15 +6071,6 @@
               </a:rPr>
               <a:t>如今我知道了你...也爱着我 </a:t>
             </a:r>
-            <a:endParaRPr sz="3200">
-              <a:solidFill>
-                <a:srgbClr val="FFFFFF"/>
-              </a:solidFill>
-              <a:latin typeface="IM FELL DW Pica"/>
-              <a:ea typeface="IM FELL DW Pica"/>
-              <a:cs typeface="IM FELL DW Pica"/>
-              <a:sym typeface="IM FELL DW Pica"/>
-            </a:endParaRPr>
           </a:p>
           <a:p>
             <a:pPr lvl="0" algn="ctr"/>
@@ -6379,12 +6094,12 @@
   <p:clrMapOvr>
     <a:masterClrMapping/>
   </p:clrMapOvr>
-  <p:transition spd="med" advClick="1"/>
+  <p:transition spd="med"/>
 </p:sld>
 </file>
 
 <file path=ppt/slides/slide36.xml><?xml version="1.0" encoding="utf-8"?>
-<p:sld xmlns:a="http://schemas.openxmlformats.org/drawingml/2006/main" xmlns:r="http://schemas.openxmlformats.org/officeDocument/2006/relationships" xmlns:p="http://schemas.openxmlformats.org/presentationml/2006/main" showMasterSp="1" showMasterPhAnim="1">
+<p:sld xmlns:a="http://schemas.openxmlformats.org/drawingml/2006/main" xmlns:r="http://schemas.openxmlformats.org/officeDocument/2006/relationships" xmlns:p="http://schemas.openxmlformats.org/presentationml/2006/main">
   <p:cSld>
     <p:spTree>
       <p:nvGrpSpPr>
@@ -6419,7 +6134,7 @@
           </a:ln>
           <a:extLst>
             <a:ext uri="{C572A759-6A51-4108-AA02-DFA0A04FC94B}">
-              <ma14:wrappingTextBoxFlag xmlns:ma14="http://schemas.microsoft.com/office/mac/drawingml/2011/main" val="1"/>
+              <ma14:wrappingTextBoxFlag xmlns:ma14="http://schemas.microsoft.com/office/mac/drawingml/2011/main" xmlns="" val="1"/>
             </a:ext>
           </a:extLst>
         </p:spPr>
@@ -6442,15 +6157,6 @@
               </a:rPr>
               <a:t>生命更难以捐弃 </a:t>
             </a:r>
-            <a:endParaRPr sz="3200">
-              <a:solidFill>
-                <a:srgbClr val="FFFFFF"/>
-              </a:solidFill>
-              <a:latin typeface="IM FELL DW Pica"/>
-              <a:ea typeface="IM FELL DW Pica"/>
-              <a:cs typeface="IM FELL DW Pica"/>
-              <a:sym typeface="IM FELL DW Pica"/>
-            </a:endParaRPr>
           </a:p>
           <a:p>
             <a:pPr lvl="0" algn="ctr"/>
@@ -6474,12 +6180,12 @@
   <p:clrMapOvr>
     <a:masterClrMapping/>
   </p:clrMapOvr>
-  <p:transition spd="med" advClick="1"/>
+  <p:transition spd="med"/>
 </p:sld>
 </file>
 
 <file path=ppt/slides/slide37.xml><?xml version="1.0" encoding="utf-8"?>
-<p:sld xmlns:a="http://schemas.openxmlformats.org/drawingml/2006/main" xmlns:r="http://schemas.openxmlformats.org/officeDocument/2006/relationships" xmlns:p="http://schemas.openxmlformats.org/presentationml/2006/main" showMasterSp="1" showMasterPhAnim="1">
+<p:sld xmlns:a="http://schemas.openxmlformats.org/drawingml/2006/main" xmlns:r="http://schemas.openxmlformats.org/officeDocument/2006/relationships" xmlns:p="http://schemas.openxmlformats.org/presentationml/2006/main">
   <p:cSld>
     <p:spTree>
       <p:nvGrpSpPr>
@@ -6514,7 +6220,7 @@
           </a:ln>
           <a:extLst>
             <a:ext uri="{C572A759-6A51-4108-AA02-DFA0A04FC94B}">
-              <ma14:wrappingTextBoxFlag xmlns:ma14="http://schemas.microsoft.com/office/mac/drawingml/2011/main" val="1"/>
+              <ma14:wrappingTextBoxFlag xmlns:ma14="http://schemas.microsoft.com/office/mac/drawingml/2011/main" xmlns="" val="1"/>
             </a:ext>
           </a:extLst>
         </p:spPr>
@@ -6537,15 +6243,6 @@
               </a:rPr>
               <a:t>我祈求天主让我回家 回到你身边</a:t>
             </a:r>
-            <a:endParaRPr sz="3200">
-              <a:solidFill>
-                <a:srgbClr val="FFFFFF"/>
-              </a:solidFill>
-              <a:latin typeface="IM FELL DW Pica"/>
-              <a:ea typeface="IM FELL DW Pica"/>
-              <a:cs typeface="IM FELL DW Pica"/>
-              <a:sym typeface="IM FELL DW Pica"/>
-            </a:endParaRPr>
           </a:p>
           <a:p>
             <a:pPr lvl="0" algn="ctr"/>
@@ -6569,12 +6266,12 @@
   <p:clrMapOvr>
     <a:masterClrMapping/>
   </p:clrMapOvr>
-  <p:transition spd="med" advClick="1"/>
+  <p:transition spd="med"/>
 </p:sld>
 </file>
 
 <file path=ppt/slides/slide38.xml><?xml version="1.0" encoding="utf-8"?>
-<p:sld xmlns:a="http://schemas.openxmlformats.org/drawingml/2006/main" xmlns:r="http://schemas.openxmlformats.org/officeDocument/2006/relationships" xmlns:p="http://schemas.openxmlformats.org/presentationml/2006/main" showMasterSp="1" showMasterPhAnim="1">
+<p:sld xmlns:a="http://schemas.openxmlformats.org/drawingml/2006/main" xmlns:r="http://schemas.openxmlformats.org/officeDocument/2006/relationships" xmlns:p="http://schemas.openxmlformats.org/presentationml/2006/main">
   <p:cSld>
     <p:spTree>
       <p:nvGrpSpPr>
@@ -6609,7 +6306,7 @@
           </a:ln>
           <a:extLst>
             <a:ext uri="{C572A759-6A51-4108-AA02-DFA0A04FC94B}">
-              <ma14:wrappingTextBoxFlag xmlns:ma14="http://schemas.microsoft.com/office/mac/drawingml/2011/main" val="1"/>
+              <ma14:wrappingTextBoxFlag xmlns:ma14="http://schemas.microsoft.com/office/mac/drawingml/2011/main" xmlns="" val="1"/>
             </a:ext>
           </a:extLst>
         </p:spPr>
@@ -6632,15 +6329,6 @@
               </a:rPr>
               <a:t>为你的马吕斯祷告吧 </a:t>
             </a:r>
-            <a:endParaRPr sz="3200">
-              <a:solidFill>
-                <a:srgbClr val="FFFFFF"/>
-              </a:solidFill>
-              <a:latin typeface="IM FELL DW Pica"/>
-              <a:ea typeface="IM FELL DW Pica"/>
-              <a:cs typeface="IM FELL DW Pica"/>
-              <a:sym typeface="IM FELL DW Pica"/>
-            </a:endParaRPr>
           </a:p>
           <a:p>
             <a:pPr lvl="0" algn="ctr"/>
@@ -6664,12 +6352,12 @@
   <p:clrMapOvr>
     <a:masterClrMapping/>
   </p:clrMapOvr>
-  <p:transition spd="med" advClick="1"/>
+  <p:transition spd="med"/>
 </p:sld>
 </file>
 
 <file path=ppt/slides/slide39.xml><?xml version="1.0" encoding="utf-8"?>
-<p:sld xmlns:a="http://schemas.openxmlformats.org/drawingml/2006/main" xmlns:r="http://schemas.openxmlformats.org/officeDocument/2006/relationships" xmlns:p="http://schemas.openxmlformats.org/presentationml/2006/main" showMasterSp="1" showMasterPhAnim="1">
+<p:sld xmlns:a="http://schemas.openxmlformats.org/drawingml/2006/main" xmlns:r="http://schemas.openxmlformats.org/officeDocument/2006/relationships" xmlns:p="http://schemas.openxmlformats.org/presentationml/2006/main">
   <p:cSld>
     <p:spTree>
       <p:nvGrpSpPr>
@@ -6704,7 +6392,7 @@
           </a:ln>
           <a:extLst>
             <a:ext uri="{C572A759-6A51-4108-AA02-DFA0A04FC94B}">
-              <ma14:wrappingTextBoxFlag xmlns:ma14="http://schemas.microsoft.com/office/mac/drawingml/2011/main" val="1"/>
+              <ma14:wrappingTextBoxFlag xmlns:ma14="http://schemas.microsoft.com/office/mac/drawingml/2011/main" xmlns="" val="1"/>
             </a:ext>
           </a:extLst>
         </p:spPr>
@@ -6727,15 +6415,6 @@
               </a:rPr>
               <a:t>他也为你祷告 </a:t>
             </a:r>
-            <a:endParaRPr sz="3200">
-              <a:solidFill>
-                <a:srgbClr val="FFFFFF"/>
-              </a:solidFill>
-              <a:latin typeface="IM FELL DW Pica"/>
-              <a:ea typeface="IM FELL DW Pica"/>
-              <a:cs typeface="IM FELL DW Pica"/>
-              <a:sym typeface="IM FELL DW Pica"/>
-            </a:endParaRPr>
           </a:p>
           <a:p>
             <a:pPr lvl="0" algn="ctr"/>
@@ -6759,12 +6438,12 @@
   <p:clrMapOvr>
     <a:masterClrMapping/>
   </p:clrMapOvr>
-  <p:transition spd="med" advClick="1"/>
+  <p:transition spd="med"/>
 </p:sld>
 </file>
 
 <file path=ppt/slides/slide4.xml><?xml version="1.0" encoding="utf-8"?>
-<p:sld xmlns:a="http://schemas.openxmlformats.org/drawingml/2006/main" xmlns:r="http://schemas.openxmlformats.org/officeDocument/2006/relationships" xmlns:p="http://schemas.openxmlformats.org/presentationml/2006/main" showMasterSp="1" showMasterPhAnim="1">
+<p:sld xmlns:a="http://schemas.openxmlformats.org/drawingml/2006/main" xmlns:r="http://schemas.openxmlformats.org/officeDocument/2006/relationships" xmlns:p="http://schemas.openxmlformats.org/presentationml/2006/main">
   <p:cSld>
     <p:spTree>
       <p:nvGrpSpPr>
@@ -6799,7 +6478,7 @@
           </a:ln>
           <a:extLst>
             <a:ext uri="{C572A759-6A51-4108-AA02-DFA0A04FC94B}">
-              <ma14:wrappingTextBoxFlag xmlns:ma14="http://schemas.microsoft.com/office/mac/drawingml/2011/main" val="1"/>
+              <ma14:wrappingTextBoxFlag xmlns:ma14="http://schemas.microsoft.com/office/mac/drawingml/2011/main" xmlns="" val="1"/>
             </a:ext>
           </a:extLst>
         </p:spPr>
@@ -6822,15 +6501,6 @@
               </a:rPr>
               <a:t>等等 我需要关于敌方兵力的探报</a:t>
             </a:r>
-            <a:endParaRPr sz="3200">
-              <a:solidFill>
-                <a:srgbClr val="FFFFFF"/>
-              </a:solidFill>
-              <a:latin typeface="IM FELL DW Pica"/>
-              <a:ea typeface="IM FELL DW Pica"/>
-              <a:cs typeface="IM FELL DW Pica"/>
-              <a:sym typeface="IM FELL DW Pica"/>
-            </a:endParaRPr>
           </a:p>
           <a:p>
             <a:pPr lvl="0" algn="ctr"/>
@@ -6854,12 +6524,12 @@
   <p:clrMapOvr>
     <a:masterClrMapping/>
   </p:clrMapOvr>
-  <p:transition spd="med" advClick="1"/>
+  <p:transition spd="med"/>
 </p:sld>
 </file>
 
 <file path=ppt/slides/slide40.xml><?xml version="1.0" encoding="utf-8"?>
-<p:sld xmlns:a="http://schemas.openxmlformats.org/drawingml/2006/main" xmlns:r="http://schemas.openxmlformats.org/officeDocument/2006/relationships" xmlns:p="http://schemas.openxmlformats.org/presentationml/2006/main" showMasterSp="1" showMasterPhAnim="1">
+<p:sld xmlns:a="http://schemas.openxmlformats.org/drawingml/2006/main" xmlns:r="http://schemas.openxmlformats.org/officeDocument/2006/relationships" xmlns:p="http://schemas.openxmlformats.org/presentationml/2006/main">
   <p:cSld>
     <p:spTree>
       <p:nvGrpSpPr>
@@ -6894,7 +6564,7 @@
           </a:ln>
           <a:extLst>
             <a:ext uri="{C572A759-6A51-4108-AA02-DFA0A04FC94B}">
-              <ma14:wrappingTextBoxFlag xmlns:ma14="http://schemas.microsoft.com/office/mac/drawingml/2011/main" val="1"/>
+              <ma14:wrappingTextBoxFlag xmlns:ma14="http://schemas.microsoft.com/office/mac/drawingml/2011/main" xmlns="" val="1"/>
             </a:ext>
           </a:extLst>
         </p:spPr>
@@ -6917,15 +6587,6 @@
               </a:rPr>
               <a:t>我又是孑然一身了 无依无靠 无处倾诉</a:t>
             </a:r>
-            <a:endParaRPr sz="3200">
-              <a:solidFill>
-                <a:srgbClr val="FFFFFF"/>
-              </a:solidFill>
-              <a:latin typeface="IM FELL DW Pica"/>
-              <a:ea typeface="IM FELL DW Pica"/>
-              <a:cs typeface="IM FELL DW Pica"/>
-              <a:sym typeface="IM FELL DW Pica"/>
-            </a:endParaRPr>
           </a:p>
           <a:p>
             <a:pPr lvl="0" algn="ctr"/>
@@ -6949,12 +6610,12 @@
   <p:clrMapOvr>
     <a:masterClrMapping/>
   </p:clrMapOvr>
-  <p:transition spd="med" advClick="1"/>
+  <p:transition spd="med"/>
 </p:sld>
 </file>
 
 <file path=ppt/slides/slide41.xml><?xml version="1.0" encoding="utf-8"?>
-<p:sld xmlns:a="http://schemas.openxmlformats.org/drawingml/2006/main" xmlns:r="http://schemas.openxmlformats.org/officeDocument/2006/relationships" xmlns:p="http://schemas.openxmlformats.org/presentationml/2006/main" showMasterSp="1" showMasterPhAnim="1">
+<p:sld xmlns:a="http://schemas.openxmlformats.org/drawingml/2006/main" xmlns:r="http://schemas.openxmlformats.org/officeDocument/2006/relationships" xmlns:p="http://schemas.openxmlformats.org/presentationml/2006/main">
   <p:cSld>
     <p:spTree>
       <p:nvGrpSpPr>
@@ -6989,7 +6650,7 @@
           </a:ln>
           <a:extLst>
             <a:ext uri="{C572A759-6A51-4108-AA02-DFA0A04FC94B}">
-              <ma14:wrappingTextBoxFlag xmlns:ma14="http://schemas.microsoft.com/office/mac/drawingml/2011/main" val="1"/>
+              <ma14:wrappingTextBoxFlag xmlns:ma14="http://schemas.microsoft.com/office/mac/drawingml/2011/main" xmlns="" val="1"/>
             </a:ext>
           </a:extLst>
         </p:spPr>
@@ -7012,15 +6673,6 @@
               </a:rPr>
               <a:t>没有家也没有朋友 没有一个人能打招呼</a:t>
             </a:r>
-            <a:endParaRPr sz="3200">
-              <a:solidFill>
-                <a:srgbClr val="FFFFFF"/>
-              </a:solidFill>
-              <a:latin typeface="IM FELL DW Pica"/>
-              <a:ea typeface="IM FELL DW Pica"/>
-              <a:cs typeface="IM FELL DW Pica"/>
-              <a:sym typeface="IM FELL DW Pica"/>
-            </a:endParaRPr>
           </a:p>
           <a:p>
             <a:pPr lvl="0" algn="ctr"/>
@@ -7044,12 +6696,12 @@
   <p:clrMapOvr>
     <a:masterClrMapping/>
   </p:clrMapOvr>
-  <p:transition spd="med" advClick="1"/>
+  <p:transition spd="med"/>
 </p:sld>
 </file>
 
 <file path=ppt/slides/slide42.xml><?xml version="1.0" encoding="utf-8"?>
-<p:sld xmlns:a="http://schemas.openxmlformats.org/drawingml/2006/main" xmlns:r="http://schemas.openxmlformats.org/officeDocument/2006/relationships" xmlns:p="http://schemas.openxmlformats.org/presentationml/2006/main" showMasterSp="1" showMasterPhAnim="1">
+<p:sld xmlns:a="http://schemas.openxmlformats.org/drawingml/2006/main" xmlns:r="http://schemas.openxmlformats.org/officeDocument/2006/relationships" xmlns:p="http://schemas.openxmlformats.org/presentationml/2006/main">
   <p:cSld>
     <p:spTree>
       <p:nvGrpSpPr>
@@ -7084,7 +6736,7 @@
           </a:ln>
           <a:extLst>
             <a:ext uri="{C572A759-6A51-4108-AA02-DFA0A04FC94B}">
-              <ma14:wrappingTextBoxFlag xmlns:ma14="http://schemas.microsoft.com/office/mac/drawingml/2011/main" val="1"/>
+              <ma14:wrappingTextBoxFlag xmlns:ma14="http://schemas.microsoft.com/office/mac/drawingml/2011/main" xmlns="" val="1"/>
             </a:ext>
           </a:extLst>
         </p:spPr>
@@ -7107,15 +6759,6 @@
               </a:rPr>
               <a:t>夜幕降临 </a:t>
             </a:r>
-            <a:endParaRPr sz="3200">
-              <a:solidFill>
-                <a:srgbClr val="FFFFFF"/>
-              </a:solidFill>
-              <a:latin typeface="IM FELL DW Pica"/>
-              <a:ea typeface="IM FELL DW Pica"/>
-              <a:cs typeface="IM FELL DW Pica"/>
-              <a:sym typeface="IM FELL DW Pica"/>
-            </a:endParaRPr>
           </a:p>
           <a:p>
             <a:pPr lvl="0" algn="ctr"/>
@@ -7139,12 +6782,12 @@
   <p:clrMapOvr>
     <a:masterClrMapping/>
   </p:clrMapOvr>
-  <p:transition spd="med" advClick="1"/>
+  <p:transition spd="med"/>
 </p:sld>
 </file>
 
 <file path=ppt/slides/slide43.xml><?xml version="1.0" encoding="utf-8"?>
-<p:sld xmlns:a="http://schemas.openxmlformats.org/drawingml/2006/main" xmlns:r="http://schemas.openxmlformats.org/officeDocument/2006/relationships" xmlns:p="http://schemas.openxmlformats.org/presentationml/2006/main" showMasterSp="1" showMasterPhAnim="1">
+<p:sld xmlns:a="http://schemas.openxmlformats.org/drawingml/2006/main" xmlns:r="http://schemas.openxmlformats.org/officeDocument/2006/relationships" xmlns:p="http://schemas.openxmlformats.org/presentationml/2006/main">
   <p:cSld>
     <p:spTree>
       <p:nvGrpSpPr>
@@ -7179,7 +6822,7 @@
           </a:ln>
           <a:extLst>
             <a:ext uri="{C572A759-6A51-4108-AA02-DFA0A04FC94B}">
-              <ma14:wrappingTextBoxFlag xmlns:ma14="http://schemas.microsoft.com/office/mac/drawingml/2011/main" val="1"/>
+              <ma14:wrappingTextBoxFlag xmlns:ma14="http://schemas.microsoft.com/office/mac/drawingml/2011/main" xmlns="" val="1"/>
             </a:ext>
           </a:extLst>
         </p:spPr>
@@ -7202,15 +6845,6 @@
               </a:rPr>
               <a:t>我才可以假装他就在身边 </a:t>
             </a:r>
-            <a:endParaRPr sz="3200">
-              <a:solidFill>
-                <a:srgbClr val="FFFFFF"/>
-              </a:solidFill>
-              <a:latin typeface="IM FELL DW Pica"/>
-              <a:ea typeface="IM FELL DW Pica"/>
-              <a:cs typeface="IM FELL DW Pica"/>
-              <a:sym typeface="IM FELL DW Pica"/>
-            </a:endParaRPr>
           </a:p>
           <a:p>
             <a:pPr lvl="0" algn="ctr"/>
@@ -7234,12 +6868,12 @@
   <p:clrMapOvr>
     <a:masterClrMapping/>
   </p:clrMapOvr>
-  <p:transition spd="med" advClick="1"/>
+  <p:transition spd="med"/>
 </p:sld>
 </file>
 
 <file path=ppt/slides/slide44.xml><?xml version="1.0" encoding="utf-8"?>
-<p:sld xmlns:a="http://schemas.openxmlformats.org/drawingml/2006/main" xmlns:r="http://schemas.openxmlformats.org/officeDocument/2006/relationships" xmlns:p="http://schemas.openxmlformats.org/presentationml/2006/main" showMasterSp="1" showMasterPhAnim="1">
+<p:sld xmlns:a="http://schemas.openxmlformats.org/drawingml/2006/main" xmlns:r="http://schemas.openxmlformats.org/officeDocument/2006/relationships" xmlns:p="http://schemas.openxmlformats.org/presentationml/2006/main">
   <p:cSld>
     <p:spTree>
       <p:nvGrpSpPr>
@@ -7274,7 +6908,7 @@
           </a:ln>
           <a:extLst>
             <a:ext uri="{C572A759-6A51-4108-AA02-DFA0A04FC94B}">
-              <ma14:wrappingTextBoxFlag xmlns:ma14="http://schemas.microsoft.com/office/mac/drawingml/2011/main" val="1"/>
+              <ma14:wrappingTextBoxFlag xmlns:ma14="http://schemas.microsoft.com/office/mac/drawingml/2011/main" xmlns="" val="1"/>
             </a:ext>
           </a:extLst>
         </p:spPr>
@@ -7297,15 +6931,6 @@
               </a:rPr>
               <a:t>有时当夜色笼罩 我独自走上街头</a:t>
             </a:r>
-            <a:endParaRPr sz="3200">
-              <a:solidFill>
-                <a:srgbClr val="FFFFFF"/>
-              </a:solidFill>
-              <a:latin typeface="IM FELL DW Pica"/>
-              <a:ea typeface="IM FELL DW Pica"/>
-              <a:cs typeface="IM FELL DW Pica"/>
-              <a:sym typeface="IM FELL DW Pica"/>
-            </a:endParaRPr>
           </a:p>
           <a:p>
             <a:pPr lvl="0" algn="ctr"/>
@@ -7329,12 +6954,12 @@
   <p:clrMapOvr>
     <a:masterClrMapping/>
   </p:clrMapOvr>
-  <p:transition spd="med" advClick="1"/>
+  <p:transition spd="med"/>
 </p:sld>
 </file>
 
 <file path=ppt/slides/slide45.xml><?xml version="1.0" encoding="utf-8"?>
-<p:sld xmlns:a="http://schemas.openxmlformats.org/drawingml/2006/main" xmlns:r="http://schemas.openxmlformats.org/officeDocument/2006/relationships" xmlns:p="http://schemas.openxmlformats.org/presentationml/2006/main" showMasterSp="1" showMasterPhAnim="1">
+<p:sld xmlns:a="http://schemas.openxmlformats.org/drawingml/2006/main" xmlns:r="http://schemas.openxmlformats.org/officeDocument/2006/relationships" xmlns:p="http://schemas.openxmlformats.org/presentationml/2006/main">
   <p:cSld>
     <p:spTree>
       <p:nvGrpSpPr>
@@ -7369,7 +6994,7 @@
           </a:ln>
           <a:extLst>
             <a:ext uri="{C572A759-6A51-4108-AA02-DFA0A04FC94B}">
-              <ma14:wrappingTextBoxFlag xmlns:ma14="http://schemas.microsoft.com/office/mac/drawingml/2011/main" val="1"/>
+              <ma14:wrappingTextBoxFlag xmlns:ma14="http://schemas.microsoft.com/office/mac/drawingml/2011/main" xmlns="" val="1"/>
             </a:ext>
           </a:extLst>
         </p:spPr>
@@ -7392,15 +7017,6 @@
               </a:rPr>
               <a:t>想着他就感到欢喜 此刻有他做我的伴侣</a:t>
             </a:r>
-            <a:endParaRPr sz="3200">
-              <a:solidFill>
-                <a:srgbClr val="FFFFFF"/>
-              </a:solidFill>
-              <a:latin typeface="IM FELL DW Pica"/>
-              <a:ea typeface="IM FELL DW Pica"/>
-              <a:cs typeface="IM FELL DW Pica"/>
-              <a:sym typeface="IM FELL DW Pica"/>
-            </a:endParaRPr>
           </a:p>
           <a:p>
             <a:pPr lvl="0" algn="ctr"/>
@@ -7424,12 +7040,12 @@
   <p:clrMapOvr>
     <a:masterClrMapping/>
   </p:clrMapOvr>
-  <p:transition spd="med" advClick="1"/>
+  <p:transition spd="med"/>
 </p:sld>
 </file>
 
 <file path=ppt/slides/slide46.xml><?xml version="1.0" encoding="utf-8"?>
-<p:sld xmlns:a="http://schemas.openxmlformats.org/drawingml/2006/main" xmlns:r="http://schemas.openxmlformats.org/officeDocument/2006/relationships" xmlns:p="http://schemas.openxmlformats.org/presentationml/2006/main" showMasterSp="1" showMasterPhAnim="1">
+<p:sld xmlns:a="http://schemas.openxmlformats.org/drawingml/2006/main" xmlns:r="http://schemas.openxmlformats.org/officeDocument/2006/relationships" xmlns:p="http://schemas.openxmlformats.org/presentationml/2006/main">
   <p:cSld>
     <p:spTree>
       <p:nvGrpSpPr>
@@ -7464,7 +7080,7 @@
           </a:ln>
           <a:extLst>
             <a:ext uri="{C572A759-6A51-4108-AA02-DFA0A04FC94B}">
-              <ma14:wrappingTextBoxFlag xmlns:ma14="http://schemas.microsoft.com/office/mac/drawingml/2011/main" val="1"/>
+              <ma14:wrappingTextBoxFlag xmlns:ma14="http://schemas.microsoft.com/office/mac/drawingml/2011/main" xmlns="" val="1"/>
             </a:ext>
           </a:extLst>
         </p:spPr>
@@ -7487,15 +7103,6 @@
               </a:rPr>
               <a:t>城市沉沉睡去 </a:t>
             </a:r>
-            <a:endParaRPr sz="3200">
-              <a:solidFill>
-                <a:srgbClr val="FFFFFF"/>
-              </a:solidFill>
-              <a:latin typeface="IM FELL DW Pica"/>
-              <a:ea typeface="IM FELL DW Pica"/>
-              <a:cs typeface="IM FELL DW Pica"/>
-              <a:sym typeface="IM FELL DW Pica"/>
-            </a:endParaRPr>
           </a:p>
           <a:p>
             <a:pPr lvl="0" algn="ctr"/>
@@ -7519,12 +7126,12 @@
   <p:clrMapOvr>
     <a:masterClrMapping/>
   </p:clrMapOvr>
-  <p:transition spd="med" advClick="1"/>
+  <p:transition spd="med"/>
 </p:sld>
 </file>
 
 <file path=ppt/slides/slide47.xml><?xml version="1.0" encoding="utf-8"?>
-<p:sld xmlns:a="http://schemas.openxmlformats.org/drawingml/2006/main" xmlns:r="http://schemas.openxmlformats.org/officeDocument/2006/relationships" xmlns:p="http://schemas.openxmlformats.org/presentationml/2006/main" showMasterSp="1" showMasterPhAnim="1">
+<p:sld xmlns:a="http://schemas.openxmlformats.org/drawingml/2006/main" xmlns:r="http://schemas.openxmlformats.org/officeDocument/2006/relationships" xmlns:p="http://schemas.openxmlformats.org/presentationml/2006/main">
   <p:cSld>
     <p:spTree>
       <p:nvGrpSpPr>
@@ -7559,7 +7166,7 @@
           </a:ln>
           <a:extLst>
             <a:ext uri="{C572A759-6A51-4108-AA02-DFA0A04FC94B}">
-              <ma14:wrappingTextBoxFlag xmlns:ma14="http://schemas.microsoft.com/office/mac/drawingml/2011/main" val="1"/>
+              <ma14:wrappingTextBoxFlag xmlns:ma14="http://schemas.microsoft.com/office/mac/drawingml/2011/main" xmlns="" val="1"/>
             </a:ext>
           </a:extLst>
         </p:spPr>
@@ -7582,15 +7189,6 @@
               </a:rPr>
               <a:t>我才能躲进自己 </a:t>
             </a:r>
-            <a:endParaRPr sz="3200">
-              <a:solidFill>
-                <a:srgbClr val="FFFFFF"/>
-              </a:solidFill>
-              <a:latin typeface="IM FELL DW Pica"/>
-              <a:ea typeface="IM FELL DW Pica"/>
-              <a:cs typeface="IM FELL DW Pica"/>
-              <a:sym typeface="IM FELL DW Pica"/>
-            </a:endParaRPr>
           </a:p>
           <a:p>
             <a:pPr lvl="0" algn="ctr"/>
@@ -7614,12 +7212,12 @@
   <p:clrMapOvr>
     <a:masterClrMapping/>
   </p:clrMapOvr>
-  <p:transition spd="med" advClick="1"/>
+  <p:transition spd="med"/>
 </p:sld>
 </file>
 
 <file path=ppt/slides/slide48.xml><?xml version="1.0" encoding="utf-8"?>
-<p:sld xmlns:a="http://schemas.openxmlformats.org/drawingml/2006/main" xmlns:r="http://schemas.openxmlformats.org/officeDocument/2006/relationships" xmlns:p="http://schemas.openxmlformats.org/presentationml/2006/main" showMasterSp="1" showMasterPhAnim="1">
+<p:sld xmlns:a="http://schemas.openxmlformats.org/drawingml/2006/main" xmlns:r="http://schemas.openxmlformats.org/officeDocument/2006/relationships" xmlns:p="http://schemas.openxmlformats.org/presentationml/2006/main">
   <p:cSld>
     <p:spTree>
       <p:nvGrpSpPr>
@@ -7654,7 +7252,7 @@
           </a:ln>
           <a:extLst>
             <a:ext uri="{C572A759-6A51-4108-AA02-DFA0A04FC94B}">
-              <ma14:wrappingTextBoxFlag xmlns:ma14="http://schemas.microsoft.com/office/mac/drawingml/2011/main" val="1"/>
+              <ma14:wrappingTextBoxFlag xmlns:ma14="http://schemas.microsoft.com/office/mac/drawingml/2011/main" xmlns="" val="1"/>
             </a:ext>
           </a:extLst>
         </p:spPr>
@@ -7677,15 +7275,6 @@
               </a:rPr>
               <a:t>幻想的天地 </a:t>
             </a:r>
-            <a:endParaRPr sz="3200">
-              <a:solidFill>
-                <a:srgbClr val="FFFFFF"/>
-              </a:solidFill>
-              <a:latin typeface="IM FELL DW Pica"/>
-              <a:ea typeface="IM FELL DW Pica"/>
-              <a:cs typeface="IM FELL DW Pica"/>
-              <a:sym typeface="IM FELL DW Pica"/>
-            </a:endParaRPr>
           </a:p>
           <a:p>
             <a:pPr lvl="0" algn="ctr"/>
@@ -7709,12 +7298,12 @@
   <p:clrMapOvr>
     <a:masterClrMapping/>
   </p:clrMapOvr>
-  <p:transition spd="med" advClick="1"/>
+  <p:transition spd="med"/>
 </p:sld>
 </file>
 
 <file path=ppt/slides/slide49.xml><?xml version="1.0" encoding="utf-8"?>
-<p:sld xmlns:a="http://schemas.openxmlformats.org/drawingml/2006/main" xmlns:r="http://schemas.openxmlformats.org/officeDocument/2006/relationships" xmlns:p="http://schemas.openxmlformats.org/presentationml/2006/main" showMasterSp="1" showMasterPhAnim="1">
+<p:sld xmlns:a="http://schemas.openxmlformats.org/drawingml/2006/main" xmlns:r="http://schemas.openxmlformats.org/officeDocument/2006/relationships" xmlns:p="http://schemas.openxmlformats.org/presentationml/2006/main">
   <p:cSld>
     <p:spTree>
       <p:nvGrpSpPr>
@@ -7749,7 +7338,7 @@
           </a:ln>
           <a:extLst>
             <a:ext uri="{C572A759-6A51-4108-AA02-DFA0A04FC94B}">
-              <ma14:wrappingTextBoxFlag xmlns:ma14="http://schemas.microsoft.com/office/mac/drawingml/2011/main" val="1"/>
+              <ma14:wrappingTextBoxFlag xmlns:ma14="http://schemas.microsoft.com/office/mac/drawingml/2011/main" xmlns="" val="1"/>
             </a:ext>
           </a:extLst>
         </p:spPr>
@@ -7772,15 +7361,6 @@
               </a:rPr>
               <a:t>一个人 </a:t>
             </a:r>
-            <a:endParaRPr sz="3200">
-              <a:solidFill>
-                <a:srgbClr val="FFFFFF"/>
-              </a:solidFill>
-              <a:latin typeface="IM FELL DW Pica"/>
-              <a:ea typeface="IM FELL DW Pica"/>
-              <a:cs typeface="IM FELL DW Pica"/>
-              <a:sym typeface="IM FELL DW Pica"/>
-            </a:endParaRPr>
           </a:p>
           <a:p>
             <a:pPr lvl="0" algn="ctr"/>
@@ -7804,12 +7384,12 @@
   <p:clrMapOvr>
     <a:masterClrMapping/>
   </p:clrMapOvr>
-  <p:transition spd="med" advClick="1"/>
+  <p:transition spd="med"/>
 </p:sld>
 </file>
 
 <file path=ppt/slides/slide5.xml><?xml version="1.0" encoding="utf-8"?>
-<p:sld xmlns:a="http://schemas.openxmlformats.org/drawingml/2006/main" xmlns:r="http://schemas.openxmlformats.org/officeDocument/2006/relationships" xmlns:p="http://schemas.openxmlformats.org/presentationml/2006/main" showMasterSp="1" showMasterPhAnim="1">
+<p:sld xmlns:a="http://schemas.openxmlformats.org/drawingml/2006/main" xmlns:r="http://schemas.openxmlformats.org/officeDocument/2006/relationships" xmlns:p="http://schemas.openxmlformats.org/presentationml/2006/main">
   <p:cSld>
     <p:spTree>
       <p:nvGrpSpPr>
@@ -7844,7 +7424,7 @@
           </a:ln>
           <a:extLst>
             <a:ext uri="{C572A759-6A51-4108-AA02-DFA0A04FC94B}">
-              <ma14:wrappingTextBoxFlag xmlns:ma14="http://schemas.microsoft.com/office/mac/drawingml/2011/main" val="1"/>
+              <ma14:wrappingTextBoxFlag xmlns:ma14="http://schemas.microsoft.com/office/mac/drawingml/2011/main" xmlns="" val="1"/>
             </a:ext>
           </a:extLst>
         </p:spPr>
@@ -7867,15 +7447,6 @@
               </a:rPr>
               <a:t>我能查到 我对他们了如指掌</a:t>
             </a:r>
-            <a:endParaRPr sz="3200">
-              <a:solidFill>
-                <a:srgbClr val="FFFFFF"/>
-              </a:solidFill>
-              <a:latin typeface="IM FELL DW Pica"/>
-              <a:ea typeface="IM FELL DW Pica"/>
-              <a:cs typeface="IM FELL DW Pica"/>
-              <a:sym typeface="IM FELL DW Pica"/>
-            </a:endParaRPr>
           </a:p>
           <a:p>
             <a:pPr lvl="0" algn="ctr"/>
@@ -7899,12 +7470,12 @@
   <p:clrMapOvr>
     <a:masterClrMapping/>
   </p:clrMapOvr>
-  <p:transition spd="med" advClick="1"/>
+  <p:transition spd="med"/>
 </p:sld>
 </file>
 
 <file path=ppt/slides/slide50.xml><?xml version="1.0" encoding="utf-8"?>
-<p:sld xmlns:a="http://schemas.openxmlformats.org/drawingml/2006/main" xmlns:r="http://schemas.openxmlformats.org/officeDocument/2006/relationships" xmlns:p="http://schemas.openxmlformats.org/presentationml/2006/main" showMasterSp="1" showMasterPhAnim="1">
+<p:sld xmlns:a="http://schemas.openxmlformats.org/drawingml/2006/main" xmlns:r="http://schemas.openxmlformats.org/officeDocument/2006/relationships" xmlns:p="http://schemas.openxmlformats.org/presentationml/2006/main">
   <p:cSld>
     <p:spTree>
       <p:nvGrpSpPr>
@@ -7939,7 +7510,7 @@
           </a:ln>
           <a:extLst>
             <a:ext uri="{C572A759-6A51-4108-AA02-DFA0A04FC94B}">
-              <ma14:wrappingTextBoxFlag xmlns:ma14="http://schemas.microsoft.com/office/mac/drawingml/2011/main" val="1"/>
+              <ma14:wrappingTextBoxFlag xmlns:ma14="http://schemas.microsoft.com/office/mac/drawingml/2011/main" xmlns="" val="1"/>
             </a:ext>
           </a:extLst>
         </p:spPr>
@@ -7962,15 +7533,6 @@
               </a:rPr>
               <a:t>假装他在我身旁 </a:t>
             </a:r>
-            <a:endParaRPr sz="3200">
-              <a:solidFill>
-                <a:srgbClr val="FFFFFF"/>
-              </a:solidFill>
-              <a:latin typeface="IM FELL DW Pica"/>
-              <a:ea typeface="IM FELL DW Pica"/>
-              <a:cs typeface="IM FELL DW Pica"/>
-              <a:sym typeface="IM FELL DW Pica"/>
-            </a:endParaRPr>
           </a:p>
           <a:p>
             <a:pPr lvl="0" algn="ctr"/>
@@ -7994,12 +7556,12 @@
   <p:clrMapOvr>
     <a:masterClrMapping/>
   </p:clrMapOvr>
-  <p:transition spd="med" advClick="1"/>
+  <p:transition spd="med"/>
 </p:sld>
 </file>
 
 <file path=ppt/slides/slide51.xml><?xml version="1.0" encoding="utf-8"?>
-<p:sld xmlns:a="http://schemas.openxmlformats.org/drawingml/2006/main" xmlns:r="http://schemas.openxmlformats.org/officeDocument/2006/relationships" xmlns:p="http://schemas.openxmlformats.org/presentationml/2006/main" showMasterSp="1" showMasterPhAnim="1">
+<p:sld xmlns:a="http://schemas.openxmlformats.org/drawingml/2006/main" xmlns:r="http://schemas.openxmlformats.org/officeDocument/2006/relationships" xmlns:p="http://schemas.openxmlformats.org/presentationml/2006/main">
   <p:cSld>
     <p:spTree>
       <p:nvGrpSpPr>
@@ -8034,7 +7596,7 @@
           </a:ln>
           <a:extLst>
             <a:ext uri="{C572A759-6A51-4108-AA02-DFA0A04FC94B}">
-              <ma14:wrappingTextBoxFlag xmlns:ma14="http://schemas.microsoft.com/office/mac/drawingml/2011/main" val="1"/>
+              <ma14:wrappingTextBoxFlag xmlns:ma14="http://schemas.microsoft.com/office/mac/drawingml/2011/main" xmlns="" val="1"/>
             </a:ext>
           </a:extLst>
         </p:spPr>
@@ -8057,15 +7619,6 @@
               </a:rPr>
               <a:t>孤单单 他陪我走到天亮</a:t>
             </a:r>
-            <a:endParaRPr sz="3200">
-              <a:solidFill>
-                <a:srgbClr val="FFFFFF"/>
-              </a:solidFill>
-              <a:latin typeface="IM FELL DW Pica"/>
-              <a:ea typeface="IM FELL DW Pica"/>
-              <a:cs typeface="IM FELL DW Pica"/>
-              <a:sym typeface="IM FELL DW Pica"/>
-            </a:endParaRPr>
           </a:p>
           <a:p>
             <a:pPr lvl="0" algn="ctr"/>
@@ -8089,12 +7642,12 @@
   <p:clrMapOvr>
     <a:masterClrMapping/>
   </p:clrMapOvr>
-  <p:transition spd="med" advClick="1"/>
+  <p:transition spd="med"/>
 </p:sld>
 </file>
 
 <file path=ppt/slides/slide52.xml><?xml version="1.0" encoding="utf-8"?>
-<p:sld xmlns:a="http://schemas.openxmlformats.org/drawingml/2006/main" xmlns:r="http://schemas.openxmlformats.org/officeDocument/2006/relationships" xmlns:p="http://schemas.openxmlformats.org/presentationml/2006/main" showMasterSp="1" showMasterPhAnim="1">
+<p:sld xmlns:a="http://schemas.openxmlformats.org/drawingml/2006/main" xmlns:r="http://schemas.openxmlformats.org/officeDocument/2006/relationships" xmlns:p="http://schemas.openxmlformats.org/presentationml/2006/main">
   <p:cSld>
     <p:spTree>
       <p:nvGrpSpPr>
@@ -8129,7 +7682,7 @@
           </a:ln>
           <a:extLst>
             <a:ext uri="{C572A759-6A51-4108-AA02-DFA0A04FC94B}">
-              <ma14:wrappingTextBoxFlag xmlns:ma14="http://schemas.microsoft.com/office/mac/drawingml/2011/main" val="1"/>
+              <ma14:wrappingTextBoxFlag xmlns:ma14="http://schemas.microsoft.com/office/mac/drawingml/2011/main" xmlns="" val="1"/>
             </a:ext>
           </a:extLst>
         </p:spPr>
@@ -8152,15 +7705,6 @@
               </a:rPr>
               <a:t>他不在 我却能感到他的拥抱</a:t>
             </a:r>
-            <a:endParaRPr sz="3200">
-              <a:solidFill>
-                <a:srgbClr val="FFFFFF"/>
-              </a:solidFill>
-              <a:latin typeface="IM FELL DW Pica"/>
-              <a:ea typeface="IM FELL DW Pica"/>
-              <a:cs typeface="IM FELL DW Pica"/>
-              <a:sym typeface="IM FELL DW Pica"/>
-            </a:endParaRPr>
           </a:p>
           <a:p>
             <a:pPr lvl="0" algn="ctr"/>
@@ -8184,12 +7728,12 @@
   <p:clrMapOvr>
     <a:masterClrMapping/>
   </p:clrMapOvr>
-  <p:transition spd="med" advClick="1"/>
+  <p:transition spd="med"/>
 </p:sld>
 </file>
 
 <file path=ppt/slides/slide53.xml><?xml version="1.0" encoding="utf-8"?>
-<p:sld xmlns:a="http://schemas.openxmlformats.org/drawingml/2006/main" xmlns:r="http://schemas.openxmlformats.org/officeDocument/2006/relationships" xmlns:p="http://schemas.openxmlformats.org/presentationml/2006/main" showMasterSp="1" showMasterPhAnim="1">
+<p:sld xmlns:a="http://schemas.openxmlformats.org/drawingml/2006/main" xmlns:r="http://schemas.openxmlformats.org/officeDocument/2006/relationships" xmlns:p="http://schemas.openxmlformats.org/presentationml/2006/main">
   <p:cSld>
     <p:spTree>
       <p:nvGrpSpPr>
@@ -8224,7 +7768,7 @@
           </a:ln>
           <a:extLst>
             <a:ext uri="{C572A759-6A51-4108-AA02-DFA0A04FC94B}">
-              <ma14:wrappingTextBoxFlag xmlns:ma14="http://schemas.microsoft.com/office/mac/drawingml/2011/main" val="1"/>
+              <ma14:wrappingTextBoxFlag xmlns:ma14="http://schemas.microsoft.com/office/mac/drawingml/2011/main" xmlns="" val="1"/>
             </a:ext>
           </a:extLst>
         </p:spPr>
@@ -8247,15 +7791,6 @@
               </a:rPr>
               <a:t>迷路时只需闭上双眼 </a:t>
             </a:r>
-            <a:endParaRPr sz="3200">
-              <a:solidFill>
-                <a:srgbClr val="FFFFFF"/>
-              </a:solidFill>
-              <a:latin typeface="IM FELL DW Pica"/>
-              <a:ea typeface="IM FELL DW Pica"/>
-              <a:cs typeface="IM FELL DW Pica"/>
-              <a:sym typeface="IM FELL DW Pica"/>
-            </a:endParaRPr>
           </a:p>
           <a:p>
             <a:pPr lvl="0" algn="ctr"/>
@@ -8279,12 +7814,12 @@
   <p:clrMapOvr>
     <a:masterClrMapping/>
   </p:clrMapOvr>
-  <p:transition spd="med" advClick="1"/>
+  <p:transition spd="med"/>
 </p:sld>
 </file>
 
 <file path=ppt/slides/slide54.xml><?xml version="1.0" encoding="utf-8"?>
-<p:sld xmlns:a="http://schemas.openxmlformats.org/drawingml/2006/main" xmlns:r="http://schemas.openxmlformats.org/officeDocument/2006/relationships" xmlns:p="http://schemas.openxmlformats.org/presentationml/2006/main" showMasterSp="1" showMasterPhAnim="1">
+<p:sld xmlns:a="http://schemas.openxmlformats.org/drawingml/2006/main" xmlns:r="http://schemas.openxmlformats.org/officeDocument/2006/relationships" xmlns:p="http://schemas.openxmlformats.org/presentationml/2006/main">
   <p:cSld>
     <p:spTree>
       <p:nvGrpSpPr>
@@ -8319,7 +7854,7 @@
           </a:ln>
           <a:extLst>
             <a:ext uri="{C572A759-6A51-4108-AA02-DFA0A04FC94B}">
-              <ma14:wrappingTextBoxFlag xmlns:ma14="http://schemas.microsoft.com/office/mac/drawingml/2011/main" val="1"/>
+              <ma14:wrappingTextBoxFlag xmlns:ma14="http://schemas.microsoft.com/office/mac/drawingml/2011/main" xmlns="" val="1"/>
             </a:ext>
           </a:extLst>
         </p:spPr>
@@ -8342,15 +7877,6 @@
               </a:rPr>
               <a:t>他就会找到我 </a:t>
             </a:r>
-            <a:endParaRPr sz="3200">
-              <a:solidFill>
-                <a:srgbClr val="FFFFFF"/>
-              </a:solidFill>
-              <a:latin typeface="IM FELL DW Pica"/>
-              <a:ea typeface="IM FELL DW Pica"/>
-              <a:cs typeface="IM FELL DW Pica"/>
-              <a:sym typeface="IM FELL DW Pica"/>
-            </a:endParaRPr>
           </a:p>
           <a:p>
             <a:pPr lvl="0" algn="ctr"/>
@@ -8374,12 +7900,12 @@
   <p:clrMapOvr>
     <a:masterClrMapping/>
   </p:clrMapOvr>
-  <p:transition spd="med" advClick="1"/>
+  <p:transition spd="med"/>
 </p:sld>
 </file>
 
 <file path=ppt/slides/slide55.xml><?xml version="1.0" encoding="utf-8"?>
-<p:sld xmlns:a="http://schemas.openxmlformats.org/drawingml/2006/main" xmlns:r="http://schemas.openxmlformats.org/officeDocument/2006/relationships" xmlns:p="http://schemas.openxmlformats.org/presentationml/2006/main" showMasterSp="1" showMasterPhAnim="1">
+<p:sld xmlns:a="http://schemas.openxmlformats.org/drawingml/2006/main" xmlns:r="http://schemas.openxmlformats.org/officeDocument/2006/relationships" xmlns:p="http://schemas.openxmlformats.org/presentationml/2006/main">
   <p:cSld>
     <p:spTree>
       <p:nvGrpSpPr>
@@ -8414,7 +7940,7 @@
           </a:ln>
           <a:extLst>
             <a:ext uri="{C572A759-6A51-4108-AA02-DFA0A04FC94B}">
-              <ma14:wrappingTextBoxFlag xmlns:ma14="http://schemas.microsoft.com/office/mac/drawingml/2011/main" val="1"/>
+              <ma14:wrappingTextBoxFlag xmlns:ma14="http://schemas.microsoft.com/office/mac/drawingml/2011/main" xmlns="" val="1"/>
             </a:ext>
           </a:extLst>
         </p:spPr>
@@ -8437,15 +7963,6 @@
               </a:rPr>
               <a:t>雨朦胧 </a:t>
             </a:r>
-            <a:endParaRPr sz="3200">
-              <a:solidFill>
-                <a:srgbClr val="FFFFFF"/>
-              </a:solidFill>
-              <a:latin typeface="IM FELL DW Pica"/>
-              <a:ea typeface="IM FELL DW Pica"/>
-              <a:cs typeface="IM FELL DW Pica"/>
-              <a:sym typeface="IM FELL DW Pica"/>
-            </a:endParaRPr>
           </a:p>
           <a:p>
             <a:pPr lvl="0" algn="ctr"/>
@@ -8469,12 +7986,12 @@
   <p:clrMapOvr>
     <a:masterClrMapping/>
   </p:clrMapOvr>
-  <p:transition spd="med" advClick="1"/>
+  <p:transition spd="med"/>
 </p:sld>
 </file>
 
 <file path=ppt/slides/slide56.xml><?xml version="1.0" encoding="utf-8"?>
-<p:sld xmlns:a="http://schemas.openxmlformats.org/drawingml/2006/main" xmlns:r="http://schemas.openxmlformats.org/officeDocument/2006/relationships" xmlns:p="http://schemas.openxmlformats.org/presentationml/2006/main" showMasterSp="1" showMasterPhAnim="1">
+<p:sld xmlns:a="http://schemas.openxmlformats.org/drawingml/2006/main" xmlns:r="http://schemas.openxmlformats.org/officeDocument/2006/relationships" xmlns:p="http://schemas.openxmlformats.org/presentationml/2006/main">
   <p:cSld>
     <p:spTree>
       <p:nvGrpSpPr>
@@ -8509,7 +8026,7 @@
           </a:ln>
           <a:extLst>
             <a:ext uri="{C572A759-6A51-4108-AA02-DFA0A04FC94B}">
-              <ma14:wrappingTextBoxFlag xmlns:ma14="http://schemas.microsoft.com/office/mac/drawingml/2011/main" val="1"/>
+              <ma14:wrappingTextBoxFlag xmlns:ma14="http://schemas.microsoft.com/office/mac/drawingml/2011/main" xmlns="" val="1"/>
             </a:ext>
           </a:extLst>
         </p:spPr>
@@ -8532,15 +8049,6 @@
               </a:rPr>
               <a:t>地面银光闪烁 </a:t>
             </a:r>
-            <a:endParaRPr sz="3200">
-              <a:solidFill>
-                <a:srgbClr val="FFFFFF"/>
-              </a:solidFill>
-              <a:latin typeface="IM FELL DW Pica"/>
-              <a:ea typeface="IM FELL DW Pica"/>
-              <a:cs typeface="IM FELL DW Pica"/>
-              <a:sym typeface="IM FELL DW Pica"/>
-            </a:endParaRPr>
           </a:p>
           <a:p>
             <a:pPr lvl="0" algn="ctr"/>
@@ -8564,12 +8072,12 @@
   <p:clrMapOvr>
     <a:masterClrMapping/>
   </p:clrMapOvr>
-  <p:transition spd="med" advClick="1"/>
+  <p:transition spd="med"/>
 </p:sld>
 </file>
 
 <file path=ppt/slides/slide57.xml><?xml version="1.0" encoding="utf-8"?>
-<p:sld xmlns:a="http://schemas.openxmlformats.org/drawingml/2006/main" xmlns:r="http://schemas.openxmlformats.org/officeDocument/2006/relationships" xmlns:p="http://schemas.openxmlformats.org/presentationml/2006/main" showMasterSp="1" showMasterPhAnim="1">
+<p:sld xmlns:a="http://schemas.openxmlformats.org/drawingml/2006/main" xmlns:r="http://schemas.openxmlformats.org/officeDocument/2006/relationships" xmlns:p="http://schemas.openxmlformats.org/presentationml/2006/main">
   <p:cSld>
     <p:spTree>
       <p:nvGrpSpPr>
@@ -8604,7 +8112,7 @@
           </a:ln>
           <a:extLst>
             <a:ext uri="{C572A759-6A51-4108-AA02-DFA0A04FC94B}">
-              <ma14:wrappingTextBoxFlag xmlns:ma14="http://schemas.microsoft.com/office/mac/drawingml/2011/main" val="1"/>
+              <ma14:wrappingTextBoxFlag xmlns:ma14="http://schemas.microsoft.com/office/mac/drawingml/2011/main" xmlns="" val="1"/>
             </a:ext>
           </a:extLst>
         </p:spPr>
@@ -8627,15 +8135,6 @@
               </a:rPr>
               <a:t>看街灯 映河水如烟如梦</a:t>
             </a:r>
-            <a:endParaRPr sz="3200">
-              <a:solidFill>
-                <a:srgbClr val="FFFFFF"/>
-              </a:solidFill>
-              <a:latin typeface="IM FELL DW Pica"/>
-              <a:ea typeface="IM FELL DW Pica"/>
-              <a:cs typeface="IM FELL DW Pica"/>
-              <a:sym typeface="IM FELL DW Pica"/>
-            </a:endParaRPr>
           </a:p>
           <a:p>
             <a:pPr lvl="0" algn="ctr"/>
@@ -8659,12 +8158,12 @@
   <p:clrMapOvr>
     <a:masterClrMapping/>
   </p:clrMapOvr>
-  <p:transition spd="med" advClick="1"/>
+  <p:transition spd="med"/>
 </p:sld>
 </file>
 
 <file path=ppt/slides/slide58.xml><?xml version="1.0" encoding="utf-8"?>
-<p:sld xmlns:a="http://schemas.openxmlformats.org/drawingml/2006/main" xmlns:r="http://schemas.openxmlformats.org/officeDocument/2006/relationships" xmlns:p="http://schemas.openxmlformats.org/presentationml/2006/main" showMasterSp="1" showMasterPhAnim="1">
+<p:sld xmlns:a="http://schemas.openxmlformats.org/drawingml/2006/main" xmlns:r="http://schemas.openxmlformats.org/officeDocument/2006/relationships" xmlns:p="http://schemas.openxmlformats.org/presentationml/2006/main">
   <p:cSld>
     <p:spTree>
       <p:nvGrpSpPr>
@@ -8699,7 +8198,7 @@
           </a:ln>
           <a:extLst>
             <a:ext uri="{C572A759-6A51-4108-AA02-DFA0A04FC94B}">
-              <ma14:wrappingTextBoxFlag xmlns:ma14="http://schemas.microsoft.com/office/mac/drawingml/2011/main" val="1"/>
+              <ma14:wrappingTextBoxFlag xmlns:ma14="http://schemas.microsoft.com/office/mac/drawingml/2011/main" xmlns="" val="1"/>
             </a:ext>
           </a:extLst>
         </p:spPr>
@@ -8722,15 +8221,6 @@
               </a:rPr>
               <a:t>黑暗中 树枝间缀满星辰</a:t>
             </a:r>
-            <a:endParaRPr sz="3200">
-              <a:solidFill>
-                <a:srgbClr val="FFFFFF"/>
-              </a:solidFill>
-              <a:latin typeface="IM FELL DW Pica"/>
-              <a:ea typeface="IM FELL DW Pica"/>
-              <a:cs typeface="IM FELL DW Pica"/>
-              <a:sym typeface="IM FELL DW Pica"/>
-            </a:endParaRPr>
           </a:p>
           <a:p>
             <a:pPr lvl="0" algn="ctr"/>
@@ -8754,12 +8244,12 @@
   <p:clrMapOvr>
     <a:masterClrMapping/>
   </p:clrMapOvr>
-  <p:transition spd="med" advClick="1"/>
+  <p:transition spd="med"/>
 </p:sld>
 </file>
 
 <file path=ppt/slides/slide59.xml><?xml version="1.0" encoding="utf-8"?>
-<p:sld xmlns:a="http://schemas.openxmlformats.org/drawingml/2006/main" xmlns:r="http://schemas.openxmlformats.org/officeDocument/2006/relationships" xmlns:p="http://schemas.openxmlformats.org/presentationml/2006/main" showMasterSp="1" showMasterPhAnim="1">
+<p:sld xmlns:a="http://schemas.openxmlformats.org/drawingml/2006/main" xmlns:r="http://schemas.openxmlformats.org/officeDocument/2006/relationships" xmlns:p="http://schemas.openxmlformats.org/presentationml/2006/main">
   <p:cSld>
     <p:spTree>
       <p:nvGrpSpPr>
@@ -8794,7 +8284,7 @@
           </a:ln>
           <a:extLst>
             <a:ext uri="{C572A759-6A51-4108-AA02-DFA0A04FC94B}">
-              <ma14:wrappingTextBoxFlag xmlns:ma14="http://schemas.microsoft.com/office/mac/drawingml/2011/main" val="1"/>
+              <ma14:wrappingTextBoxFlag xmlns:ma14="http://schemas.microsoft.com/office/mac/drawingml/2011/main" xmlns="" val="1"/>
             </a:ext>
           </a:extLst>
         </p:spPr>
@@ -8817,15 +8307,6 @@
               </a:rPr>
               <a:t>我仿佛看见我俩相伴 直到永远</a:t>
             </a:r>
-            <a:endParaRPr sz="3200">
-              <a:solidFill>
-                <a:srgbClr val="FFFFFF"/>
-              </a:solidFill>
-              <a:latin typeface="IM FELL DW Pica"/>
-              <a:ea typeface="IM FELL DW Pica"/>
-              <a:cs typeface="IM FELL DW Pica"/>
-              <a:sym typeface="IM FELL DW Pica"/>
-            </a:endParaRPr>
           </a:p>
           <a:p>
             <a:pPr lvl="0" algn="ctr"/>
@@ -8849,12 +8330,12 @@
   <p:clrMapOvr>
     <a:masterClrMapping/>
   </p:clrMapOvr>
-  <p:transition spd="med" advClick="1"/>
+  <p:transition spd="med"/>
 </p:sld>
 </file>
 
 <file path=ppt/slides/slide6.xml><?xml version="1.0" encoding="utf-8"?>
-<p:sld xmlns:a="http://schemas.openxmlformats.org/drawingml/2006/main" xmlns:r="http://schemas.openxmlformats.org/officeDocument/2006/relationships" xmlns:p="http://schemas.openxmlformats.org/presentationml/2006/main" showMasterSp="1" showMasterPhAnim="1">
+<p:sld xmlns:a="http://schemas.openxmlformats.org/drawingml/2006/main" xmlns:r="http://schemas.openxmlformats.org/officeDocument/2006/relationships" xmlns:p="http://schemas.openxmlformats.org/presentationml/2006/main">
   <p:cSld>
     <p:spTree>
       <p:nvGrpSpPr>
@@ -8889,7 +8370,7 @@
           </a:ln>
           <a:extLst>
             <a:ext uri="{C572A759-6A51-4108-AA02-DFA0A04FC94B}">
-              <ma14:wrappingTextBoxFlag xmlns:ma14="http://schemas.microsoft.com/office/mac/drawingml/2011/main" val="1"/>
+              <ma14:wrappingTextBoxFlag xmlns:ma14="http://schemas.microsoft.com/office/mac/drawingml/2011/main" xmlns="" val="1"/>
             </a:ext>
           </a:extLst>
         </p:spPr>
@@ -8912,15 +8393,6 @@
               </a:rPr>
               <a:t>我曾服过兵役 与他们一同作战</a:t>
             </a:r>
-            <a:endParaRPr sz="3200">
-              <a:solidFill>
-                <a:srgbClr val="FFFFFF"/>
-              </a:solidFill>
-              <a:latin typeface="IM FELL DW Pica"/>
-              <a:ea typeface="IM FELL DW Pica"/>
-              <a:cs typeface="IM FELL DW Pica"/>
-              <a:sym typeface="IM FELL DW Pica"/>
-            </a:endParaRPr>
           </a:p>
           <a:p>
             <a:pPr lvl="0" algn="ctr"/>
@@ -8944,12 +8416,12 @@
   <p:clrMapOvr>
     <a:masterClrMapping/>
   </p:clrMapOvr>
-  <p:transition spd="med" advClick="1"/>
+  <p:transition spd="med"/>
 </p:sld>
 </file>
 
 <file path=ppt/slides/slide60.xml><?xml version="1.0" encoding="utf-8"?>
-<p:sld xmlns:a="http://schemas.openxmlformats.org/drawingml/2006/main" xmlns:r="http://schemas.openxmlformats.org/officeDocument/2006/relationships" xmlns:p="http://schemas.openxmlformats.org/presentationml/2006/main" showMasterSp="1" showMasterPhAnim="1">
+<p:sld xmlns:a="http://schemas.openxmlformats.org/drawingml/2006/main" xmlns:r="http://schemas.openxmlformats.org/officeDocument/2006/relationships" xmlns:p="http://schemas.openxmlformats.org/presentationml/2006/main">
   <p:cSld>
     <p:spTree>
       <p:nvGrpSpPr>
@@ -8984,7 +8456,7 @@
           </a:ln>
           <a:extLst>
             <a:ext uri="{C572A759-6A51-4108-AA02-DFA0A04FC94B}">
-              <ma14:wrappingTextBoxFlag xmlns:ma14="http://schemas.microsoft.com/office/mac/drawingml/2011/main" val="1"/>
+              <ma14:wrappingTextBoxFlag xmlns:ma14="http://schemas.microsoft.com/office/mac/drawingml/2011/main" xmlns="" val="1"/>
             </a:ext>
           </a:extLst>
         </p:spPr>
@@ -9007,15 +8479,6 @@
               </a:rPr>
               <a:t>我知道 这不过是我的想象</a:t>
             </a:r>
-            <a:endParaRPr sz="3200">
-              <a:solidFill>
-                <a:srgbClr val="FFFFFF"/>
-              </a:solidFill>
-              <a:latin typeface="IM FELL DW Pica"/>
-              <a:ea typeface="IM FELL DW Pica"/>
-              <a:cs typeface="IM FELL DW Pica"/>
-              <a:sym typeface="IM FELL DW Pica"/>
-            </a:endParaRPr>
           </a:p>
           <a:p>
             <a:pPr lvl="0" algn="ctr"/>
@@ -9039,12 +8502,12 @@
   <p:clrMapOvr>
     <a:masterClrMapping/>
   </p:clrMapOvr>
-  <p:transition spd="med" advClick="1"/>
+  <p:transition spd="med"/>
 </p:sld>
 </file>
 
 <file path=ppt/slides/slide61.xml><?xml version="1.0" encoding="utf-8"?>
-<p:sld xmlns:a="http://schemas.openxmlformats.org/drawingml/2006/main" xmlns:r="http://schemas.openxmlformats.org/officeDocument/2006/relationships" xmlns:p="http://schemas.openxmlformats.org/presentationml/2006/main" showMasterSp="1" showMasterPhAnim="1">
+<p:sld xmlns:a="http://schemas.openxmlformats.org/drawingml/2006/main" xmlns:r="http://schemas.openxmlformats.org/officeDocument/2006/relationships" xmlns:p="http://schemas.openxmlformats.org/presentationml/2006/main">
   <p:cSld>
     <p:spTree>
       <p:nvGrpSpPr>
@@ -9079,7 +8542,7 @@
           </a:ln>
           <a:extLst>
             <a:ext uri="{C572A759-6A51-4108-AA02-DFA0A04FC94B}">
-              <ma14:wrappingTextBoxFlag xmlns:ma14="http://schemas.microsoft.com/office/mac/drawingml/2011/main" val="1"/>
+              <ma14:wrappingTextBoxFlag xmlns:ma14="http://schemas.microsoft.com/office/mac/drawingml/2011/main" xmlns="" val="1"/>
             </a:ext>
           </a:extLst>
         </p:spPr>
@@ -9102,15 +8565,6 @@
               </a:rPr>
               <a:t>那些话都是我自言自语 </a:t>
             </a:r>
-            <a:endParaRPr sz="3200">
-              <a:solidFill>
-                <a:srgbClr val="FFFFFF"/>
-              </a:solidFill>
-              <a:latin typeface="IM FELL DW Pica"/>
-              <a:ea typeface="IM FELL DW Pica"/>
-              <a:cs typeface="IM FELL DW Pica"/>
-              <a:sym typeface="IM FELL DW Pica"/>
-            </a:endParaRPr>
           </a:p>
           <a:p>
             <a:pPr lvl="0" algn="ctr"/>
@@ -9134,12 +8588,12 @@
   <p:clrMapOvr>
     <a:masterClrMapping/>
   </p:clrMapOvr>
-  <p:transition spd="med" advClick="1"/>
+  <p:transition spd="med"/>
 </p:sld>
 </file>
 
 <file path=ppt/slides/slide62.xml><?xml version="1.0" encoding="utf-8"?>
-<p:sld xmlns:a="http://schemas.openxmlformats.org/drawingml/2006/main" xmlns:r="http://schemas.openxmlformats.org/officeDocument/2006/relationships" xmlns:p="http://schemas.openxmlformats.org/presentationml/2006/main" showMasterSp="1" showMasterPhAnim="1">
+<p:sld xmlns:a="http://schemas.openxmlformats.org/drawingml/2006/main" xmlns:r="http://schemas.openxmlformats.org/officeDocument/2006/relationships" xmlns:p="http://schemas.openxmlformats.org/presentationml/2006/main">
   <p:cSld>
     <p:spTree>
       <p:nvGrpSpPr>
@@ -9174,7 +8628,7 @@
           </a:ln>
           <a:extLst>
             <a:ext uri="{C572A759-6A51-4108-AA02-DFA0A04FC94B}">
-              <ma14:wrappingTextBoxFlag xmlns:ma14="http://schemas.microsoft.com/office/mac/drawingml/2011/main" val="1"/>
+              <ma14:wrappingTextBoxFlag xmlns:ma14="http://schemas.microsoft.com/office/mac/drawingml/2011/main" xmlns="" val="1"/>
             </a:ext>
           </a:extLst>
         </p:spPr>
@@ -9197,15 +8651,6 @@
               </a:rPr>
               <a:t>也知道 他只会视而不见</a:t>
             </a:r>
-            <a:endParaRPr sz="3200">
-              <a:solidFill>
-                <a:srgbClr val="FFFFFF"/>
-              </a:solidFill>
-              <a:latin typeface="IM FELL DW Pica"/>
-              <a:ea typeface="IM FELL DW Pica"/>
-              <a:cs typeface="IM FELL DW Pica"/>
-              <a:sym typeface="IM FELL DW Pica"/>
-            </a:endParaRPr>
           </a:p>
           <a:p>
             <a:pPr lvl="0" algn="ctr"/>
@@ -9229,12 +8674,12 @@
   <p:clrMapOvr>
     <a:masterClrMapping/>
   </p:clrMapOvr>
-  <p:transition spd="med" advClick="1"/>
+  <p:transition spd="med"/>
 </p:sld>
 </file>
 
 <file path=ppt/slides/slide63.xml><?xml version="1.0" encoding="utf-8"?>
-<p:sld xmlns:a="http://schemas.openxmlformats.org/drawingml/2006/main" xmlns:r="http://schemas.openxmlformats.org/officeDocument/2006/relationships" xmlns:p="http://schemas.openxmlformats.org/presentationml/2006/main" showMasterSp="1" showMasterPhAnim="1">
+<p:sld xmlns:a="http://schemas.openxmlformats.org/drawingml/2006/main" xmlns:r="http://schemas.openxmlformats.org/officeDocument/2006/relationships" xmlns:p="http://schemas.openxmlformats.org/presentationml/2006/main">
   <p:cSld>
     <p:spTree>
       <p:nvGrpSpPr>
@@ -9269,7 +8714,7 @@
           </a:ln>
           <a:extLst>
             <a:ext uri="{C572A759-6A51-4108-AA02-DFA0A04FC94B}">
-              <ma14:wrappingTextBoxFlag xmlns:ma14="http://schemas.microsoft.com/office/mac/drawingml/2011/main" val="1"/>
+              <ma14:wrappingTextBoxFlag xmlns:ma14="http://schemas.microsoft.com/office/mac/drawingml/2011/main" xmlns="" val="1"/>
             </a:ext>
           </a:extLst>
         </p:spPr>
@@ -9292,15 +8737,6 @@
               </a:rPr>
               <a:t>但仍觉得 我们还有希望</a:t>
             </a:r>
-            <a:endParaRPr sz="3200">
-              <a:solidFill>
-                <a:srgbClr val="FFFFFF"/>
-              </a:solidFill>
-              <a:latin typeface="IM FELL DW Pica"/>
-              <a:ea typeface="IM FELL DW Pica"/>
-              <a:cs typeface="IM FELL DW Pica"/>
-              <a:sym typeface="IM FELL DW Pica"/>
-            </a:endParaRPr>
           </a:p>
           <a:p>
             <a:pPr lvl="0" algn="ctr"/>
@@ -9324,12 +8760,12 @@
   <p:clrMapOvr>
     <a:masterClrMapping/>
   </p:clrMapOvr>
-  <p:transition spd="med" advClick="1"/>
+  <p:transition spd="med"/>
 </p:sld>
 </file>
 
 <file path=ppt/slides/slide64.xml><?xml version="1.0" encoding="utf-8"?>
-<p:sld xmlns:a="http://schemas.openxmlformats.org/drawingml/2006/main" xmlns:r="http://schemas.openxmlformats.org/officeDocument/2006/relationships" xmlns:p="http://schemas.openxmlformats.org/presentationml/2006/main" showMasterSp="1" showMasterPhAnim="1">
+<p:sld xmlns:a="http://schemas.openxmlformats.org/drawingml/2006/main" xmlns:r="http://schemas.openxmlformats.org/officeDocument/2006/relationships" xmlns:p="http://schemas.openxmlformats.org/presentationml/2006/main">
   <p:cSld>
     <p:spTree>
       <p:nvGrpSpPr>
@@ -9364,7 +8800,7 @@
           </a:ln>
           <a:extLst>
             <a:ext uri="{C572A759-6A51-4108-AA02-DFA0A04FC94B}">
-              <ma14:wrappingTextBoxFlag xmlns:ma14="http://schemas.microsoft.com/office/mac/drawingml/2011/main" val="1"/>
+              <ma14:wrappingTextBoxFlag xmlns:ma14="http://schemas.microsoft.com/office/mac/drawingml/2011/main" xmlns="" val="1"/>
             </a:ext>
           </a:extLst>
         </p:spPr>
@@ -9387,15 +8823,6 @@
               </a:rPr>
               <a:t>我爱他 但当黑夜结束</a:t>
             </a:r>
-            <a:endParaRPr sz="3200">
-              <a:solidFill>
-                <a:srgbClr val="FFFFFF"/>
-              </a:solidFill>
-              <a:latin typeface="IM FELL DW Pica"/>
-              <a:ea typeface="IM FELL DW Pica"/>
-              <a:cs typeface="IM FELL DW Pica"/>
-              <a:sym typeface="IM FELL DW Pica"/>
-            </a:endParaRPr>
           </a:p>
           <a:p>
             <a:pPr lvl="0" algn="ctr"/>
@@ -9419,12 +8846,12 @@
   <p:clrMapOvr>
     <a:masterClrMapping/>
   </p:clrMapOvr>
-  <p:transition spd="med" advClick="1"/>
+  <p:transition spd="med"/>
 </p:sld>
 </file>
 
 <file path=ppt/slides/slide65.xml><?xml version="1.0" encoding="utf-8"?>
-<p:sld xmlns:a="http://schemas.openxmlformats.org/drawingml/2006/main" xmlns:r="http://schemas.openxmlformats.org/officeDocument/2006/relationships" xmlns:p="http://schemas.openxmlformats.org/presentationml/2006/main" showMasterSp="1" showMasterPhAnim="1">
+<p:sld xmlns:a="http://schemas.openxmlformats.org/drawingml/2006/main" xmlns:r="http://schemas.openxmlformats.org/officeDocument/2006/relationships" xmlns:p="http://schemas.openxmlformats.org/presentationml/2006/main">
   <p:cSld>
     <p:spTree>
       <p:nvGrpSpPr>
@@ -9459,7 +8886,7 @@
           </a:ln>
           <a:extLst>
             <a:ext uri="{C572A759-6A51-4108-AA02-DFA0A04FC94B}">
-              <ma14:wrappingTextBoxFlag xmlns:ma14="http://schemas.microsoft.com/office/mac/drawingml/2011/main" val="1"/>
+              <ma14:wrappingTextBoxFlag xmlns:ma14="http://schemas.microsoft.com/office/mac/drawingml/2011/main" xmlns="" val="1"/>
             </a:ext>
           </a:extLst>
         </p:spPr>
@@ -9482,15 +8909,6 @@
               </a:rPr>
               <a:t>他消失 河又变回了平凡的河</a:t>
             </a:r>
-            <a:endParaRPr sz="3200">
-              <a:solidFill>
-                <a:srgbClr val="FFFFFF"/>
-              </a:solidFill>
-              <a:latin typeface="IM FELL DW Pica"/>
-              <a:ea typeface="IM FELL DW Pica"/>
-              <a:cs typeface="IM FELL DW Pica"/>
-              <a:sym typeface="IM FELL DW Pica"/>
-            </a:endParaRPr>
           </a:p>
           <a:p>
             <a:pPr lvl="0" algn="ctr"/>
@@ -9514,12 +8932,12 @@
   <p:clrMapOvr>
     <a:masterClrMapping/>
   </p:clrMapOvr>
-  <p:transition spd="med" advClick="1"/>
+  <p:transition spd="med"/>
 </p:sld>
 </file>
 
 <file path=ppt/slides/slide66.xml><?xml version="1.0" encoding="utf-8"?>
-<p:sld xmlns:a="http://schemas.openxmlformats.org/drawingml/2006/main" xmlns:r="http://schemas.openxmlformats.org/officeDocument/2006/relationships" xmlns:p="http://schemas.openxmlformats.org/presentationml/2006/main" showMasterSp="1" showMasterPhAnim="1">
+<p:sld xmlns:a="http://schemas.openxmlformats.org/drawingml/2006/main" xmlns:r="http://schemas.openxmlformats.org/officeDocument/2006/relationships" xmlns:p="http://schemas.openxmlformats.org/presentationml/2006/main">
   <p:cSld>
     <p:spTree>
       <p:nvGrpSpPr>
@@ -9554,7 +8972,7 @@
           </a:ln>
           <a:extLst>
             <a:ext uri="{C572A759-6A51-4108-AA02-DFA0A04FC94B}">
-              <ma14:wrappingTextBoxFlag xmlns:ma14="http://schemas.microsoft.com/office/mac/drawingml/2011/main" val="1"/>
+              <ma14:wrappingTextBoxFlag xmlns:ma14="http://schemas.microsoft.com/office/mac/drawingml/2011/main" xmlns="" val="1"/>
             </a:ext>
           </a:extLst>
         </p:spPr>
@@ -9577,15 +8995,6 @@
               </a:rPr>
               <a:t>没有他 我周围的一切都变了</a:t>
             </a:r>
-            <a:endParaRPr sz="3200">
-              <a:solidFill>
-                <a:srgbClr val="FFFFFF"/>
-              </a:solidFill>
-              <a:latin typeface="IM FELL DW Pica"/>
-              <a:ea typeface="IM FELL DW Pica"/>
-              <a:cs typeface="IM FELL DW Pica"/>
-              <a:sym typeface="IM FELL DW Pica"/>
-            </a:endParaRPr>
           </a:p>
           <a:p>
             <a:pPr lvl="0" algn="ctr"/>
@@ -9609,12 +9018,12 @@
   <p:clrMapOvr>
     <a:masterClrMapping/>
   </p:clrMapOvr>
-  <p:transition spd="med" advClick="1"/>
+  <p:transition spd="med"/>
 </p:sld>
 </file>
 
 <file path=ppt/slides/slide67.xml><?xml version="1.0" encoding="utf-8"?>
-<p:sld xmlns:a="http://schemas.openxmlformats.org/drawingml/2006/main" xmlns:r="http://schemas.openxmlformats.org/officeDocument/2006/relationships" xmlns:p="http://schemas.openxmlformats.org/presentationml/2006/main" showMasterSp="1" showMasterPhAnim="1">
+<p:sld xmlns:a="http://schemas.openxmlformats.org/drawingml/2006/main" xmlns:r="http://schemas.openxmlformats.org/officeDocument/2006/relationships" xmlns:p="http://schemas.openxmlformats.org/presentationml/2006/main">
   <p:cSld>
     <p:spTree>
       <p:nvGrpSpPr>
@@ -9649,7 +9058,7 @@
           </a:ln>
           <a:extLst>
             <a:ext uri="{C572A759-6A51-4108-AA02-DFA0A04FC94B}">
-              <ma14:wrappingTextBoxFlag xmlns:ma14="http://schemas.microsoft.com/office/mac/drawingml/2011/main" val="1"/>
+              <ma14:wrappingTextBoxFlag xmlns:ma14="http://schemas.microsoft.com/office/mac/drawingml/2011/main" xmlns="" val="1"/>
             </a:ext>
           </a:extLst>
         </p:spPr>
@@ -9672,15 +9081,6 @@
               </a:rPr>
               <a:t>到处都是光秃秃的树木 </a:t>
             </a:r>
-            <a:endParaRPr sz="3200">
-              <a:solidFill>
-                <a:srgbClr val="FFFFFF"/>
-              </a:solidFill>
-              <a:latin typeface="IM FELL DW Pica"/>
-              <a:ea typeface="IM FELL DW Pica"/>
-              <a:cs typeface="IM FELL DW Pica"/>
-              <a:sym typeface="IM FELL DW Pica"/>
-            </a:endParaRPr>
           </a:p>
           <a:p>
             <a:pPr lvl="0" algn="ctr"/>
@@ -9704,12 +9104,12 @@
   <p:clrMapOvr>
     <a:masterClrMapping/>
   </p:clrMapOvr>
-  <p:transition spd="med" advClick="1"/>
+  <p:transition spd="med"/>
 </p:sld>
 </file>
 
 <file path=ppt/slides/slide68.xml><?xml version="1.0" encoding="utf-8"?>
-<p:sld xmlns:a="http://schemas.openxmlformats.org/drawingml/2006/main" xmlns:r="http://schemas.openxmlformats.org/officeDocument/2006/relationships" xmlns:p="http://schemas.openxmlformats.org/presentationml/2006/main" showMasterSp="1" showMasterPhAnim="1">
+<p:sld xmlns:a="http://schemas.openxmlformats.org/drawingml/2006/main" xmlns:r="http://schemas.openxmlformats.org/officeDocument/2006/relationships" xmlns:p="http://schemas.openxmlformats.org/presentationml/2006/main">
   <p:cSld>
     <p:spTree>
       <p:nvGrpSpPr>
@@ -9744,7 +9144,7 @@
           </a:ln>
           <a:extLst>
             <a:ext uri="{C572A759-6A51-4108-AA02-DFA0A04FC94B}">
-              <ma14:wrappingTextBoxFlag xmlns:ma14="http://schemas.microsoft.com/office/mac/drawingml/2011/main" val="1"/>
+              <ma14:wrappingTextBoxFlag xmlns:ma14="http://schemas.microsoft.com/office/mac/drawingml/2011/main" xmlns="" val="1"/>
             </a:ext>
           </a:extLst>
         </p:spPr>
@@ -9767,15 +9167,6 @@
               </a:rPr>
               <a:t>街上满是陌生的身影 </a:t>
             </a:r>
-            <a:endParaRPr sz="3200">
-              <a:solidFill>
-                <a:srgbClr val="FFFFFF"/>
-              </a:solidFill>
-              <a:latin typeface="IM FELL DW Pica"/>
-              <a:ea typeface="IM FELL DW Pica"/>
-              <a:cs typeface="IM FELL DW Pica"/>
-              <a:sym typeface="IM FELL DW Pica"/>
-            </a:endParaRPr>
           </a:p>
           <a:p>
             <a:pPr lvl="0" algn="ctr"/>
@@ -9799,12 +9190,12 @@
   <p:clrMapOvr>
     <a:masterClrMapping/>
   </p:clrMapOvr>
-  <p:transition spd="med" advClick="1"/>
+  <p:transition spd="med"/>
 </p:sld>
 </file>
 
 <file path=ppt/slides/slide69.xml><?xml version="1.0" encoding="utf-8"?>
-<p:sld xmlns:a="http://schemas.openxmlformats.org/drawingml/2006/main" xmlns:r="http://schemas.openxmlformats.org/officeDocument/2006/relationships" xmlns:p="http://schemas.openxmlformats.org/presentationml/2006/main" showMasterSp="1" showMasterPhAnim="1">
+<p:sld xmlns:a="http://schemas.openxmlformats.org/drawingml/2006/main" xmlns:r="http://schemas.openxmlformats.org/officeDocument/2006/relationships" xmlns:p="http://schemas.openxmlformats.org/presentationml/2006/main">
   <p:cSld>
     <p:spTree>
       <p:nvGrpSpPr>
@@ -9839,7 +9230,7 @@
           </a:ln>
           <a:extLst>
             <a:ext uri="{C572A759-6A51-4108-AA02-DFA0A04FC94B}">
-              <ma14:wrappingTextBoxFlag xmlns:ma14="http://schemas.microsoft.com/office/mac/drawingml/2011/main" val="1"/>
+              <ma14:wrappingTextBoxFlag xmlns:ma14="http://schemas.microsoft.com/office/mac/drawingml/2011/main" xmlns="" val="1"/>
             </a:ext>
           </a:extLst>
         </p:spPr>
@@ -9862,15 +9253,6 @@
               </a:rPr>
               <a:t>我爱他 但我也日渐明了</a:t>
             </a:r>
-            <a:endParaRPr sz="3200">
-              <a:solidFill>
-                <a:srgbClr val="FFFFFF"/>
-              </a:solidFill>
-              <a:latin typeface="IM FELL DW Pica"/>
-              <a:ea typeface="IM FELL DW Pica"/>
-              <a:cs typeface="IM FELL DW Pica"/>
-              <a:sym typeface="IM FELL DW Pica"/>
-            </a:endParaRPr>
           </a:p>
           <a:p>
             <a:pPr lvl="0" algn="ctr"/>
@@ -9894,12 +9276,12 @@
   <p:clrMapOvr>
     <a:masterClrMapping/>
   </p:clrMapOvr>
-  <p:transition spd="med" advClick="1"/>
+  <p:transition spd="med"/>
 </p:sld>
 </file>
 
 <file path=ppt/slides/slide7.xml><?xml version="1.0" encoding="utf-8"?>
-<p:sld xmlns:a="http://schemas.openxmlformats.org/drawingml/2006/main" xmlns:r="http://schemas.openxmlformats.org/officeDocument/2006/relationships" xmlns:p="http://schemas.openxmlformats.org/presentationml/2006/main" showMasterSp="1" showMasterPhAnim="1">
+<p:sld xmlns:a="http://schemas.openxmlformats.org/drawingml/2006/main" xmlns:r="http://schemas.openxmlformats.org/officeDocument/2006/relationships" xmlns:p="http://schemas.openxmlformats.org/presentationml/2006/main">
   <p:cSld>
     <p:spTree>
       <p:nvGrpSpPr>
@@ -9934,7 +9316,7 @@
           </a:ln>
           <a:extLst>
             <a:ext uri="{C572A759-6A51-4108-AA02-DFA0A04FC94B}">
-              <ma14:wrappingTextBoxFlag xmlns:ma14="http://schemas.microsoft.com/office/mac/drawingml/2011/main" val="1"/>
+              <ma14:wrappingTextBoxFlag xmlns:ma14="http://schemas.microsoft.com/office/mac/drawingml/2011/main" xmlns="" val="1"/>
             </a:ext>
           </a:extLst>
         </p:spPr>
@@ -9957,15 +9339,6 @@
               </a:rPr>
               <a:t>在我年轻时 </a:t>
             </a:r>
-            <a:endParaRPr sz="3200">
-              <a:solidFill>
-                <a:srgbClr val="FFFFFF"/>
-              </a:solidFill>
-              <a:latin typeface="IM FELL DW Pica"/>
-              <a:ea typeface="IM FELL DW Pica"/>
-              <a:cs typeface="IM FELL DW Pica"/>
-              <a:sym typeface="IM FELL DW Pica"/>
-            </a:endParaRPr>
           </a:p>
           <a:p>
             <a:pPr lvl="0" algn="ctr"/>
@@ -9989,12 +9362,12 @@
   <p:clrMapOvr>
     <a:masterClrMapping/>
   </p:clrMapOvr>
-  <p:transition spd="med" advClick="1"/>
+  <p:transition spd="med"/>
 </p:sld>
 </file>
 
 <file path=ppt/slides/slide70.xml><?xml version="1.0" encoding="utf-8"?>
-<p:sld xmlns:a="http://schemas.openxmlformats.org/drawingml/2006/main" xmlns:r="http://schemas.openxmlformats.org/officeDocument/2006/relationships" xmlns:p="http://schemas.openxmlformats.org/presentationml/2006/main" showMasterSp="1" showMasterPhAnim="1">
+<p:sld xmlns:a="http://schemas.openxmlformats.org/drawingml/2006/main" xmlns:r="http://schemas.openxmlformats.org/officeDocument/2006/relationships" xmlns:p="http://schemas.openxmlformats.org/presentationml/2006/main">
   <p:cSld>
     <p:spTree>
       <p:nvGrpSpPr>
@@ -10029,7 +9402,7 @@
           </a:ln>
           <a:extLst>
             <a:ext uri="{C572A759-6A51-4108-AA02-DFA0A04FC94B}">
-              <ma14:wrappingTextBoxFlag xmlns:ma14="http://schemas.microsoft.com/office/mac/drawingml/2011/main" val="1"/>
+              <ma14:wrappingTextBoxFlag xmlns:ma14="http://schemas.microsoft.com/office/mac/drawingml/2011/main" xmlns="" val="1"/>
             </a:ext>
           </a:extLst>
         </p:spPr>
@@ -10052,15 +9425,6 @@
               </a:rPr>
               <a:t>这一生 我不过在欺骗自己</a:t>
             </a:r>
-            <a:endParaRPr sz="3200">
-              <a:solidFill>
-                <a:srgbClr val="FFFFFF"/>
-              </a:solidFill>
-              <a:latin typeface="IM FELL DW Pica"/>
-              <a:ea typeface="IM FELL DW Pica"/>
-              <a:cs typeface="IM FELL DW Pica"/>
-              <a:sym typeface="IM FELL DW Pica"/>
-            </a:endParaRPr>
           </a:p>
           <a:p>
             <a:pPr lvl="0" algn="ctr"/>
@@ -10084,12 +9448,12 @@
   <p:clrMapOvr>
     <a:masterClrMapping/>
   </p:clrMapOvr>
-  <p:transition spd="med" advClick="1"/>
+  <p:transition spd="med"/>
 </p:sld>
 </file>
 
 <file path=ppt/slides/slide71.xml><?xml version="1.0" encoding="utf-8"?>
-<p:sld xmlns:a="http://schemas.openxmlformats.org/drawingml/2006/main" xmlns:r="http://schemas.openxmlformats.org/officeDocument/2006/relationships" xmlns:p="http://schemas.openxmlformats.org/presentationml/2006/main" showMasterSp="1" showMasterPhAnim="1">
+<p:sld xmlns:a="http://schemas.openxmlformats.org/drawingml/2006/main" xmlns:r="http://schemas.openxmlformats.org/officeDocument/2006/relationships" xmlns:p="http://schemas.openxmlformats.org/presentationml/2006/main">
   <p:cSld>
     <p:spTree>
       <p:nvGrpSpPr>
@@ -10124,7 +9488,7 @@
           </a:ln>
           <a:extLst>
             <a:ext uri="{C572A759-6A51-4108-AA02-DFA0A04FC94B}">
-              <ma14:wrappingTextBoxFlag xmlns:ma14="http://schemas.microsoft.com/office/mac/drawingml/2011/main" val="1"/>
+              <ma14:wrappingTextBoxFlag xmlns:ma14="http://schemas.microsoft.com/office/mac/drawingml/2011/main" xmlns="" val="1"/>
             </a:ext>
           </a:extLst>
         </p:spPr>
@@ -10147,15 +9511,6 @@
               </a:rPr>
               <a:t>没有我 他的世界依然如故</a:t>
             </a:r>
-            <a:endParaRPr sz="3200">
-              <a:solidFill>
-                <a:srgbClr val="FFFFFF"/>
-              </a:solidFill>
-              <a:latin typeface="IM FELL DW Pica"/>
-              <a:ea typeface="IM FELL DW Pica"/>
-              <a:cs typeface="IM FELL DW Pica"/>
-              <a:sym typeface="IM FELL DW Pica"/>
-            </a:endParaRPr>
           </a:p>
           <a:p>
             <a:pPr lvl="0" algn="ctr"/>
@@ -10179,12 +9534,12 @@
   <p:clrMapOvr>
     <a:masterClrMapping/>
   </p:clrMapOvr>
-  <p:transition spd="med" advClick="1"/>
+  <p:transition spd="med"/>
 </p:sld>
 </file>
 
 <file path=ppt/slides/slide72.xml><?xml version="1.0" encoding="utf-8"?>
-<p:sld xmlns:a="http://schemas.openxmlformats.org/drawingml/2006/main" xmlns:r="http://schemas.openxmlformats.org/officeDocument/2006/relationships" xmlns:p="http://schemas.openxmlformats.org/presentationml/2006/main" showMasterSp="1" showMasterPhAnim="1">
+<p:sld xmlns:a="http://schemas.openxmlformats.org/drawingml/2006/main" xmlns:r="http://schemas.openxmlformats.org/officeDocument/2006/relationships" xmlns:p="http://schemas.openxmlformats.org/presentationml/2006/main">
   <p:cSld>
     <p:spTree>
       <p:nvGrpSpPr>
@@ -10219,7 +9574,7 @@
           </a:ln>
           <a:extLst>
             <a:ext uri="{C572A759-6A51-4108-AA02-DFA0A04FC94B}">
-              <ma14:wrappingTextBoxFlag xmlns:ma14="http://schemas.microsoft.com/office/mac/drawingml/2011/main" val="1"/>
+              <ma14:wrappingTextBoxFlag xmlns:ma14="http://schemas.microsoft.com/office/mac/drawingml/2011/main" xmlns="" val="1"/>
             </a:ext>
           </a:extLst>
         </p:spPr>
@@ -10242,15 +9597,6 @@
               </a:rPr>
               <a:t>那里满是我从未体会过的幸福 </a:t>
             </a:r>
-            <a:endParaRPr sz="3200">
-              <a:solidFill>
-                <a:srgbClr val="FFFFFF"/>
-              </a:solidFill>
-              <a:latin typeface="IM FELL DW Pica"/>
-              <a:ea typeface="IM FELL DW Pica"/>
-              <a:cs typeface="IM FELL DW Pica"/>
-              <a:sym typeface="IM FELL DW Pica"/>
-            </a:endParaRPr>
           </a:p>
           <a:p>
             <a:pPr lvl="0" algn="ctr"/>
@@ -10274,12 +9620,12 @@
   <p:clrMapOvr>
     <a:masterClrMapping/>
   </p:clrMapOvr>
-  <p:transition spd="med" advClick="1"/>
+  <p:transition spd="med"/>
 </p:sld>
 </file>
 
 <file path=ppt/slides/slide73.xml><?xml version="1.0" encoding="utf-8"?>
-<p:sld xmlns:a="http://schemas.openxmlformats.org/drawingml/2006/main" xmlns:r="http://schemas.openxmlformats.org/officeDocument/2006/relationships" xmlns:p="http://schemas.openxmlformats.org/presentationml/2006/main" showMasterSp="1" showMasterPhAnim="1">
+<p:sld xmlns:a="http://schemas.openxmlformats.org/drawingml/2006/main" xmlns:r="http://schemas.openxmlformats.org/officeDocument/2006/relationships" xmlns:p="http://schemas.openxmlformats.org/presentationml/2006/main">
   <p:cSld>
     <p:spTree>
       <p:nvGrpSpPr>
@@ -10314,7 +9660,7 @@
           </a:ln>
           <a:extLst>
             <a:ext uri="{C572A759-6A51-4108-AA02-DFA0A04FC94B}">
-              <ma14:wrappingTextBoxFlag xmlns:ma14="http://schemas.microsoft.com/office/mac/drawingml/2011/main" val="1"/>
+              <ma14:wrappingTextBoxFlag xmlns:ma14="http://schemas.microsoft.com/office/mac/drawingml/2011/main" xmlns="" val="1"/>
             </a:ext>
           </a:extLst>
         </p:spPr>
@@ -10337,15 +9683,6 @@
               </a:rPr>
               <a:t>我爱他 </a:t>
             </a:r>
-            <a:endParaRPr sz="3200">
-              <a:solidFill>
-                <a:srgbClr val="FFFFFF"/>
-              </a:solidFill>
-              <a:latin typeface="IM FELL DW Pica"/>
-              <a:ea typeface="IM FELL DW Pica"/>
-              <a:cs typeface="IM FELL DW Pica"/>
-              <a:sym typeface="IM FELL DW Pica"/>
-            </a:endParaRPr>
           </a:p>
           <a:p>
             <a:pPr lvl="0" algn="ctr"/>
@@ -10369,12 +9706,12 @@
   <p:clrMapOvr>
     <a:masterClrMapping/>
   </p:clrMapOvr>
-  <p:transition spd="med" advClick="1"/>
+  <p:transition spd="med"/>
 </p:sld>
 </file>
 
 <file path=ppt/slides/slide74.xml><?xml version="1.0" encoding="utf-8"?>
-<p:sld xmlns:a="http://schemas.openxmlformats.org/drawingml/2006/main" xmlns:r="http://schemas.openxmlformats.org/officeDocument/2006/relationships" xmlns:p="http://schemas.openxmlformats.org/presentationml/2006/main" showMasterSp="1" showMasterPhAnim="1">
+<p:sld xmlns:a="http://schemas.openxmlformats.org/drawingml/2006/main" xmlns:r="http://schemas.openxmlformats.org/officeDocument/2006/relationships" xmlns:p="http://schemas.openxmlformats.org/presentationml/2006/main">
   <p:cSld>
     <p:spTree>
       <p:nvGrpSpPr>
@@ -10409,7 +9746,7 @@
           </a:ln>
           <a:extLst>
             <a:ext uri="{C572A759-6A51-4108-AA02-DFA0A04FC94B}">
-              <ma14:wrappingTextBoxFlag xmlns:ma14="http://schemas.microsoft.com/office/mac/drawingml/2011/main" val="1"/>
+              <ma14:wrappingTextBoxFlag xmlns:ma14="http://schemas.microsoft.com/office/mac/drawingml/2011/main" xmlns="" val="1"/>
             </a:ext>
           </a:extLst>
         </p:spPr>
@@ -10432,15 +9769,6 @@
               </a:rPr>
               <a:t>却只是 </a:t>
             </a:r>
-            <a:endParaRPr sz="3200">
-              <a:solidFill>
-                <a:srgbClr val="FFFFFF"/>
-              </a:solidFill>
-              <a:latin typeface="IM FELL DW Pica"/>
-              <a:ea typeface="IM FELL DW Pica"/>
-              <a:cs typeface="IM FELL DW Pica"/>
-              <a:sym typeface="IM FELL DW Pica"/>
-            </a:endParaRPr>
           </a:p>
           <a:p>
             <a:pPr lvl="0" algn="ctr"/>
@@ -10464,12 +9792,12 @@
   <p:clrMapOvr>
     <a:masterClrMapping/>
   </p:clrMapOvr>
-  <p:transition spd="med" advClick="1"/>
+  <p:transition spd="med"/>
 </p:sld>
 </file>
 
 <file path=ppt/slides/slide75.xml><?xml version="1.0" encoding="utf-8"?>
-<p:sld xmlns:a="http://schemas.openxmlformats.org/drawingml/2006/main" xmlns:r="http://schemas.openxmlformats.org/officeDocument/2006/relationships" xmlns:p="http://schemas.openxmlformats.org/presentationml/2006/main" showMasterSp="1" showMasterPhAnim="1">
+<p:sld xmlns:a="http://schemas.openxmlformats.org/drawingml/2006/main" xmlns:r="http://schemas.openxmlformats.org/officeDocument/2006/relationships" xmlns:p="http://schemas.openxmlformats.org/presentationml/2006/main">
   <p:cSld>
     <p:spTree>
       <p:nvGrpSpPr>
@@ -10504,7 +9832,7 @@
           </a:ln>
           <a:extLst>
             <a:ext uri="{C572A759-6A51-4108-AA02-DFA0A04FC94B}">
-              <ma14:wrappingTextBoxFlag xmlns:ma14="http://schemas.microsoft.com/office/mac/drawingml/2011/main" val="1"/>
+              <ma14:wrappingTextBoxFlag xmlns:ma14="http://schemas.microsoft.com/office/mac/drawingml/2011/main" xmlns="" val="1"/>
             </a:ext>
           </a:extLst>
         </p:spPr>
@@ -10527,15 +9855,6 @@
               </a:rPr>
               <a:t>一厢情愿 </a:t>
             </a:r>
-            <a:endParaRPr sz="3200">
-              <a:solidFill>
-                <a:srgbClr val="FFFFFF"/>
-              </a:solidFill>
-              <a:latin typeface="IM FELL DW Pica"/>
-              <a:ea typeface="IM FELL DW Pica"/>
-              <a:cs typeface="IM FELL DW Pica"/>
-              <a:sym typeface="IM FELL DW Pica"/>
-            </a:endParaRPr>
           </a:p>
           <a:p>
             <a:pPr lvl="0" algn="ctr"/>
@@ -10559,12 +9878,12 @@
   <p:clrMapOvr>
     <a:masterClrMapping/>
   </p:clrMapOvr>
-  <p:transition spd="med" advClick="1"/>
+  <p:transition spd="med"/>
 </p:sld>
 </file>
 
 <file path=ppt/slides/slide76.xml><?xml version="1.0" encoding="utf-8"?>
-<p:sld xmlns:a="http://schemas.openxmlformats.org/drawingml/2006/main" xmlns:r="http://schemas.openxmlformats.org/officeDocument/2006/relationships" xmlns:p="http://schemas.openxmlformats.org/presentationml/2006/main" showMasterSp="1" showMasterPhAnim="1">
+<p:sld xmlns:a="http://schemas.openxmlformats.org/drawingml/2006/main" xmlns:r="http://schemas.openxmlformats.org/officeDocument/2006/relationships" xmlns:p="http://schemas.openxmlformats.org/presentationml/2006/main">
   <p:cSld>
     <p:spTree>
       <p:nvGrpSpPr>
@@ -10599,7 +9918,7 @@
           </a:ln>
           <a:extLst>
             <a:ext uri="{C572A759-6A51-4108-AA02-DFA0A04FC94B}">
-              <ma14:wrappingTextBoxFlag xmlns:ma14="http://schemas.microsoft.com/office/mac/drawingml/2011/main" val="1"/>
+              <ma14:wrappingTextBoxFlag xmlns:ma14="http://schemas.microsoft.com/office/mac/drawingml/2011/main" xmlns="" val="1"/>
             </a:ext>
           </a:extLst>
         </p:spPr>
@@ -10622,15 +9941,6 @@
               </a:rPr>
               <a:t>他回来了 </a:t>
             </a:r>
-            <a:endParaRPr sz="3200">
-              <a:solidFill>
-                <a:srgbClr val="FFFFFF"/>
-              </a:solidFill>
-              <a:latin typeface="IM FELL DW Pica"/>
-              <a:ea typeface="IM FELL DW Pica"/>
-              <a:cs typeface="IM FELL DW Pica"/>
-              <a:sym typeface="IM FELL DW Pica"/>
-            </a:endParaRPr>
           </a:p>
           <a:p>
             <a:pPr lvl="0" algn="ctr"/>
@@ -10654,12 +9964,12 @@
   <p:clrMapOvr>
     <a:masterClrMapping/>
   </p:clrMapOvr>
-  <p:transition spd="med" advClick="1"/>
+  <p:transition spd="med"/>
 </p:sld>
 </file>
 
 <file path=ppt/slides/slide77.xml><?xml version="1.0" encoding="utf-8"?>
-<p:sld xmlns:a="http://schemas.openxmlformats.org/drawingml/2006/main" xmlns:r="http://schemas.openxmlformats.org/officeDocument/2006/relationships" xmlns:p="http://schemas.openxmlformats.org/presentationml/2006/main" showMasterSp="1" showMasterPhAnim="1">
+<p:sld xmlns:a="http://schemas.openxmlformats.org/drawingml/2006/main" xmlns:r="http://schemas.openxmlformats.org/officeDocument/2006/relationships" xmlns:p="http://schemas.openxmlformats.org/presentationml/2006/main">
   <p:cSld>
     <p:spTree>
       <p:nvGrpSpPr>
@@ -10694,7 +10004,7 @@
           </a:ln>
           <a:extLst>
             <a:ext uri="{C572A759-6A51-4108-AA02-DFA0A04FC94B}">
-              <ma14:wrappingTextBoxFlag xmlns:ma14="http://schemas.microsoft.com/office/mac/drawingml/2011/main" val="1"/>
+              <ma14:wrappingTextBoxFlag xmlns:ma14="http://schemas.microsoft.com/office/mac/drawingml/2011/main" xmlns="" val="1"/>
             </a:ext>
           </a:extLst>
         </p:spPr>
@@ -10717,15 +10027,6 @@
               </a:rPr>
               <a:t>听着朋友们 我说到做到</a:t>
             </a:r>
-            <a:endParaRPr sz="3200">
-              <a:solidFill>
-                <a:srgbClr val="FFFFFF"/>
-              </a:solidFill>
-              <a:latin typeface="IM FELL DW Pica"/>
-              <a:ea typeface="IM FELL DW Pica"/>
-              <a:cs typeface="IM FELL DW Pica"/>
-              <a:sym typeface="IM FELL DW Pica"/>
-            </a:endParaRPr>
           </a:p>
           <a:p>
             <a:pPr lvl="0" algn="ctr"/>
@@ -10749,12 +10050,12 @@
   <p:clrMapOvr>
     <a:masterClrMapping/>
   </p:clrMapOvr>
-  <p:transition spd="med" advClick="1"/>
+  <p:transition spd="med"/>
 </p:sld>
 </file>
 
 <file path=ppt/slides/slide78.xml><?xml version="1.0" encoding="utf-8"?>
-<p:sld xmlns:a="http://schemas.openxmlformats.org/drawingml/2006/main" xmlns:r="http://schemas.openxmlformats.org/officeDocument/2006/relationships" xmlns:p="http://schemas.openxmlformats.org/presentationml/2006/main" showMasterSp="1" showMasterPhAnim="1">
+<p:sld xmlns:a="http://schemas.openxmlformats.org/drawingml/2006/main" xmlns:r="http://schemas.openxmlformats.org/officeDocument/2006/relationships" xmlns:p="http://schemas.openxmlformats.org/presentationml/2006/main">
   <p:cSld>
     <p:spTree>
       <p:nvGrpSpPr>
@@ -10789,7 +10090,7 @@
           </a:ln>
           <a:extLst>
             <a:ext uri="{C572A759-6A51-4108-AA02-DFA0A04FC94B}">
-              <ma14:wrappingTextBoxFlag xmlns:ma14="http://schemas.microsoft.com/office/mac/drawingml/2011/main" val="1"/>
+              <ma14:wrappingTextBoxFlag xmlns:ma14="http://schemas.microsoft.com/office/mac/drawingml/2011/main" xmlns="" val="1"/>
             </a:ext>
           </a:extLst>
         </p:spPr>
@@ -10812,15 +10113,6 @@
               </a:rPr>
               <a:t>我到过他们的阵地 清点过他们的人数</a:t>
             </a:r>
-            <a:endParaRPr sz="3200">
-              <a:solidFill>
-                <a:srgbClr val="FFFFFF"/>
-              </a:solidFill>
-              <a:latin typeface="IM FELL DW Pica"/>
-              <a:ea typeface="IM FELL DW Pica"/>
-              <a:cs typeface="IM FELL DW Pica"/>
-              <a:sym typeface="IM FELL DW Pica"/>
-            </a:endParaRPr>
           </a:p>
           <a:p>
             <a:pPr lvl="0" algn="ctr"/>
@@ -10844,12 +10136,12 @@
   <p:clrMapOvr>
     <a:masterClrMapping/>
   </p:clrMapOvr>
-  <p:transition spd="med" advClick="1"/>
+  <p:transition spd="med"/>
 </p:sld>
 </file>
 
 <file path=ppt/slides/slide79.xml><?xml version="1.0" encoding="utf-8"?>
-<p:sld xmlns:a="http://schemas.openxmlformats.org/drawingml/2006/main" xmlns:r="http://schemas.openxmlformats.org/officeDocument/2006/relationships" xmlns:p="http://schemas.openxmlformats.org/presentationml/2006/main" showMasterSp="1" showMasterPhAnim="1">
+<p:sld xmlns:a="http://schemas.openxmlformats.org/drawingml/2006/main" xmlns:r="http://schemas.openxmlformats.org/officeDocument/2006/relationships" xmlns:p="http://schemas.openxmlformats.org/presentationml/2006/main">
   <p:cSld>
     <p:spTree>
       <p:nvGrpSpPr>
@@ -10884,7 +10176,7 @@
           </a:ln>
           <a:extLst>
             <a:ext uri="{C572A759-6A51-4108-AA02-DFA0A04FC94B}">
-              <ma14:wrappingTextBoxFlag xmlns:ma14="http://schemas.microsoft.com/office/mac/drawingml/2011/main" val="1"/>
+              <ma14:wrappingTextBoxFlag xmlns:ma14="http://schemas.microsoft.com/office/mac/drawingml/2011/main" xmlns="" val="1"/>
             </a:ext>
           </a:extLst>
         </p:spPr>
@@ -10907,15 +10199,6 @@
               </a:rPr>
               <a:t>我将知无不言 </a:t>
             </a:r>
-            <a:endParaRPr sz="3200">
-              <a:solidFill>
-                <a:srgbClr val="FFFFFF"/>
-              </a:solidFill>
-              <a:latin typeface="IM FELL DW Pica"/>
-              <a:ea typeface="IM FELL DW Pica"/>
-              <a:cs typeface="IM FELL DW Pica"/>
-              <a:sym typeface="IM FELL DW Pica"/>
-            </a:endParaRPr>
           </a:p>
           <a:p>
             <a:pPr lvl="0" algn="ctr"/>
@@ -10939,12 +10222,12 @@
   <p:clrMapOvr>
     <a:masterClrMapping/>
   </p:clrMapOvr>
-  <p:transition spd="med" advClick="1"/>
+  <p:transition spd="med"/>
 </p:sld>
 </file>
 
 <file path=ppt/slides/slide8.xml><?xml version="1.0" encoding="utf-8"?>
-<p:sld xmlns:a="http://schemas.openxmlformats.org/drawingml/2006/main" xmlns:r="http://schemas.openxmlformats.org/officeDocument/2006/relationships" xmlns:p="http://schemas.openxmlformats.org/presentationml/2006/main" showMasterSp="1" showMasterPhAnim="1">
+<p:sld xmlns:a="http://schemas.openxmlformats.org/drawingml/2006/main" xmlns:r="http://schemas.openxmlformats.org/officeDocument/2006/relationships" xmlns:p="http://schemas.openxmlformats.org/presentationml/2006/main">
   <p:cSld>
     <p:spTree>
       <p:nvGrpSpPr>
@@ -10979,7 +10262,7 @@
           </a:ln>
           <a:extLst>
             <a:ext uri="{C572A759-6A51-4108-AA02-DFA0A04FC94B}">
-              <ma14:wrappingTextBoxFlag xmlns:ma14="http://schemas.microsoft.com/office/mac/drawingml/2011/main" val="1"/>
+              <ma14:wrappingTextBoxFlag xmlns:ma14="http://schemas.microsoft.com/office/mac/drawingml/2011/main" xmlns="" val="1"/>
             </a:ext>
           </a:extLst>
         </p:spPr>
@@ -11002,15 +10285,6 @@
               </a:rPr>
               <a:t>喂 小男孩 这是谁?</a:t>
             </a:r>
-            <a:endParaRPr sz="3200">
-              <a:solidFill>
-                <a:srgbClr val="FFFFFF"/>
-              </a:solidFill>
-              <a:latin typeface="IM FELL DW Pica"/>
-              <a:ea typeface="IM FELL DW Pica"/>
-              <a:cs typeface="IM FELL DW Pica"/>
-              <a:sym typeface="IM FELL DW Pica"/>
-            </a:endParaRPr>
           </a:p>
           <a:p>
             <a:pPr lvl="0" algn="ctr"/>
@@ -11034,12 +10308,12 @@
   <p:clrMapOvr>
     <a:masterClrMapping/>
   </p:clrMapOvr>
-  <p:transition spd="med" advClick="1"/>
+  <p:transition spd="med"/>
 </p:sld>
 </file>
 
 <file path=ppt/slides/slide80.xml><?xml version="1.0" encoding="utf-8"?>
-<p:sld xmlns:a="http://schemas.openxmlformats.org/drawingml/2006/main" xmlns:r="http://schemas.openxmlformats.org/officeDocument/2006/relationships" xmlns:p="http://schemas.openxmlformats.org/presentationml/2006/main" showMasterSp="1" showMasterPhAnim="1">
+<p:sld xmlns:a="http://schemas.openxmlformats.org/drawingml/2006/main" xmlns:r="http://schemas.openxmlformats.org/officeDocument/2006/relationships" xmlns:p="http://schemas.openxmlformats.org/presentationml/2006/main">
   <p:cSld>
     <p:spTree>
       <p:nvGrpSpPr>
@@ -11074,7 +10348,7 @@
           </a:ln>
           <a:extLst>
             <a:ext uri="{C572A759-6A51-4108-AA02-DFA0A04FC94B}">
-              <ma14:wrappingTextBoxFlag xmlns:ma14="http://schemas.microsoft.com/office/mac/drawingml/2011/main" val="1"/>
+              <ma14:wrappingTextBoxFlag xmlns:ma14="http://schemas.microsoft.com/office/mac/drawingml/2011/main" xmlns="" val="1"/>
             </a:ext>
           </a:extLst>
         </p:spPr>
@@ -11097,15 +10371,6 @@
               </a:rPr>
               <a:t>要小心 敌方人多势众</a:t>
             </a:r>
-            <a:endParaRPr sz="3200">
-              <a:solidFill>
-                <a:srgbClr val="FFFFFF"/>
-              </a:solidFill>
-              <a:latin typeface="IM FELL DW Pica"/>
-              <a:ea typeface="IM FELL DW Pica"/>
-              <a:cs typeface="IM FELL DW Pica"/>
-              <a:sym typeface="IM FELL DW Pica"/>
-            </a:endParaRPr>
           </a:p>
           <a:p>
             <a:pPr lvl="0" algn="ctr"/>
@@ -11129,12 +10394,12 @@
   <p:clrMapOvr>
     <a:masterClrMapping/>
   </p:clrMapOvr>
-  <p:transition spd="med" advClick="1"/>
+  <p:transition spd="med"/>
 </p:sld>
 </file>
 
 <file path=ppt/slides/slide81.xml><?xml version="1.0" encoding="utf-8"?>
-<p:sld xmlns:a="http://schemas.openxmlformats.org/drawingml/2006/main" xmlns:r="http://schemas.openxmlformats.org/officeDocument/2006/relationships" xmlns:p="http://schemas.openxmlformats.org/presentationml/2006/main" showMasterSp="1" showMasterPhAnim="1">
+<p:sld xmlns:a="http://schemas.openxmlformats.org/drawingml/2006/main" xmlns:r="http://schemas.openxmlformats.org/officeDocument/2006/relationships" xmlns:p="http://schemas.openxmlformats.org/presentationml/2006/main">
   <p:cSld>
     <p:spTree>
       <p:nvGrpSpPr>
@@ -11169,7 +10434,7 @@
           </a:ln>
           <a:extLst>
             <a:ext uri="{C572A759-6A51-4108-AA02-DFA0A04FC94B}">
-              <ma14:wrappingTextBoxFlag xmlns:ma14="http://schemas.microsoft.com/office/mac/drawingml/2011/main" val="1"/>
+              <ma14:wrappingTextBoxFlag xmlns:ma14="http://schemas.microsoft.com/office/mac/drawingml/2011/main" xmlns="" val="1"/>
             </a:ext>
           </a:extLst>
         </p:spPr>
@@ -11192,15 +10457,6 @@
               </a:rPr>
               <a:t>我们十分危险 </a:t>
             </a:r>
-            <a:endParaRPr sz="3200">
-              <a:solidFill>
-                <a:srgbClr val="FFFFFF"/>
-              </a:solidFill>
-              <a:latin typeface="IM FELL DW Pica"/>
-              <a:ea typeface="IM FELL DW Pica"/>
-              <a:cs typeface="IM FELL DW Pica"/>
-              <a:sym typeface="IM FELL DW Pica"/>
-            </a:endParaRPr>
           </a:p>
           <a:p>
             <a:pPr lvl="0" algn="ctr"/>
@@ -11224,12 +10480,12 @@
   <p:clrMapOvr>
     <a:masterClrMapping/>
   </p:clrMapOvr>
-  <p:transition spd="med" advClick="1"/>
+  <p:transition spd="med"/>
 </p:sld>
 </file>
 
 <file path=ppt/slides/slide82.xml><?xml version="1.0" encoding="utf-8"?>
-<p:sld xmlns:a="http://schemas.openxmlformats.org/drawingml/2006/main" xmlns:r="http://schemas.openxmlformats.org/officeDocument/2006/relationships" xmlns:p="http://schemas.openxmlformats.org/presentationml/2006/main" showMasterSp="1" showMasterPhAnim="1">
+<p:sld xmlns:a="http://schemas.openxmlformats.org/drawingml/2006/main" xmlns:r="http://schemas.openxmlformats.org/officeDocument/2006/relationships" xmlns:p="http://schemas.openxmlformats.org/presentationml/2006/main">
   <p:cSld>
     <p:spTree>
       <p:nvGrpSpPr>
@@ -11264,7 +10520,7 @@
           </a:ln>
           <a:extLst>
             <a:ext uri="{C572A759-6A51-4108-AA02-DFA0A04FC94B}">
-              <ma14:wrappingTextBoxFlag xmlns:ma14="http://schemas.microsoft.com/office/mac/drawingml/2011/main" val="1"/>
+              <ma14:wrappingTextBoxFlag xmlns:ma14="http://schemas.microsoft.com/office/mac/drawingml/2011/main" xmlns="" val="1"/>
             </a:ext>
           </a:extLst>
         </p:spPr>
@@ -11287,15 +10543,6 @@
               </a:rPr>
               <a:t>要有信心 </a:t>
             </a:r>
-            <a:endParaRPr sz="3200">
-              <a:solidFill>
-                <a:srgbClr val="FFFFFF"/>
-              </a:solidFill>
-              <a:latin typeface="IM FELL DW Pica"/>
-              <a:ea typeface="IM FELL DW Pica"/>
-              <a:cs typeface="IM FELL DW Pica"/>
-              <a:sym typeface="IM FELL DW Pica"/>
-            </a:endParaRPr>
           </a:p>
           <a:p>
             <a:pPr lvl="0" algn="ctr"/>
@@ -11319,12 +10566,12 @@
   <p:clrMapOvr>
     <a:masterClrMapping/>
   </p:clrMapOvr>
-  <p:transition spd="med" advClick="1"/>
+  <p:transition spd="med"/>
 </p:sld>
 </file>
 
 <file path=ppt/slides/slide83.xml><?xml version="1.0" encoding="utf-8"?>
-<p:sld xmlns:a="http://schemas.openxmlformats.org/drawingml/2006/main" xmlns:r="http://schemas.openxmlformats.org/officeDocument/2006/relationships" xmlns:p="http://schemas.openxmlformats.org/presentationml/2006/main" showMasterSp="1" showMasterPhAnim="1">
+<p:sld xmlns:a="http://schemas.openxmlformats.org/drawingml/2006/main" xmlns:r="http://schemas.openxmlformats.org/officeDocument/2006/relationships" xmlns:p="http://schemas.openxmlformats.org/presentationml/2006/main">
   <p:cSld>
     <p:spTree>
       <p:nvGrpSpPr>
@@ -11359,7 +10606,7 @@
           </a:ln>
           <a:extLst>
             <a:ext uri="{C572A759-6A51-4108-AA02-DFA0A04FC94B}">
-              <ma14:wrappingTextBoxFlag xmlns:ma14="http://schemas.microsoft.com/office/mac/drawingml/2011/main" val="1"/>
+              <ma14:wrappingTextBoxFlag xmlns:ma14="http://schemas.microsoft.com/office/mac/drawingml/2011/main" xmlns="" val="1"/>
             </a:ext>
           </a:extLst>
         </p:spPr>
@@ -11382,15 +10629,6 @@
               </a:rPr>
               <a:t>既然你知道他们的动向 我们就先发制人</a:t>
             </a:r>
-            <a:endParaRPr sz="3200">
-              <a:solidFill>
-                <a:srgbClr val="FFFFFF"/>
-              </a:solidFill>
-              <a:latin typeface="IM FELL DW Pica"/>
-              <a:ea typeface="IM FELL DW Pica"/>
-              <a:cs typeface="IM FELL DW Pica"/>
-              <a:sym typeface="IM FELL DW Pica"/>
-            </a:endParaRPr>
           </a:p>
           <a:p>
             <a:pPr lvl="0" algn="ctr"/>
@@ -11414,12 +10652,12 @@
   <p:clrMapOvr>
     <a:masterClrMapping/>
   </p:clrMapOvr>
-  <p:transition spd="med" advClick="1"/>
+  <p:transition spd="med"/>
 </p:sld>
 </file>
 
 <file path=ppt/slides/slide84.xml><?xml version="1.0" encoding="utf-8"?>
-<p:sld xmlns:a="http://schemas.openxmlformats.org/drawingml/2006/main" xmlns:r="http://schemas.openxmlformats.org/officeDocument/2006/relationships" xmlns:p="http://schemas.openxmlformats.org/presentationml/2006/main" showMasterSp="1" showMasterPhAnim="1">
+<p:sld xmlns:a="http://schemas.openxmlformats.org/drawingml/2006/main" xmlns:r="http://schemas.openxmlformats.org/officeDocument/2006/relationships" xmlns:p="http://schemas.openxmlformats.org/presentationml/2006/main">
   <p:cSld>
     <p:spTree>
       <p:nvGrpSpPr>
@@ -11454,7 +10692,7 @@
           </a:ln>
           <a:extLst>
             <a:ext uri="{C572A759-6A51-4108-AA02-DFA0A04FC94B}">
-              <ma14:wrappingTextBoxFlag xmlns:ma14="http://schemas.microsoft.com/office/mac/drawingml/2011/main" val="1"/>
+              <ma14:wrappingTextBoxFlag xmlns:ma14="http://schemas.microsoft.com/office/mac/drawingml/2011/main" xmlns="" val="1"/>
             </a:ext>
           </a:extLst>
         </p:spPr>
@@ -11477,15 +10715,6 @@
               </a:rPr>
               <a:t>打仗的方法千变万化 </a:t>
             </a:r>
-            <a:endParaRPr sz="3200">
-              <a:solidFill>
-                <a:srgbClr val="FFFFFF"/>
-              </a:solidFill>
-              <a:latin typeface="IM FELL DW Pica"/>
-              <a:ea typeface="IM FELL DW Pica"/>
-              <a:cs typeface="IM FELL DW Pica"/>
-              <a:sym typeface="IM FELL DW Pica"/>
-            </a:endParaRPr>
           </a:p>
           <a:p>
             <a:pPr lvl="0" algn="ctr"/>
@@ -11509,12 +10738,12 @@
   <p:clrMapOvr>
     <a:masterClrMapping/>
   </p:clrMapOvr>
-  <p:transition spd="med" advClick="1"/>
+  <p:transition spd="med"/>
 </p:sld>
 </file>
 
 <file path=ppt/slides/slide85.xml><?xml version="1.0" encoding="utf-8"?>
-<p:sld xmlns:a="http://schemas.openxmlformats.org/drawingml/2006/main" xmlns:r="http://schemas.openxmlformats.org/officeDocument/2006/relationships" xmlns:p="http://schemas.openxmlformats.org/presentationml/2006/main" showMasterSp="1" showMasterPhAnim="1">
+<p:sld xmlns:a="http://schemas.openxmlformats.org/drawingml/2006/main" xmlns:r="http://schemas.openxmlformats.org/officeDocument/2006/relationships" xmlns:p="http://schemas.openxmlformats.org/presentationml/2006/main">
   <p:cSld>
     <p:spTree>
       <p:nvGrpSpPr>
@@ -11549,7 +10778,7 @@
           </a:ln>
           <a:extLst>
             <a:ext uri="{C572A759-6A51-4108-AA02-DFA0A04FC94B}">
-              <ma14:wrappingTextBoxFlag xmlns:ma14="http://schemas.microsoft.com/office/mac/drawingml/2011/main" val="1"/>
+              <ma14:wrappingTextBoxFlag xmlns:ma14="http://schemas.microsoft.com/office/mac/drawingml/2011/main" xmlns="" val="1"/>
             </a:ext>
           </a:extLst>
         </p:spPr>
@@ -11572,15 +10801,6 @@
               </a:rPr>
               <a:t>我们会四两拨千斤 </a:t>
             </a:r>
-            <a:endParaRPr sz="3200">
-              <a:solidFill>
-                <a:srgbClr val="FFFFFF"/>
-              </a:solidFill>
-              <a:latin typeface="IM FELL DW Pica"/>
-              <a:ea typeface="IM FELL DW Pica"/>
-              <a:cs typeface="IM FELL DW Pica"/>
-              <a:sym typeface="IM FELL DW Pica"/>
-            </a:endParaRPr>
           </a:p>
           <a:p>
             <a:pPr lvl="0" algn="ctr"/>
@@ -11604,12 +10824,12 @@
   <p:clrMapOvr>
     <a:masterClrMapping/>
   </p:clrMapOvr>
-  <p:transition spd="med" advClick="1"/>
+  <p:transition spd="med"/>
 </p:sld>
 </file>
 
 <file path=ppt/slides/slide86.xml><?xml version="1.0" encoding="utf-8"?>
-<p:sld xmlns:a="http://schemas.openxmlformats.org/drawingml/2006/main" xmlns:r="http://schemas.openxmlformats.org/officeDocument/2006/relationships" xmlns:p="http://schemas.openxmlformats.org/presentationml/2006/main" showMasterSp="1" showMasterPhAnim="1">
+<p:sld xmlns:a="http://schemas.openxmlformats.org/drawingml/2006/main" xmlns:r="http://schemas.openxmlformats.org/officeDocument/2006/relationships" xmlns:p="http://schemas.openxmlformats.org/presentationml/2006/main">
   <p:cSld>
     <p:spTree>
       <p:nvGrpSpPr>
@@ -11644,7 +10864,7 @@
           </a:ln>
           <a:extLst>
             <a:ext uri="{C572A759-6A51-4108-AA02-DFA0A04FC94B}">
-              <ma14:wrappingTextBoxFlag xmlns:ma14="http://schemas.microsoft.com/office/mac/drawingml/2011/main" val="1"/>
+              <ma14:wrappingTextBoxFlag xmlns:ma14="http://schemas.microsoft.com/office/mac/drawingml/2011/main" xmlns="" val="1"/>
             </a:ext>
           </a:extLst>
         </p:spPr>
@@ -11667,15 +10887,6 @@
               </a:rPr>
               <a:t>我听到了他们的计划 今晚不会进攻</a:t>
             </a:r>
-            <a:endParaRPr sz="3200">
-              <a:solidFill>
-                <a:srgbClr val="FFFFFF"/>
-              </a:solidFill>
-              <a:latin typeface="IM FELL DW Pica"/>
-              <a:ea typeface="IM FELL DW Pica"/>
-              <a:cs typeface="IM FELL DW Pica"/>
-              <a:sym typeface="IM FELL DW Pica"/>
-            </a:endParaRPr>
           </a:p>
           <a:p>
             <a:pPr lvl="0" algn="ctr"/>
@@ -11699,12 +10910,12 @@
   <p:clrMapOvr>
     <a:masterClrMapping/>
   </p:clrMapOvr>
-  <p:transition spd="med" advClick="1"/>
+  <p:transition spd="med"/>
 </p:sld>
 </file>
 
 <file path=ppt/slides/slide87.xml><?xml version="1.0" encoding="utf-8"?>
-<p:sld xmlns:a="http://schemas.openxmlformats.org/drawingml/2006/main" xmlns:r="http://schemas.openxmlformats.org/officeDocument/2006/relationships" xmlns:p="http://schemas.openxmlformats.org/presentationml/2006/main" showMasterSp="1" showMasterPhAnim="1">
+<p:sld xmlns:a="http://schemas.openxmlformats.org/drawingml/2006/main" xmlns:r="http://schemas.openxmlformats.org/officeDocument/2006/relationships" xmlns:p="http://schemas.openxmlformats.org/presentationml/2006/main">
   <p:cSld>
     <p:spTree>
       <p:nvGrpSpPr>
@@ -11739,7 +10950,7 @@
           </a:ln>
           <a:extLst>
             <a:ext uri="{C572A759-6A51-4108-AA02-DFA0A04FC94B}">
-              <ma14:wrappingTextBoxFlag xmlns:ma14="http://schemas.microsoft.com/office/mac/drawingml/2011/main" val="1"/>
+              <ma14:wrappingTextBoxFlag xmlns:ma14="http://schemas.microsoft.com/office/mac/drawingml/2011/main" xmlns="" val="1"/>
             </a:ext>
           </a:extLst>
         </p:spPr>
@@ -11762,15 +10973,6 @@
               </a:rPr>
               <a:t>他们想先耗尽我们补给 再一举拿下</a:t>
             </a:r>
-            <a:endParaRPr sz="3200">
-              <a:solidFill>
-                <a:srgbClr val="FFFFFF"/>
-              </a:solidFill>
-              <a:latin typeface="IM FELL DW Pica"/>
-              <a:ea typeface="IM FELL DW Pica"/>
-              <a:cs typeface="IM FELL DW Pica"/>
-              <a:sym typeface="IM FELL DW Pica"/>
-            </a:endParaRPr>
           </a:p>
           <a:p>
             <a:pPr lvl="0" algn="ctr"/>
@@ -11794,12 +10996,12 @@
   <p:clrMapOvr>
     <a:masterClrMapping/>
   </p:clrMapOvr>
-  <p:transition spd="med" advClick="1"/>
+  <p:transition spd="med"/>
 </p:sld>
 </file>
 
 <file path=ppt/slides/slide88.xml><?xml version="1.0" encoding="utf-8"?>
-<p:sld xmlns:a="http://schemas.openxmlformats.org/drawingml/2006/main" xmlns:r="http://schemas.openxmlformats.org/officeDocument/2006/relationships" xmlns:p="http://schemas.openxmlformats.org/presentationml/2006/main" showMasterSp="1" showMasterPhAnim="1">
+<p:sld xmlns:a="http://schemas.openxmlformats.org/drawingml/2006/main" xmlns:r="http://schemas.openxmlformats.org/officeDocument/2006/relationships" xmlns:p="http://schemas.openxmlformats.org/presentationml/2006/main">
   <p:cSld>
     <p:spTree>
       <p:nvGrpSpPr>
@@ -11834,7 +11036,7 @@
           </a:ln>
           <a:extLst>
             <a:ext uri="{C572A759-6A51-4108-AA02-DFA0A04FC94B}">
-              <ma14:wrappingTextBoxFlag xmlns:ma14="http://schemas.microsoft.com/office/mac/drawingml/2011/main" val="1"/>
+              <ma14:wrappingTextBoxFlag xmlns:ma14="http://schemas.microsoft.com/office/mac/drawingml/2011/main" xmlns="" val="1"/>
             </a:ext>
           </a:extLst>
         </p:spPr>
@@ -11857,15 +11059,6 @@
               </a:rPr>
               <a:t>他们会集中兵力 主攻右翼</a:t>
             </a:r>
-            <a:endParaRPr sz="3200">
-              <a:solidFill>
-                <a:srgbClr val="FFFFFF"/>
-              </a:solidFill>
-              <a:latin typeface="IM FELL DW Pica"/>
-              <a:ea typeface="IM FELL DW Pica"/>
-              <a:cs typeface="IM FELL DW Pica"/>
-              <a:sym typeface="IM FELL DW Pica"/>
-            </a:endParaRPr>
           </a:p>
           <a:p>
             <a:pPr lvl="0" algn="ctr"/>
@@ -11889,12 +11082,12 @@
   <p:clrMapOvr>
     <a:masterClrMapping/>
   </p:clrMapOvr>
-  <p:transition spd="med" advClick="1"/>
+  <p:transition spd="med"/>
 </p:sld>
 </file>
 
 <file path=ppt/slides/slide89.xml><?xml version="1.0" encoding="utf-8"?>
-<p:sld xmlns:a="http://schemas.openxmlformats.org/drawingml/2006/main" xmlns:r="http://schemas.openxmlformats.org/officeDocument/2006/relationships" xmlns:p="http://schemas.openxmlformats.org/presentationml/2006/main" showMasterSp="1" showMasterPhAnim="1">
+<p:sld xmlns:a="http://schemas.openxmlformats.org/drawingml/2006/main" xmlns:r="http://schemas.openxmlformats.org/officeDocument/2006/relationships" xmlns:p="http://schemas.openxmlformats.org/presentationml/2006/main">
   <p:cSld>
     <p:spTree>
       <p:nvGrpSpPr>
@@ -11929,7 +11122,7 @@
           </a:ln>
           <a:extLst>
             <a:ext uri="{C572A759-6A51-4108-AA02-DFA0A04FC94B}">
-              <ma14:wrappingTextBoxFlag xmlns:ma14="http://schemas.microsoft.com/office/mac/drawingml/2011/main" val="1"/>
+              <ma14:wrappingTextBoxFlag xmlns:ma14="http://schemas.microsoft.com/office/mac/drawingml/2011/main" xmlns="" val="1"/>
             </a:ext>
           </a:extLst>
         </p:spPr>
@@ -11952,15 +11145,6 @@
               </a:rPr>
               <a:t>骗子 </a:t>
             </a:r>
-            <a:endParaRPr sz="3200">
-              <a:solidFill>
-                <a:srgbClr val="FFFFFF"/>
-              </a:solidFill>
-              <a:latin typeface="IM FELL DW Pica"/>
-              <a:ea typeface="IM FELL DW Pica"/>
-              <a:cs typeface="IM FELL DW Pica"/>
-              <a:sym typeface="IM FELL DW Pica"/>
-            </a:endParaRPr>
           </a:p>
           <a:p>
             <a:pPr lvl="0" algn="ctr"/>
@@ -11984,12 +11168,12 @@
   <p:clrMapOvr>
     <a:masterClrMapping/>
   </p:clrMapOvr>
-  <p:transition spd="med" advClick="1"/>
+  <p:transition spd="med"/>
 </p:sld>
 </file>
 
 <file path=ppt/slides/slide9.xml><?xml version="1.0" encoding="utf-8"?>
-<p:sld xmlns:a="http://schemas.openxmlformats.org/drawingml/2006/main" xmlns:r="http://schemas.openxmlformats.org/officeDocument/2006/relationships" xmlns:p="http://schemas.openxmlformats.org/presentationml/2006/main" showMasterSp="1" showMasterPhAnim="1">
+<p:sld xmlns:a="http://schemas.openxmlformats.org/drawingml/2006/main" xmlns:r="http://schemas.openxmlformats.org/officeDocument/2006/relationships" xmlns:p="http://schemas.openxmlformats.org/presentationml/2006/main">
   <p:cSld>
     <p:spTree>
       <p:nvGrpSpPr>
@@ -12024,7 +11208,7 @@
           </a:ln>
           <a:extLst>
             <a:ext uri="{C572A759-6A51-4108-AA02-DFA0A04FC94B}">
-              <ma14:wrappingTextBoxFlag xmlns:ma14="http://schemas.microsoft.com/office/mac/drawingml/2011/main" val="1"/>
+              <ma14:wrappingTextBoxFlag xmlns:ma14="http://schemas.microsoft.com/office/mac/drawingml/2011/main" xmlns="" val="1"/>
             </a:ext>
           </a:extLst>
         </p:spPr>
@@ -12047,15 +11231,6 @@
               </a:rPr>
               <a:t>天啊 爱潘妮 你来干什么</a:t>
             </a:r>
-            <a:endParaRPr sz="3200">
-              <a:solidFill>
-                <a:srgbClr val="FFFFFF"/>
-              </a:solidFill>
-              <a:latin typeface="IM FELL DW Pica"/>
-              <a:ea typeface="IM FELL DW Pica"/>
-              <a:cs typeface="IM FELL DW Pica"/>
-              <a:sym typeface="IM FELL DW Pica"/>
-            </a:endParaRPr>
           </a:p>
           <a:p>
             <a:pPr lvl="0" algn="ctr"/>
@@ -12079,12 +11254,12 @@
   <p:clrMapOvr>
     <a:masterClrMapping/>
   </p:clrMapOvr>
-  <p:transition spd="med" advClick="1"/>
+  <p:transition spd="med"/>
 </p:sld>
 </file>
 
 <file path=ppt/slides/slide90.xml><?xml version="1.0" encoding="utf-8"?>
-<p:sld xmlns:a="http://schemas.openxmlformats.org/drawingml/2006/main" xmlns:r="http://schemas.openxmlformats.org/officeDocument/2006/relationships" xmlns:p="http://schemas.openxmlformats.org/presentationml/2006/main" showMasterSp="1" showMasterPhAnim="1">
+<p:sld xmlns:a="http://schemas.openxmlformats.org/drawingml/2006/main" xmlns:r="http://schemas.openxmlformats.org/officeDocument/2006/relationships" xmlns:p="http://schemas.openxmlformats.org/presentationml/2006/main">
   <p:cSld>
     <p:spTree>
       <p:nvGrpSpPr>
@@ -12119,7 +11294,7 @@
           </a:ln>
           <a:extLst>
             <a:ext uri="{C572A759-6A51-4108-AA02-DFA0A04FC94B}">
-              <ma14:wrappingTextBoxFlag xmlns:ma14="http://schemas.microsoft.com/office/mac/drawingml/2011/main" val="1"/>
+              <ma14:wrappingTextBoxFlag xmlns:ma14="http://schemas.microsoft.com/office/mac/drawingml/2011/main" xmlns="" val="1"/>
             </a:ext>
           </a:extLst>
         </p:spPr>
@@ -12142,15 +11317,6 @@
               </a:rPr>
               <a:t>晚上好 亲爱的警探 多美好的夜晚</a:t>
             </a:r>
-            <a:endParaRPr sz="3200">
-              <a:solidFill>
-                <a:srgbClr val="FFFFFF"/>
-              </a:solidFill>
-              <a:latin typeface="IM FELL DW Pica"/>
-              <a:ea typeface="IM FELL DW Pica"/>
-              <a:cs typeface="IM FELL DW Pica"/>
-              <a:sym typeface="IM FELL DW Pica"/>
-            </a:endParaRPr>
           </a:p>
           <a:p>
             <a:pPr lvl="0" algn="ctr"/>
@@ -12174,12 +11340,12 @@
   <p:clrMapOvr>
     <a:masterClrMapping/>
   </p:clrMapOvr>
-  <p:transition spd="med" advClick="1"/>
+  <p:transition spd="med"/>
 </p:sld>
 </file>
 
 <file path=ppt/slides/slide91.xml><?xml version="1.0" encoding="utf-8"?>
-<p:sld xmlns:a="http://schemas.openxmlformats.org/drawingml/2006/main" xmlns:r="http://schemas.openxmlformats.org/officeDocument/2006/relationships" xmlns:p="http://schemas.openxmlformats.org/presentationml/2006/main" showMasterSp="1" showMasterPhAnim="1">
+<p:sld xmlns:a="http://schemas.openxmlformats.org/drawingml/2006/main" xmlns:r="http://schemas.openxmlformats.org/officeDocument/2006/relationships" xmlns:p="http://schemas.openxmlformats.org/presentationml/2006/main">
   <p:cSld>
     <p:spTree>
       <p:nvGrpSpPr>
@@ -12214,7 +11380,7 @@
           </a:ln>
           <a:extLst>
             <a:ext uri="{C572A759-6A51-4108-AA02-DFA0A04FC94B}">
-              <ma14:wrappingTextBoxFlag xmlns:ma14="http://schemas.microsoft.com/office/mac/drawingml/2011/main" val="1"/>
+              <ma14:wrappingTextBoxFlag xmlns:ma14="http://schemas.microsoft.com/office/mac/drawingml/2011/main" xmlns="" val="1"/>
             </a:ext>
           </a:extLst>
         </p:spPr>
@@ -12237,15 +11403,6 @@
               </a:rPr>
               <a:t>我认识他 朋友们 他是警探沙威</a:t>
             </a:r>
-            <a:endParaRPr sz="3200">
-              <a:solidFill>
-                <a:srgbClr val="FFFFFF"/>
-              </a:solidFill>
-              <a:latin typeface="IM FELL DW Pica"/>
-              <a:ea typeface="IM FELL DW Pica"/>
-              <a:cs typeface="IM FELL DW Pica"/>
-              <a:sym typeface="IM FELL DW Pica"/>
-            </a:endParaRPr>
           </a:p>
           <a:p>
             <a:pPr lvl="0" algn="ctr"/>
@@ -12269,12 +11426,12 @@
   <p:clrMapOvr>
     <a:masterClrMapping/>
   </p:clrMapOvr>
-  <p:transition spd="med" advClick="1"/>
+  <p:transition spd="med"/>
 </p:sld>
 </file>
 
 <file path=ppt/slides/slide92.xml><?xml version="1.0" encoding="utf-8"?>
-<p:sld xmlns:a="http://schemas.openxmlformats.org/drawingml/2006/main" xmlns:r="http://schemas.openxmlformats.org/officeDocument/2006/relationships" xmlns:p="http://schemas.openxmlformats.org/presentationml/2006/main" showMasterSp="1" showMasterPhAnim="1">
+<p:sld xmlns:a="http://schemas.openxmlformats.org/drawingml/2006/main" xmlns:r="http://schemas.openxmlformats.org/officeDocument/2006/relationships" xmlns:p="http://schemas.openxmlformats.org/presentationml/2006/main">
   <p:cSld>
     <p:spTree>
       <p:nvGrpSpPr>
@@ -12309,7 +11466,7 @@
           </a:ln>
           <a:extLst>
             <a:ext uri="{C572A759-6A51-4108-AA02-DFA0A04FC94B}">
-              <ma14:wrappingTextBoxFlag xmlns:ma14="http://schemas.microsoft.com/office/mac/drawingml/2011/main" val="1"/>
+              <ma14:wrappingTextBoxFlag xmlns:ma14="http://schemas.microsoft.com/office/mac/drawingml/2011/main" xmlns="" val="1"/>
             </a:ext>
           </a:extLst>
         </p:spPr>
@@ -12332,15 +11489,6 @@
               </a:rPr>
               <a:t>他的话一个字也别信 全是一派胡言</a:t>
             </a:r>
-            <a:endParaRPr sz="3200">
-              <a:solidFill>
-                <a:srgbClr val="FFFFFF"/>
-              </a:solidFill>
-              <a:latin typeface="IM FELL DW Pica"/>
-              <a:ea typeface="IM FELL DW Pica"/>
-              <a:cs typeface="IM FELL DW Pica"/>
-              <a:sym typeface="IM FELL DW Pica"/>
-            </a:endParaRPr>
           </a:p>
           <a:p>
             <a:pPr lvl="0" algn="ctr"/>
@@ -12364,12 +11512,12 @@
   <p:clrMapOvr>
     <a:masterClrMapping/>
   </p:clrMapOvr>
-  <p:transition spd="med" advClick="1"/>
+  <p:transition spd="med"/>
 </p:sld>
 </file>
 
 <file path=ppt/slides/slide93.xml><?xml version="1.0" encoding="utf-8"?>
-<p:sld xmlns:a="http://schemas.openxmlformats.org/drawingml/2006/main" xmlns:r="http://schemas.openxmlformats.org/officeDocument/2006/relationships" xmlns:p="http://schemas.openxmlformats.org/presentationml/2006/main" showMasterSp="1" showMasterPhAnim="1">
+<p:sld xmlns:a="http://schemas.openxmlformats.org/drawingml/2006/main" xmlns:r="http://schemas.openxmlformats.org/officeDocument/2006/relationships" xmlns:p="http://schemas.openxmlformats.org/presentationml/2006/main">
   <p:cSld>
     <p:spTree>
       <p:nvGrpSpPr>
@@ -12404,7 +11552,7 @@
           </a:ln>
           <a:extLst>
             <a:ext uri="{C572A759-6A51-4108-AA02-DFA0A04FC94B}">
-              <ma14:wrappingTextBoxFlag xmlns:ma14="http://schemas.microsoft.com/office/mac/drawingml/2011/main" val="1"/>
+              <ma14:wrappingTextBoxFlag xmlns:ma14="http://schemas.microsoft.com/office/mac/drawingml/2011/main" xmlns="" val="1"/>
             </a:ext>
           </a:extLst>
         </p:spPr>
@@ -12427,15 +11575,6 @@
               </a:rPr>
               <a:t>只可智取 以妙计图之</a:t>
             </a:r>
-            <a:endParaRPr sz="3200">
-              <a:solidFill>
-                <a:srgbClr val="FFFFFF"/>
-              </a:solidFill>
-              <a:latin typeface="IM FELL DW Pica"/>
-              <a:ea typeface="IM FELL DW Pica"/>
-              <a:cs typeface="IM FELL DW Pica"/>
-              <a:sym typeface="IM FELL DW Pica"/>
-            </a:endParaRPr>
           </a:p>
           <a:p>
             <a:pPr lvl="0" algn="ctr"/>
@@ -12459,12 +11598,12 @@
   <p:clrMapOvr>
     <a:masterClrMapping/>
   </p:clrMapOvr>
-  <p:transition spd="med" advClick="1"/>
+  <p:transition spd="med"/>
 </p:sld>
 </file>
 
 <file path=ppt/slides/slide94.xml><?xml version="1.0" encoding="utf-8"?>
-<p:sld xmlns:a="http://schemas.openxmlformats.org/drawingml/2006/main" xmlns:r="http://schemas.openxmlformats.org/officeDocument/2006/relationships" xmlns:p="http://schemas.openxmlformats.org/presentationml/2006/main" showMasterSp="1" showMasterPhAnim="1">
+<p:sld xmlns:a="http://schemas.openxmlformats.org/drawingml/2006/main" xmlns:r="http://schemas.openxmlformats.org/officeDocument/2006/relationships" xmlns:p="http://schemas.openxmlformats.org/presentationml/2006/main">
   <p:cSld>
     <p:spTree>
       <p:nvGrpSpPr>
@@ -12499,7 +11638,7 @@
           </a:ln>
           <a:extLst>
             <a:ext uri="{C572A759-6A51-4108-AA02-DFA0A04FC94B}">
-              <ma14:wrappingTextBoxFlag xmlns:ma14="http://schemas.microsoft.com/office/mac/drawingml/2011/main" val="1"/>
+              <ma14:wrappingTextBoxFlag xmlns:ma14="http://schemas.microsoft.com/office/mac/drawingml/2011/main" xmlns="" val="1"/>
             </a:ext>
           </a:extLst>
         </p:spPr>
@@ -12522,15 +11661,6 @@
               </a:rPr>
               <a:t>这只能证明 小家伙有大用处</a:t>
             </a:r>
-            <a:endParaRPr sz="3200">
-              <a:solidFill>
-                <a:srgbClr val="FFFFFF"/>
-              </a:solidFill>
-              <a:latin typeface="IM FELL DW Pica"/>
-              <a:ea typeface="IM FELL DW Pica"/>
-              <a:cs typeface="IM FELL DW Pica"/>
-              <a:sym typeface="IM FELL DW Pica"/>
-            </a:endParaRPr>
           </a:p>
           <a:p>
             <a:pPr lvl="0" algn="ctr"/>
@@ -12554,12 +11684,12 @@
   <p:clrMapOvr>
     <a:masterClrMapping/>
   </p:clrMapOvr>
-  <p:transition spd="med" advClick="1"/>
+  <p:transition spd="med"/>
 </p:sld>
 </file>
 
 <file path=ppt/slides/slide95.xml><?xml version="1.0" encoding="utf-8"?>
-<p:sld xmlns:a="http://schemas.openxmlformats.org/drawingml/2006/main" xmlns:r="http://schemas.openxmlformats.org/officeDocument/2006/relationships" xmlns:p="http://schemas.openxmlformats.org/presentationml/2006/main" showMasterSp="1" showMasterPhAnim="1">
+<p:sld xmlns:a="http://schemas.openxmlformats.org/drawingml/2006/main" xmlns:r="http://schemas.openxmlformats.org/officeDocument/2006/relationships" xmlns:p="http://schemas.openxmlformats.org/presentationml/2006/main">
   <p:cSld>
     <p:spTree>
       <p:nvGrpSpPr>
@@ -12594,7 +11724,7 @@
           </a:ln>
           <a:extLst>
             <a:ext uri="{C572A759-6A51-4108-AA02-DFA0A04FC94B}">
-              <ma14:wrappingTextBoxFlag xmlns:ma14="http://schemas.microsoft.com/office/mac/drawingml/2011/main" val="1"/>
+              <ma14:wrappingTextBoxFlag xmlns:ma14="http://schemas.microsoft.com/office/mac/drawingml/2011/main" xmlns="" val="1"/>
             </a:ext>
           </a:extLst>
         </p:spPr>
@@ -12617,15 +11747,6 @@
               </a:rPr>
               <a:t>太棒了 小伽弗洛什 你真是好样的</a:t>
             </a:r>
-            <a:endParaRPr sz="3200">
-              <a:solidFill>
-                <a:srgbClr val="FFFFFF"/>
-              </a:solidFill>
-              <a:latin typeface="IM FELL DW Pica"/>
-              <a:ea typeface="IM FELL DW Pica"/>
-              <a:cs typeface="IM FELL DW Pica"/>
-              <a:sym typeface="IM FELL DW Pica"/>
-            </a:endParaRPr>
           </a:p>
           <a:p>
             <a:pPr lvl="0" algn="ctr"/>
@@ -12649,12 +11770,12 @@
   <p:clrMapOvr>
     <a:masterClrMapping/>
   </p:clrMapOvr>
-  <p:transition spd="med" advClick="1"/>
+  <p:transition spd="med"/>
 </p:sld>
 </file>
 
 <file path=ppt/slides/slide96.xml><?xml version="1.0" encoding="utf-8"?>
-<p:sld xmlns:a="http://schemas.openxmlformats.org/drawingml/2006/main" xmlns:r="http://schemas.openxmlformats.org/officeDocument/2006/relationships" xmlns:p="http://schemas.openxmlformats.org/presentationml/2006/main" showMasterSp="1" showMasterPhAnim="1">
+<p:sld xmlns:a="http://schemas.openxmlformats.org/drawingml/2006/main" xmlns:r="http://schemas.openxmlformats.org/officeDocument/2006/relationships" xmlns:p="http://schemas.openxmlformats.org/presentationml/2006/main">
   <p:cSld>
     <p:spTree>
       <p:nvGrpSpPr>
@@ -12689,7 +11810,7 @@
           </a:ln>
           <a:extLst>
             <a:ext uri="{C572A759-6A51-4108-AA02-DFA0A04FC94B}">
-              <ma14:wrappingTextBoxFlag xmlns:ma14="http://schemas.microsoft.com/office/mac/drawingml/2011/main" val="1"/>
+              <ma14:wrappingTextBoxFlag xmlns:ma14="http://schemas.microsoft.com/office/mac/drawingml/2011/main" xmlns="" val="1"/>
             </a:ext>
           </a:extLst>
         </p:spPr>
@@ -12712,15 +11833,6 @@
               </a:rPr>
               <a:t>现在怎么处置这条狡猾的蛇? </a:t>
             </a:r>
-            <a:endParaRPr sz="3200">
-              <a:solidFill>
-                <a:srgbClr val="FFFFFF"/>
-              </a:solidFill>
-              <a:latin typeface="IM FELL DW Pica"/>
-              <a:ea typeface="IM FELL DW Pica"/>
-              <a:cs typeface="IM FELL DW Pica"/>
-              <a:sym typeface="IM FELL DW Pica"/>
-            </a:endParaRPr>
           </a:p>
           <a:p>
             <a:pPr lvl="0" algn="ctr"/>
@@ -12744,12 +11856,12 @@
   <p:clrMapOvr>
     <a:masterClrMapping/>
   </p:clrMapOvr>
-  <p:transition spd="med" advClick="1"/>
+  <p:transition spd="med"/>
 </p:sld>
 </file>
 
 <file path=ppt/slides/slide97.xml><?xml version="1.0" encoding="utf-8"?>
-<p:sld xmlns:a="http://schemas.openxmlformats.org/drawingml/2006/main" xmlns:r="http://schemas.openxmlformats.org/officeDocument/2006/relationships" xmlns:p="http://schemas.openxmlformats.org/presentationml/2006/main" showMasterSp="1" showMasterPhAnim="1">
+<p:sld xmlns:a="http://schemas.openxmlformats.org/drawingml/2006/main" xmlns:r="http://schemas.openxmlformats.org/officeDocument/2006/relationships" xmlns:p="http://schemas.openxmlformats.org/presentationml/2006/main">
   <p:cSld>
     <p:spTree>
       <p:nvGrpSpPr>
@@ -12784,7 +11896,7 @@
           </a:ln>
           <a:extLst>
             <a:ext uri="{C572A759-6A51-4108-AA02-DFA0A04FC94B}">
-              <ma14:wrappingTextBoxFlag xmlns:ma14="http://schemas.microsoft.com/office/mac/drawingml/2011/main" val="1"/>
+              <ma14:wrappingTextBoxFlag xmlns:ma14="http://schemas.microsoft.com/office/mac/drawingml/2011/main" xmlns="" val="1"/>
             </a:ext>
           </a:extLst>
         </p:spPr>
@@ -12807,15 +11919,6 @@
               </a:rPr>
               <a:t>把他带走 关到酒馆里</a:t>
             </a:r>
-            <a:endParaRPr sz="3200">
-              <a:solidFill>
-                <a:srgbClr val="FFFFFF"/>
-              </a:solidFill>
-              <a:latin typeface="IM FELL DW Pica"/>
-              <a:ea typeface="IM FELL DW Pica"/>
-              <a:cs typeface="IM FELL DW Pica"/>
-              <a:sym typeface="IM FELL DW Pica"/>
-            </a:endParaRPr>
           </a:p>
           <a:p>
             <a:pPr lvl="0" algn="ctr"/>
@@ -12839,12 +11942,12 @@
   <p:clrMapOvr>
     <a:masterClrMapping/>
   </p:clrMapOvr>
-  <p:transition spd="med" advClick="1"/>
+  <p:transition spd="med"/>
 </p:sld>
 </file>
 
 <file path=ppt/slides/slide98.xml><?xml version="1.0" encoding="utf-8"?>
-<p:sld xmlns:a="http://schemas.openxmlformats.org/drawingml/2006/main" xmlns:r="http://schemas.openxmlformats.org/officeDocument/2006/relationships" xmlns:p="http://schemas.openxmlformats.org/presentationml/2006/main" showMasterSp="1" showMasterPhAnim="1">
+<p:sld xmlns:a="http://schemas.openxmlformats.org/drawingml/2006/main" xmlns:r="http://schemas.openxmlformats.org/officeDocument/2006/relationships" xmlns:p="http://schemas.openxmlformats.org/presentationml/2006/main">
   <p:cSld>
     <p:spTree>
       <p:nvGrpSpPr>
@@ -12879,7 +11982,7 @@
           </a:ln>
           <a:extLst>
             <a:ext uri="{C572A759-6A51-4108-AA02-DFA0A04FC94B}">
-              <ma14:wrappingTextBoxFlag xmlns:ma14="http://schemas.microsoft.com/office/mac/drawingml/2011/main" val="1"/>
+              <ma14:wrappingTextBoxFlag xmlns:ma14="http://schemas.microsoft.com/office/mac/drawingml/2011/main" xmlns="" val="1"/>
             </a:ext>
           </a:extLst>
         </p:spPr>
@@ -12902,15 +12005,6 @@
               </a:rPr>
               <a:t>你的命运由人民决定 沙威警探</a:t>
             </a:r>
-            <a:endParaRPr sz="3200">
-              <a:solidFill>
-                <a:srgbClr val="FFFFFF"/>
-              </a:solidFill>
-              <a:latin typeface="IM FELL DW Pica"/>
-              <a:ea typeface="IM FELL DW Pica"/>
-              <a:cs typeface="IM FELL DW Pica"/>
-              <a:sym typeface="IM FELL DW Pica"/>
-            </a:endParaRPr>
           </a:p>
           <a:p>
             <a:pPr lvl="0" algn="ctr"/>
@@ -12934,12 +12028,12 @@
   <p:clrMapOvr>
     <a:masterClrMapping/>
   </p:clrMapOvr>
-  <p:transition spd="med" advClick="1"/>
+  <p:transition spd="med"/>
 </p:sld>
 </file>
 
 <file path=ppt/slides/slide99.xml><?xml version="1.0" encoding="utf-8"?>
-<p:sld xmlns:a="http://schemas.openxmlformats.org/drawingml/2006/main" xmlns:r="http://schemas.openxmlformats.org/officeDocument/2006/relationships" xmlns:p="http://schemas.openxmlformats.org/presentationml/2006/main" showMasterSp="1" showMasterPhAnim="1">
+<p:sld xmlns:a="http://schemas.openxmlformats.org/drawingml/2006/main" xmlns:r="http://schemas.openxmlformats.org/officeDocument/2006/relationships" xmlns:p="http://schemas.openxmlformats.org/presentationml/2006/main">
   <p:cSld>
     <p:spTree>
       <p:nvGrpSpPr>
@@ -12974,7 +12068,7 @@
           </a:ln>
           <a:extLst>
             <a:ext uri="{C572A759-6A51-4108-AA02-DFA0A04FC94B}">
-              <ma14:wrappingTextBoxFlag xmlns:ma14="http://schemas.microsoft.com/office/mac/drawingml/2011/main" val="1"/>
+              <ma14:wrappingTextBoxFlag xmlns:ma14="http://schemas.microsoft.com/office/mac/drawingml/2011/main" xmlns="" val="1"/>
             </a:ext>
           </a:extLst>
         </p:spPr>
@@ -12997,15 +12091,6 @@
               </a:rPr>
               <a:t>要杀要留 随你们这帮小男生高兴</a:t>
             </a:r>
-            <a:endParaRPr sz="3200">
-              <a:solidFill>
-                <a:srgbClr val="FFFFFF"/>
-              </a:solidFill>
-              <a:latin typeface="IM FELL DW Pica"/>
-              <a:ea typeface="IM FELL DW Pica"/>
-              <a:cs typeface="IM FELL DW Pica"/>
-              <a:sym typeface="IM FELL DW Pica"/>
-            </a:endParaRPr>
           </a:p>
           <a:p>
             <a:pPr lvl="0" algn="ctr"/>
@@ -13029,12 +12114,12 @@
   <p:clrMapOvr>
     <a:masterClrMapping/>
   </p:clrMapOvr>
-  <p:transition spd="med" advClick="1"/>
+  <p:transition spd="med"/>
 </p:sld>
 </file>
 
 <file path=ppt/theme/theme1.xml><?xml version="1.0" encoding="utf-8"?>
-<a:theme xmlns:a="http://schemas.openxmlformats.org/drawingml/2006/main" xmlns:r="http://schemas.openxmlformats.org/officeDocument/2006/relationships" name="Default">
+<a:theme xmlns:a="http://schemas.openxmlformats.org/drawingml/2006/main" name="Default">
   <a:themeElements>
     <a:clrScheme name="Default">
       <a:dk1>
@@ -13235,7 +12320,7 @@
         </a:ln>
         <a:effectLst/>
       </a:spPr>
-      <a:bodyPr rot="0" spcFirstLastPara="1" vertOverflow="overflow" horzOverflow="overflow" vert="horz" wrap="square" lIns="45719" tIns="45719" rIns="45719" bIns="45719" numCol="1" spcCol="38100" rtlCol="0" anchor="ctr" upright="0">
+      <a:bodyPr rot="0" spcFirstLastPara="1" vertOverflow="overflow" horzOverflow="overflow" vert="horz" wrap="square" lIns="45719" tIns="45719" rIns="45719" bIns="45719" numCol="1" spcCol="38100" rtlCol="0" anchor="ctr">
         <a:spAutoFit/>
       </a:bodyPr>
       <a:lstStyle>
@@ -13254,7 +12339,7 @@
           <a:buFontTx/>
           <a:buNone/>
           <a:tabLst/>
-          <a:defRPr b="0" baseline="0" cap="none" i="0" spc="0" strike="noStrike" sz="1800" u="none" kumimoji="0" normalizeH="0">
+          <a:defRPr kumimoji="0" sz="1800" b="0" i="0" u="none" strike="noStrike" cap="none" spc="0" normalizeH="0" baseline="0">
             <a:ln>
               <a:noFill/>
             </a:ln>
@@ -13284,7 +12369,7 @@
           <a:buFontTx/>
           <a:buNone/>
           <a:tabLst/>
-          <a:defRPr b="0" baseline="0" cap="none" i="0" spc="0" strike="noStrike" sz="1800" u="none" kumimoji="0" normalizeH="0">
+          <a:defRPr kumimoji="0" sz="1800" b="0" i="0" u="none" strike="noStrike" cap="none" spc="0" normalizeH="0" baseline="0">
             <a:ln>
               <a:noFill/>
             </a:ln>
@@ -13310,7 +12395,7 @@
           <a:buFontTx/>
           <a:buNone/>
           <a:tabLst/>
-          <a:defRPr b="0" baseline="0" cap="none" i="0" spc="0" strike="noStrike" sz="1800" u="none" kumimoji="0" normalizeH="0">
+          <a:defRPr kumimoji="0" sz="1800" b="0" i="0" u="none" strike="noStrike" cap="none" spc="0" normalizeH="0" baseline="0">
             <a:ln>
               <a:noFill/>
             </a:ln>
@@ -13336,7 +12421,7 @@
           <a:buFontTx/>
           <a:buNone/>
           <a:tabLst/>
-          <a:defRPr b="0" baseline="0" cap="none" i="0" spc="0" strike="noStrike" sz="1800" u="none" kumimoji="0" normalizeH="0">
+          <a:defRPr kumimoji="0" sz="1800" b="0" i="0" u="none" strike="noStrike" cap="none" spc="0" normalizeH="0" baseline="0">
             <a:ln>
               <a:noFill/>
             </a:ln>
@@ -13362,7 +12447,7 @@
           <a:buFontTx/>
           <a:buNone/>
           <a:tabLst/>
-          <a:defRPr b="0" baseline="0" cap="none" i="0" spc="0" strike="noStrike" sz="1800" u="none" kumimoji="0" normalizeH="0">
+          <a:defRPr kumimoji="0" sz="1800" b="0" i="0" u="none" strike="noStrike" cap="none" spc="0" normalizeH="0" baseline="0">
             <a:ln>
               <a:noFill/>
             </a:ln>
@@ -13388,7 +12473,7 @@
           <a:buFontTx/>
           <a:buNone/>
           <a:tabLst/>
-          <a:defRPr b="0" baseline="0" cap="none" i="0" spc="0" strike="noStrike" sz="1800" u="none" kumimoji="0" normalizeH="0">
+          <a:defRPr kumimoji="0" sz="1800" b="0" i="0" u="none" strike="noStrike" cap="none" spc="0" normalizeH="0" baseline="0">
             <a:ln>
               <a:noFill/>
             </a:ln>
@@ -13414,7 +12499,7 @@
           <a:buFontTx/>
           <a:buNone/>
           <a:tabLst/>
-          <a:defRPr b="0" baseline="0" cap="none" i="0" spc="0" strike="noStrike" sz="1800" u="none" kumimoji="0" normalizeH="0">
+          <a:defRPr kumimoji="0" sz="1800" b="0" i="0" u="none" strike="noStrike" cap="none" spc="0" normalizeH="0" baseline="0">
             <a:ln>
               <a:noFill/>
             </a:ln>
@@ -13440,7 +12525,7 @@
           <a:buFontTx/>
           <a:buNone/>
           <a:tabLst/>
-          <a:defRPr b="0" baseline="0" cap="none" i="0" spc="0" strike="noStrike" sz="1800" u="none" kumimoji="0" normalizeH="0">
+          <a:defRPr kumimoji="0" sz="1800" b="0" i="0" u="none" strike="noStrike" cap="none" spc="0" normalizeH="0" baseline="0">
             <a:ln>
               <a:noFill/>
             </a:ln>
@@ -13466,7 +12551,7 @@
           <a:buFontTx/>
           <a:buNone/>
           <a:tabLst/>
-          <a:defRPr b="0" baseline="0" cap="none" i="0" spc="0" strike="noStrike" sz="1800" u="none" kumimoji="0" normalizeH="0">
+          <a:defRPr kumimoji="0" sz="1800" b="0" i="0" u="none" strike="noStrike" cap="none" spc="0" normalizeH="0" baseline="0">
             <a:ln>
               <a:noFill/>
             </a:ln>
@@ -13492,7 +12577,7 @@
           <a:buFontTx/>
           <a:buNone/>
           <a:tabLst/>
-          <a:defRPr b="0" baseline="0" cap="none" i="0" spc="0" strike="noStrike" sz="1800" u="none" kumimoji="0" normalizeH="0">
+          <a:defRPr kumimoji="0" sz="1800" b="0" i="0" u="none" strike="noStrike" cap="none" spc="0" normalizeH="0" baseline="0">
             <a:ln>
               <a:noFill/>
             </a:ln>
@@ -13505,9 +12590,15 @@
         </a:lvl9pPr>
       </a:lstStyle>
       <a:style>
-        <a:lnRef idx="0"/>
-        <a:fillRef idx="0"/>
-        <a:effectRef idx="0"/>
+        <a:lnRef idx="0">
+          <a:scrgbClr r="0" g="0" b="0"/>
+        </a:lnRef>
+        <a:fillRef idx="0">
+          <a:scrgbClr r="0" g="0" b="0"/>
+        </a:fillRef>
+        <a:effectRef idx="0">
+          <a:scrgbClr r="0" g="0" b="0"/>
+        </a:effectRef>
         <a:fontRef idx="none"/>
       </a:style>
     </a:spDef>
@@ -13523,7 +12614,7 @@
         </a:ln>
         <a:effectLst/>
       </a:spPr>
-      <a:bodyPr rot="0" spcFirstLastPara="1" vertOverflow="overflow" horzOverflow="overflow" vert="horz" wrap="square" lIns="91439" tIns="45719" rIns="91439" bIns="45719" numCol="1" spcCol="38100" rtlCol="0" anchor="t" upright="0">
+      <a:bodyPr rot="0" spcFirstLastPara="1" vertOverflow="overflow" horzOverflow="overflow" vert="horz" wrap="square" lIns="91439" tIns="45719" rIns="91439" bIns="45719" numCol="1" spcCol="38100" rtlCol="0" anchor="t">
         <a:noAutofit/>
       </a:bodyPr>
       <a:lstStyle>
@@ -13542,7 +12633,7 @@
           <a:buFontTx/>
           <a:buNone/>
           <a:tabLst/>
-          <a:defRPr b="0" baseline="0" cap="none" i="0" spc="0" strike="noStrike" sz="1800" u="none" kumimoji="0" normalizeH="0">
+          <a:defRPr kumimoji="0" sz="1800" b="0" i="0" u="none" strike="noStrike" cap="none" spc="0" normalizeH="0" baseline="0">
             <a:ln>
               <a:noFill/>
             </a:ln>
@@ -13568,7 +12659,7 @@
           <a:buFontTx/>
           <a:buNone/>
           <a:tabLst/>
-          <a:defRPr b="0" baseline="0" cap="none" i="0" spc="0" strike="noStrike" sz="1800" u="none" kumimoji="0" normalizeH="0">
+          <a:defRPr kumimoji="0" sz="1800" b="0" i="0" u="none" strike="noStrike" cap="none" spc="0" normalizeH="0" baseline="0">
             <a:ln>
               <a:noFill/>
             </a:ln>
@@ -13594,7 +12685,7 @@
           <a:buFontTx/>
           <a:buNone/>
           <a:tabLst/>
-          <a:defRPr b="0" baseline="0" cap="none" i="0" spc="0" strike="noStrike" sz="1800" u="none" kumimoji="0" normalizeH="0">
+          <a:defRPr kumimoji="0" sz="1800" b="0" i="0" u="none" strike="noStrike" cap="none" spc="0" normalizeH="0" baseline="0">
             <a:ln>
               <a:noFill/>
             </a:ln>
@@ -13620,7 +12711,7 @@
           <a:buFontTx/>
           <a:buNone/>
           <a:tabLst/>
-          <a:defRPr b="0" baseline="0" cap="none" i="0" spc="0" strike="noStrike" sz="1800" u="none" kumimoji="0" normalizeH="0">
+          <a:defRPr kumimoji="0" sz="1800" b="0" i="0" u="none" strike="noStrike" cap="none" spc="0" normalizeH="0" baseline="0">
             <a:ln>
               <a:noFill/>
             </a:ln>
@@ -13646,7 +12737,7 @@
           <a:buFontTx/>
           <a:buNone/>
           <a:tabLst/>
-          <a:defRPr b="0" baseline="0" cap="none" i="0" spc="0" strike="noStrike" sz="1800" u="none" kumimoji="0" normalizeH="0">
+          <a:defRPr kumimoji="0" sz="1800" b="0" i="0" u="none" strike="noStrike" cap="none" spc="0" normalizeH="0" baseline="0">
             <a:ln>
               <a:noFill/>
             </a:ln>
@@ -13672,7 +12763,7 @@
           <a:buFontTx/>
           <a:buNone/>
           <a:tabLst/>
-          <a:defRPr b="0" baseline="0" cap="none" i="0" spc="0" strike="noStrike" sz="1800" u="none" kumimoji="0" normalizeH="0">
+          <a:defRPr kumimoji="0" sz="1800" b="0" i="0" u="none" strike="noStrike" cap="none" spc="0" normalizeH="0" baseline="0">
             <a:ln>
               <a:noFill/>
             </a:ln>
@@ -13698,7 +12789,7 @@
           <a:buFontTx/>
           <a:buNone/>
           <a:tabLst/>
-          <a:defRPr b="0" baseline="0" cap="none" i="0" spc="0" strike="noStrike" sz="1800" u="none" kumimoji="0" normalizeH="0">
+          <a:defRPr kumimoji="0" sz="1800" b="0" i="0" u="none" strike="noStrike" cap="none" spc="0" normalizeH="0" baseline="0">
             <a:ln>
               <a:noFill/>
             </a:ln>
@@ -13724,7 +12815,7 @@
           <a:buFontTx/>
           <a:buNone/>
           <a:tabLst/>
-          <a:defRPr b="0" baseline="0" cap="none" i="0" spc="0" strike="noStrike" sz="1800" u="none" kumimoji="0" normalizeH="0">
+          <a:defRPr kumimoji="0" sz="1800" b="0" i="0" u="none" strike="noStrike" cap="none" spc="0" normalizeH="0" baseline="0">
             <a:ln>
               <a:noFill/>
             </a:ln>
@@ -13750,7 +12841,7 @@
           <a:buFontTx/>
           <a:buNone/>
           <a:tabLst/>
-          <a:defRPr b="0" baseline="0" cap="none" i="0" spc="0" strike="noStrike" sz="1800" u="none" kumimoji="0" normalizeH="0">
+          <a:defRPr kumimoji="0" sz="1800" b="0" i="0" u="none" strike="noStrike" cap="none" spc="0" normalizeH="0" baseline="0">
             <a:ln>
               <a:noFill/>
             </a:ln>
@@ -13776,7 +12867,7 @@
           <a:buFontTx/>
           <a:buNone/>
           <a:tabLst/>
-          <a:defRPr b="0" baseline="0" cap="none" i="0" spc="0" strike="noStrike" sz="1800" u="none" kumimoji="0" normalizeH="0">
+          <a:defRPr kumimoji="0" sz="1800" b="0" i="0" u="none" strike="noStrike" cap="none" spc="0" normalizeH="0" baseline="0">
             <a:ln>
               <a:noFill/>
             </a:ln>
@@ -13789,9 +12880,15 @@
         </a:lvl9pPr>
       </a:lstStyle>
       <a:style>
-        <a:lnRef idx="0"/>
-        <a:fillRef idx="0"/>
-        <a:effectRef idx="0"/>
+        <a:lnRef idx="0">
+          <a:scrgbClr r="0" g="0" b="0"/>
+        </a:lnRef>
+        <a:fillRef idx="0">
+          <a:scrgbClr r="0" g="0" b="0"/>
+        </a:fillRef>
+        <a:effectRef idx="0">
+          <a:scrgbClr r="0" g="0" b="0"/>
+        </a:effectRef>
         <a:fontRef idx="none"/>
       </a:style>
     </a:lnDef>
@@ -13804,7 +12901,7 @@
         </a:ln>
         <a:effectLst/>
       </a:spPr>
-      <a:bodyPr rot="0" spcFirstLastPara="1" vertOverflow="overflow" horzOverflow="overflow" vert="horz" wrap="square" lIns="45719" tIns="45719" rIns="45719" bIns="45719" numCol="1" spcCol="38100" rtlCol="0" anchor="t" upright="0">
+      <a:bodyPr rot="0" spcFirstLastPara="1" vertOverflow="overflow" horzOverflow="overflow" vert="horz" wrap="square" lIns="45719" tIns="45719" rIns="45719" bIns="45719" numCol="1" spcCol="38100" rtlCol="0" anchor="t">
         <a:spAutoFit/>
       </a:bodyPr>
       <a:lstStyle>
@@ -13823,7 +12920,7 @@
           <a:buFontTx/>
           <a:buNone/>
           <a:tabLst/>
-          <a:defRPr b="0" baseline="0" cap="none" i="0" spc="0" strike="noStrike" sz="1800" u="none" kumimoji="0" normalizeH="0">
+          <a:defRPr kumimoji="0" sz="1800" b="0" i="0" u="none" strike="noStrike" cap="none" spc="0" normalizeH="0" baseline="0">
             <a:ln>
               <a:noFill/>
             </a:ln>
@@ -13853,7 +12950,7 @@
           <a:buFontTx/>
           <a:buNone/>
           <a:tabLst/>
-          <a:defRPr b="0" baseline="0" cap="none" i="0" spc="0" strike="noStrike" sz="1800" u="none" kumimoji="0" normalizeH="0">
+          <a:defRPr kumimoji="0" sz="1800" b="0" i="0" u="none" strike="noStrike" cap="none" spc="0" normalizeH="0" baseline="0">
             <a:ln>
               <a:noFill/>
             </a:ln>
@@ -13879,7 +12976,7 @@
           <a:buFontTx/>
           <a:buNone/>
           <a:tabLst/>
-          <a:defRPr b="0" baseline="0" cap="none" i="0" spc="0" strike="noStrike" sz="1800" u="none" kumimoji="0" normalizeH="0">
+          <a:defRPr kumimoji="0" sz="1800" b="0" i="0" u="none" strike="noStrike" cap="none" spc="0" normalizeH="0" baseline="0">
             <a:ln>
               <a:noFill/>
             </a:ln>
@@ -13905,7 +13002,7 @@
           <a:buFontTx/>
           <a:buNone/>
           <a:tabLst/>
-          <a:defRPr b="0" baseline="0" cap="none" i="0" spc="0" strike="noStrike" sz="1800" u="none" kumimoji="0" normalizeH="0">
+          <a:defRPr kumimoji="0" sz="1800" b="0" i="0" u="none" strike="noStrike" cap="none" spc="0" normalizeH="0" baseline="0">
             <a:ln>
               <a:noFill/>
             </a:ln>
@@ -13931,7 +13028,7 @@
           <a:buFontTx/>
           <a:buNone/>
           <a:tabLst/>
-          <a:defRPr b="0" baseline="0" cap="none" i="0" spc="0" strike="noStrike" sz="1800" u="none" kumimoji="0" normalizeH="0">
+          <a:defRPr kumimoji="0" sz="1800" b="0" i="0" u="none" strike="noStrike" cap="none" spc="0" normalizeH="0" baseline="0">
             <a:ln>
               <a:noFill/>
             </a:ln>
@@ -13957,7 +13054,7 @@
           <a:buFontTx/>
           <a:buNone/>
           <a:tabLst/>
-          <a:defRPr b="0" baseline="0" cap="none" i="0" spc="0" strike="noStrike" sz="1800" u="none" kumimoji="0" normalizeH="0">
+          <a:defRPr kumimoji="0" sz="1800" b="0" i="0" u="none" strike="noStrike" cap="none" spc="0" normalizeH="0" baseline="0">
             <a:ln>
               <a:noFill/>
             </a:ln>
@@ -13983,7 +13080,7 @@
           <a:buFontTx/>
           <a:buNone/>
           <a:tabLst/>
-          <a:defRPr b="0" baseline="0" cap="none" i="0" spc="0" strike="noStrike" sz="1800" u="none" kumimoji="0" normalizeH="0">
+          <a:defRPr kumimoji="0" sz="1800" b="0" i="0" u="none" strike="noStrike" cap="none" spc="0" normalizeH="0" baseline="0">
             <a:ln>
               <a:noFill/>
             </a:ln>
@@ -14009,7 +13106,7 @@
           <a:buFontTx/>
           <a:buNone/>
           <a:tabLst/>
-          <a:defRPr b="0" baseline="0" cap="none" i="0" spc="0" strike="noStrike" sz="1800" u="none" kumimoji="0" normalizeH="0">
+          <a:defRPr kumimoji="0" sz="1800" b="0" i="0" u="none" strike="noStrike" cap="none" spc="0" normalizeH="0" baseline="0">
             <a:ln>
               <a:noFill/>
             </a:ln>
@@ -14035,7 +13132,7 @@
           <a:buFontTx/>
           <a:buNone/>
           <a:tabLst/>
-          <a:defRPr b="0" baseline="0" cap="none" i="0" spc="0" strike="noStrike" sz="1800" u="none" kumimoji="0" normalizeH="0">
+          <a:defRPr kumimoji="0" sz="1800" b="0" i="0" u="none" strike="noStrike" cap="none" spc="0" normalizeH="0" baseline="0">
             <a:ln>
               <a:noFill/>
             </a:ln>
@@ -14061,7 +13158,7 @@
           <a:buFontTx/>
           <a:buNone/>
           <a:tabLst/>
-          <a:defRPr b="0" baseline="0" cap="none" i="0" spc="0" strike="noStrike" sz="1800" u="none" kumimoji="0" normalizeH="0">
+          <a:defRPr kumimoji="0" sz="1800" b="0" i="0" u="none" strike="noStrike" cap="none" spc="0" normalizeH="0" baseline="0">
             <a:ln>
               <a:noFill/>
             </a:ln>
@@ -14074,18 +13171,25 @@
         </a:lvl9pPr>
       </a:lstStyle>
       <a:style>
-        <a:lnRef idx="0"/>
-        <a:fillRef idx="0"/>
-        <a:effectRef idx="0"/>
+        <a:lnRef idx="0">
+          <a:scrgbClr r="0" g="0" b="0"/>
+        </a:lnRef>
+        <a:fillRef idx="0">
+          <a:scrgbClr r="0" g="0" b="0"/>
+        </a:fillRef>
+        <a:effectRef idx="0">
+          <a:scrgbClr r="0" g="0" b="0"/>
+        </a:effectRef>
         <a:fontRef idx="none"/>
       </a:style>
     </a:txDef>
   </a:objectDefaults>
+  <a:extraClrSchemeLst/>
 </a:theme>
 </file>
 
 <file path=ppt/theme/theme2.xml><?xml version="1.0" encoding="utf-8"?>
-<a:theme xmlns:a="http://schemas.openxmlformats.org/drawingml/2006/main" xmlns:r="http://schemas.openxmlformats.org/officeDocument/2006/relationships" name="Default">
+<a:theme xmlns:a="http://schemas.openxmlformats.org/drawingml/2006/main" name="Default">
   <a:themeElements>
     <a:clrScheme name="Default">
       <a:dk1>
@@ -14286,7 +13390,7 @@
         </a:ln>
         <a:effectLst/>
       </a:spPr>
-      <a:bodyPr rot="0" spcFirstLastPara="1" vertOverflow="overflow" horzOverflow="overflow" vert="horz" wrap="square" lIns="45719" tIns="45719" rIns="45719" bIns="45719" numCol="1" spcCol="38100" rtlCol="0" anchor="ctr" upright="0">
+      <a:bodyPr rot="0" spcFirstLastPara="1" vertOverflow="overflow" horzOverflow="overflow" vert="horz" wrap="square" lIns="45719" tIns="45719" rIns="45719" bIns="45719" numCol="1" spcCol="38100" rtlCol="0" anchor="ctr">
         <a:spAutoFit/>
       </a:bodyPr>
       <a:lstStyle>
@@ -14305,7 +13409,7 @@
           <a:buFontTx/>
           <a:buNone/>
           <a:tabLst/>
-          <a:defRPr b="0" baseline="0" cap="none" i="0" spc="0" strike="noStrike" sz="1800" u="none" kumimoji="0" normalizeH="0">
+          <a:defRPr kumimoji="0" sz="1800" b="0" i="0" u="none" strike="noStrike" cap="none" spc="0" normalizeH="0" baseline="0">
             <a:ln>
               <a:noFill/>
             </a:ln>
@@ -14335,7 +13439,7 @@
           <a:buFontTx/>
           <a:buNone/>
           <a:tabLst/>
-          <a:defRPr b="0" baseline="0" cap="none" i="0" spc="0" strike="noStrike" sz="1800" u="none" kumimoji="0" normalizeH="0">
+          <a:defRPr kumimoji="0" sz="1800" b="0" i="0" u="none" strike="noStrike" cap="none" spc="0" normalizeH="0" baseline="0">
             <a:ln>
               <a:noFill/>
             </a:ln>
@@ -14361,7 +13465,7 @@
           <a:buFontTx/>
           <a:buNone/>
           <a:tabLst/>
-          <a:defRPr b="0" baseline="0" cap="none" i="0" spc="0" strike="noStrike" sz="1800" u="none" kumimoji="0" normalizeH="0">
+          <a:defRPr kumimoji="0" sz="1800" b="0" i="0" u="none" strike="noStrike" cap="none" spc="0" normalizeH="0" baseline="0">
             <a:ln>
               <a:noFill/>
             </a:ln>
@@ -14387,7 +13491,7 @@
           <a:buFontTx/>
           <a:buNone/>
           <a:tabLst/>
-          <a:defRPr b="0" baseline="0" cap="none" i="0" spc="0" strike="noStrike" sz="1800" u="none" kumimoji="0" normalizeH="0">
+          <a:defRPr kumimoji="0" sz="1800" b="0" i="0" u="none" strike="noStrike" cap="none" spc="0" normalizeH="0" baseline="0">
             <a:ln>
               <a:noFill/>
             </a:ln>
@@ -14413,7 +13517,7 @@
           <a:buFontTx/>
           <a:buNone/>
           <a:tabLst/>
-          <a:defRPr b="0" baseline="0" cap="none" i="0" spc="0" strike="noStrike" sz="1800" u="none" kumimoji="0" normalizeH="0">
+          <a:defRPr kumimoji="0" sz="1800" b="0" i="0" u="none" strike="noStrike" cap="none" spc="0" normalizeH="0" baseline="0">
             <a:ln>
               <a:noFill/>
             </a:ln>
@@ -14439,7 +13543,7 @@
           <a:buFontTx/>
           <a:buNone/>
           <a:tabLst/>
-          <a:defRPr b="0" baseline="0" cap="none" i="0" spc="0" strike="noStrike" sz="1800" u="none" kumimoji="0" normalizeH="0">
+          <a:defRPr kumimoji="0" sz="1800" b="0" i="0" u="none" strike="noStrike" cap="none" spc="0" normalizeH="0" baseline="0">
             <a:ln>
               <a:noFill/>
             </a:ln>
@@ -14465,7 +13569,7 @@
           <a:buFontTx/>
           <a:buNone/>
           <a:tabLst/>
-          <a:defRPr b="0" baseline="0" cap="none" i="0" spc="0" strike="noStrike" sz="1800" u="none" kumimoji="0" normalizeH="0">
+          <a:defRPr kumimoji="0" sz="1800" b="0" i="0" u="none" strike="noStrike" cap="none" spc="0" normalizeH="0" baseline="0">
             <a:ln>
               <a:noFill/>
             </a:ln>
@@ -14491,7 +13595,7 @@
           <a:buFontTx/>
           <a:buNone/>
           <a:tabLst/>
-          <a:defRPr b="0" baseline="0" cap="none" i="0" spc="0" strike="noStrike" sz="1800" u="none" kumimoji="0" normalizeH="0">
+          <a:defRPr kumimoji="0" sz="1800" b="0" i="0" u="none" strike="noStrike" cap="none" spc="0" normalizeH="0" baseline="0">
             <a:ln>
               <a:noFill/>
             </a:ln>
@@ -14517,7 +13621,7 @@
           <a:buFontTx/>
           <a:buNone/>
           <a:tabLst/>
-          <a:defRPr b="0" baseline="0" cap="none" i="0" spc="0" strike="noStrike" sz="1800" u="none" kumimoji="0" normalizeH="0">
+          <a:defRPr kumimoji="0" sz="1800" b="0" i="0" u="none" strike="noStrike" cap="none" spc="0" normalizeH="0" baseline="0">
             <a:ln>
               <a:noFill/>
             </a:ln>
@@ -14543,7 +13647,7 @@
           <a:buFontTx/>
           <a:buNone/>
           <a:tabLst/>
-          <a:defRPr b="0" baseline="0" cap="none" i="0" spc="0" strike="noStrike" sz="1800" u="none" kumimoji="0" normalizeH="0">
+          <a:defRPr kumimoji="0" sz="1800" b="0" i="0" u="none" strike="noStrike" cap="none" spc="0" normalizeH="0" baseline="0">
             <a:ln>
               <a:noFill/>
             </a:ln>
@@ -14556,9 +13660,15 @@
         </a:lvl9pPr>
       </a:lstStyle>
       <a:style>
-        <a:lnRef idx="0"/>
-        <a:fillRef idx="0"/>
-        <a:effectRef idx="0"/>
+        <a:lnRef idx="0">
+          <a:scrgbClr r="0" g="0" b="0"/>
+        </a:lnRef>
+        <a:fillRef idx="0">
+          <a:scrgbClr r="0" g="0" b="0"/>
+        </a:fillRef>
+        <a:effectRef idx="0">
+          <a:scrgbClr r="0" g="0" b="0"/>
+        </a:effectRef>
         <a:fontRef idx="none"/>
       </a:style>
     </a:spDef>
@@ -14574,7 +13684,7 @@
         </a:ln>
         <a:effectLst/>
       </a:spPr>
-      <a:bodyPr rot="0" spcFirstLastPara="1" vertOverflow="overflow" horzOverflow="overflow" vert="horz" wrap="square" lIns="91439" tIns="45719" rIns="91439" bIns="45719" numCol="1" spcCol="38100" rtlCol="0" anchor="t" upright="0">
+      <a:bodyPr rot="0" spcFirstLastPara="1" vertOverflow="overflow" horzOverflow="overflow" vert="horz" wrap="square" lIns="91439" tIns="45719" rIns="91439" bIns="45719" numCol="1" spcCol="38100" rtlCol="0" anchor="t">
         <a:noAutofit/>
       </a:bodyPr>
       <a:lstStyle>
@@ -14593,7 +13703,7 @@
           <a:buFontTx/>
           <a:buNone/>
           <a:tabLst/>
-          <a:defRPr b="0" baseline="0" cap="none" i="0" spc="0" strike="noStrike" sz="1800" u="none" kumimoji="0" normalizeH="0">
+          <a:defRPr kumimoji="0" sz="1800" b="0" i="0" u="none" strike="noStrike" cap="none" spc="0" normalizeH="0" baseline="0">
             <a:ln>
               <a:noFill/>
             </a:ln>
@@ -14619,7 +13729,7 @@
           <a:buFontTx/>
           <a:buNone/>
           <a:tabLst/>
-          <a:defRPr b="0" baseline="0" cap="none" i="0" spc="0" strike="noStrike" sz="1800" u="none" kumimoji="0" normalizeH="0">
+          <a:defRPr kumimoji="0" sz="1800" b="0" i="0" u="none" strike="noStrike" cap="none" spc="0" normalizeH="0" baseline="0">
             <a:ln>
               <a:noFill/>
             </a:ln>
@@ -14645,7 +13755,7 @@
           <a:buFontTx/>
           <a:buNone/>
           <a:tabLst/>
-          <a:defRPr b="0" baseline="0" cap="none" i="0" spc="0" strike="noStrike" sz="1800" u="none" kumimoji="0" normalizeH="0">
+          <a:defRPr kumimoji="0" sz="1800" b="0" i="0" u="none" strike="noStrike" cap="none" spc="0" normalizeH="0" baseline="0">
             <a:ln>
               <a:noFill/>
             </a:ln>
@@ -14671,7 +13781,7 @@
           <a:buFontTx/>
           <a:buNone/>
           <a:tabLst/>
-          <a:defRPr b="0" baseline="0" cap="none" i="0" spc="0" strike="noStrike" sz="1800" u="none" kumimoji="0" normalizeH="0">
+          <a:defRPr kumimoji="0" sz="1800" b="0" i="0" u="none" strike="noStrike" cap="none" spc="0" normalizeH="0" baseline="0">
             <a:ln>
               <a:noFill/>
             </a:ln>
@@ -14697,7 +13807,7 @@
           <a:buFontTx/>
           <a:buNone/>
           <a:tabLst/>
-          <a:defRPr b="0" baseline="0" cap="none" i="0" spc="0" strike="noStrike" sz="1800" u="none" kumimoji="0" normalizeH="0">
+          <a:defRPr kumimoji="0" sz="1800" b="0" i="0" u="none" strike="noStrike" cap="none" spc="0" normalizeH="0" baseline="0">
             <a:ln>
               <a:noFill/>
             </a:ln>
@@ -14723,7 +13833,7 @@
           <a:buFontTx/>
           <a:buNone/>
           <a:tabLst/>
-          <a:defRPr b="0" baseline="0" cap="none" i="0" spc="0" strike="noStrike" sz="1800" u="none" kumimoji="0" normalizeH="0">
+          <a:defRPr kumimoji="0" sz="1800" b="0" i="0" u="none" strike="noStrike" cap="none" spc="0" normalizeH="0" baseline="0">
             <a:ln>
               <a:noFill/>
             </a:ln>
@@ -14749,7 +13859,7 @@
           <a:buFontTx/>
           <a:buNone/>
           <a:tabLst/>
-          <a:defRPr b="0" baseline="0" cap="none" i="0" spc="0" strike="noStrike" sz="1800" u="none" kumimoji="0" normalizeH="0">
+          <a:defRPr kumimoji="0" sz="1800" b="0" i="0" u="none" strike="noStrike" cap="none" spc="0" normalizeH="0" baseline="0">
             <a:ln>
               <a:noFill/>
             </a:ln>
@@ -14775,7 +13885,7 @@
           <a:buFontTx/>
           <a:buNone/>
           <a:tabLst/>
-          <a:defRPr b="0" baseline="0" cap="none" i="0" spc="0" strike="noStrike" sz="1800" u="none" kumimoji="0" normalizeH="0">
+          <a:defRPr kumimoji="0" sz="1800" b="0" i="0" u="none" strike="noStrike" cap="none" spc="0" normalizeH="0" baseline="0">
             <a:ln>
               <a:noFill/>
             </a:ln>
@@ -14801,7 +13911,7 @@
           <a:buFontTx/>
           <a:buNone/>
           <a:tabLst/>
-          <a:defRPr b="0" baseline="0" cap="none" i="0" spc="0" strike="noStrike" sz="1800" u="none" kumimoji="0" normalizeH="0">
+          <a:defRPr kumimoji="0" sz="1800" b="0" i="0" u="none" strike="noStrike" cap="none" spc="0" normalizeH="0" baseline="0">
             <a:ln>
               <a:noFill/>
             </a:ln>
@@ -14827,7 +13937,7 @@
           <a:buFontTx/>
           <a:buNone/>
           <a:tabLst/>
-          <a:defRPr b="0" baseline="0" cap="none" i="0" spc="0" strike="noStrike" sz="1800" u="none" kumimoji="0" normalizeH="0">
+          <a:defRPr kumimoji="0" sz="1800" b="0" i="0" u="none" strike="noStrike" cap="none" spc="0" normalizeH="0" baseline="0">
             <a:ln>
               <a:noFill/>
             </a:ln>
@@ -14840,9 +13950,15 @@
         </a:lvl9pPr>
       </a:lstStyle>
       <a:style>
-        <a:lnRef idx="0"/>
-        <a:fillRef idx="0"/>
-        <a:effectRef idx="0"/>
+        <a:lnRef idx="0">
+          <a:scrgbClr r="0" g="0" b="0"/>
+        </a:lnRef>
+        <a:fillRef idx="0">
+          <a:scrgbClr r="0" g="0" b="0"/>
+        </a:fillRef>
+        <a:effectRef idx="0">
+          <a:scrgbClr r="0" g="0" b="0"/>
+        </a:effectRef>
         <a:fontRef idx="none"/>
       </a:style>
     </a:lnDef>
@@ -14855,7 +13971,7 @@
         </a:ln>
         <a:effectLst/>
       </a:spPr>
-      <a:bodyPr rot="0" spcFirstLastPara="1" vertOverflow="overflow" horzOverflow="overflow" vert="horz" wrap="square" lIns="45719" tIns="45719" rIns="45719" bIns="45719" numCol="1" spcCol="38100" rtlCol="0" anchor="t" upright="0">
+      <a:bodyPr rot="0" spcFirstLastPara="1" vertOverflow="overflow" horzOverflow="overflow" vert="horz" wrap="square" lIns="45719" tIns="45719" rIns="45719" bIns="45719" numCol="1" spcCol="38100" rtlCol="0" anchor="t">
         <a:spAutoFit/>
       </a:bodyPr>
       <a:lstStyle>
@@ -14874,7 +13990,7 @@
           <a:buFontTx/>
           <a:buNone/>
           <a:tabLst/>
-          <a:defRPr b="0" baseline="0" cap="none" i="0" spc="0" strike="noStrike" sz="1800" u="none" kumimoji="0" normalizeH="0">
+          <a:defRPr kumimoji="0" sz="1800" b="0" i="0" u="none" strike="noStrike" cap="none" spc="0" normalizeH="0" baseline="0">
             <a:ln>
               <a:noFill/>
             </a:ln>
@@ -14904,7 +14020,7 @@
           <a:buFontTx/>
           <a:buNone/>
           <a:tabLst/>
-          <a:defRPr b="0" baseline="0" cap="none" i="0" spc="0" strike="noStrike" sz="1800" u="none" kumimoji="0" normalizeH="0">
+          <a:defRPr kumimoji="0" sz="1800" b="0" i="0" u="none" strike="noStrike" cap="none" spc="0" normalizeH="0" baseline="0">
             <a:ln>
               <a:noFill/>
             </a:ln>
@@ -14930,7 +14046,7 @@
           <a:buFontTx/>
           <a:buNone/>
           <a:tabLst/>
-          <a:defRPr b="0" baseline="0" cap="none" i="0" spc="0" strike="noStrike" sz="1800" u="none" kumimoji="0" normalizeH="0">
+          <a:defRPr kumimoji="0" sz="1800" b="0" i="0" u="none" strike="noStrike" cap="none" spc="0" normalizeH="0" baseline="0">
             <a:ln>
               <a:noFill/>
             </a:ln>
@@ -14956,7 +14072,7 @@
           <a:buFontTx/>
           <a:buNone/>
           <a:tabLst/>
-          <a:defRPr b="0" baseline="0" cap="none" i="0" spc="0" strike="noStrike" sz="1800" u="none" kumimoji="0" normalizeH="0">
+          <a:defRPr kumimoji="0" sz="1800" b="0" i="0" u="none" strike="noStrike" cap="none" spc="0" normalizeH="0" baseline="0">
             <a:ln>
               <a:noFill/>
             </a:ln>
@@ -14982,7 +14098,7 @@
           <a:buFontTx/>
           <a:buNone/>
           <a:tabLst/>
-          <a:defRPr b="0" baseline="0" cap="none" i="0" spc="0" strike="noStrike" sz="1800" u="none" kumimoji="0" normalizeH="0">
+          <a:defRPr kumimoji="0" sz="1800" b="0" i="0" u="none" strike="noStrike" cap="none" spc="0" normalizeH="0" baseline="0">
             <a:ln>
               <a:noFill/>
             </a:ln>
@@ -15008,7 +14124,7 @@
           <a:buFontTx/>
           <a:buNone/>
           <a:tabLst/>
-          <a:defRPr b="0" baseline="0" cap="none" i="0" spc="0" strike="noStrike" sz="1800" u="none" kumimoji="0" normalizeH="0">
+          <a:defRPr kumimoji="0" sz="1800" b="0" i="0" u="none" strike="noStrike" cap="none" spc="0" normalizeH="0" baseline="0">
             <a:ln>
               <a:noFill/>
             </a:ln>
@@ -15034,7 +14150,7 @@
           <a:buFontTx/>
           <a:buNone/>
           <a:tabLst/>
-          <a:defRPr b="0" baseline="0" cap="none" i="0" spc="0" strike="noStrike" sz="1800" u="none" kumimoji="0" normalizeH="0">
+          <a:defRPr kumimoji="0" sz="1800" b="0" i="0" u="none" strike="noStrike" cap="none" spc="0" normalizeH="0" baseline="0">
             <a:ln>
               <a:noFill/>
             </a:ln>
@@ -15060,7 +14176,7 @@
           <a:buFontTx/>
           <a:buNone/>
           <a:tabLst/>
-          <a:defRPr b="0" baseline="0" cap="none" i="0" spc="0" strike="noStrike" sz="1800" u="none" kumimoji="0" normalizeH="0">
+          <a:defRPr kumimoji="0" sz="1800" b="0" i="0" u="none" strike="noStrike" cap="none" spc="0" normalizeH="0" baseline="0">
             <a:ln>
               <a:noFill/>
             </a:ln>
@@ -15086,7 +14202,7 @@
           <a:buFontTx/>
           <a:buNone/>
           <a:tabLst/>
-          <a:defRPr b="0" baseline="0" cap="none" i="0" spc="0" strike="noStrike" sz="1800" u="none" kumimoji="0" normalizeH="0">
+          <a:defRPr kumimoji="0" sz="1800" b="0" i="0" u="none" strike="noStrike" cap="none" spc="0" normalizeH="0" baseline="0">
             <a:ln>
               <a:noFill/>
             </a:ln>
@@ -15112,7 +14228,7 @@
           <a:buFontTx/>
           <a:buNone/>
           <a:tabLst/>
-          <a:defRPr b="0" baseline="0" cap="none" i="0" spc="0" strike="noStrike" sz="1800" u="none" kumimoji="0" normalizeH="0">
+          <a:defRPr kumimoji="0" sz="1800" b="0" i="0" u="none" strike="noStrike" cap="none" spc="0" normalizeH="0" baseline="0">
             <a:ln>
               <a:noFill/>
             </a:ln>
@@ -15125,12 +14241,19 @@
         </a:lvl9pPr>
       </a:lstStyle>
       <a:style>
-        <a:lnRef idx="0"/>
-        <a:fillRef idx="0"/>
-        <a:effectRef idx="0"/>
+        <a:lnRef idx="0">
+          <a:scrgbClr r="0" g="0" b="0"/>
+        </a:lnRef>
+        <a:fillRef idx="0">
+          <a:scrgbClr r="0" g="0" b="0"/>
+        </a:fillRef>
+        <a:effectRef idx="0">
+          <a:scrgbClr r="0" g="0" b="0"/>
+        </a:effectRef>
         <a:fontRef idx="none"/>
       </a:style>
     </a:txDef>
   </a:objectDefaults>
+  <a:extraClrSchemeLst/>
 </a:theme>
 </file>